--- a/Presentations/6_Interoperability.pptx
+++ b/Presentations/6_Interoperability.pptx
@@ -8,6 +8,11 @@
     <p:sldId id="257" r:id="rId2"/>
     <p:sldId id="258" r:id="rId3"/>
     <p:sldId id="259" r:id="rId4"/>
+    <p:sldId id="263" r:id="rId5"/>
+    <p:sldId id="260" r:id="rId6"/>
+    <p:sldId id="261" r:id="rId7"/>
+    <p:sldId id="262" r:id="rId8"/>
+    <p:sldId id="264" r:id="rId9"/>
   </p:sldIdLst>
   <p:sldSz cx="12192000" cy="6858000"/>
   <p:notesSz cx="6858000" cy="9144000"/>
@@ -106,6 +111,11 @@
       </a:defRPr>
     </a:lvl9pPr>
   </p:defaultTextStyle>
+  <p:extLst>
+    <p:ext uri="{EFAFB233-063F-42B5-8137-9DF3F51BA10A}">
+      <p15:sldGuideLst xmlns:p15="http://schemas.microsoft.com/office/powerpoint/2012/main"/>
+    </p:ext>
+  </p:extLst>
 </p:presentation>
 </file>
 
@@ -287,7 +297,7 @@
           <a:p>
             <a:fld id="{28F9ECFE-D750-46CB-8B76-DD114F974057}" type="datetimeFigureOut">
               <a:rPr lang="en-US" smtClean="0"/>
-              <a:t>8/16/2020</a:t>
+              <a:t>8/17/2020</a:t>
             </a:fld>
             <a:endParaRPr lang="en-US"/>
           </a:p>
@@ -487,7 +497,7 @@
           <a:p>
             <a:fld id="{28F9ECFE-D750-46CB-8B76-DD114F974057}" type="datetimeFigureOut">
               <a:rPr lang="en-US" smtClean="0"/>
-              <a:t>8/16/2020</a:t>
+              <a:t>8/17/2020</a:t>
             </a:fld>
             <a:endParaRPr lang="en-US"/>
           </a:p>
@@ -697,7 +707,7 @@
           <a:p>
             <a:fld id="{28F9ECFE-D750-46CB-8B76-DD114F974057}" type="datetimeFigureOut">
               <a:rPr lang="en-US" smtClean="0"/>
-              <a:t>8/16/2020</a:t>
+              <a:t>8/17/2020</a:t>
             </a:fld>
             <a:endParaRPr lang="en-US"/>
           </a:p>
@@ -897,7 +907,7 @@
           <a:p>
             <a:fld id="{28F9ECFE-D750-46CB-8B76-DD114F974057}" type="datetimeFigureOut">
               <a:rPr lang="en-US" smtClean="0"/>
-              <a:t>8/16/2020</a:t>
+              <a:t>8/17/2020</a:t>
             </a:fld>
             <a:endParaRPr lang="en-US"/>
           </a:p>
@@ -1173,7 +1183,7 @@
           <a:p>
             <a:fld id="{28F9ECFE-D750-46CB-8B76-DD114F974057}" type="datetimeFigureOut">
               <a:rPr lang="en-US" smtClean="0"/>
-              <a:t>8/16/2020</a:t>
+              <a:t>8/17/2020</a:t>
             </a:fld>
             <a:endParaRPr lang="en-US"/>
           </a:p>
@@ -1441,7 +1451,7 @@
           <a:p>
             <a:fld id="{28F9ECFE-D750-46CB-8B76-DD114F974057}" type="datetimeFigureOut">
               <a:rPr lang="en-US" smtClean="0"/>
-              <a:t>8/16/2020</a:t>
+              <a:t>8/17/2020</a:t>
             </a:fld>
             <a:endParaRPr lang="en-US"/>
           </a:p>
@@ -1856,7 +1866,7 @@
           <a:p>
             <a:fld id="{28F9ECFE-D750-46CB-8B76-DD114F974057}" type="datetimeFigureOut">
               <a:rPr lang="en-US" smtClean="0"/>
-              <a:t>8/16/2020</a:t>
+              <a:t>8/17/2020</a:t>
             </a:fld>
             <a:endParaRPr lang="en-US"/>
           </a:p>
@@ -1998,7 +2008,7 @@
           <a:p>
             <a:fld id="{28F9ECFE-D750-46CB-8B76-DD114F974057}" type="datetimeFigureOut">
               <a:rPr lang="en-US" smtClean="0"/>
-              <a:t>8/16/2020</a:t>
+              <a:t>8/17/2020</a:t>
             </a:fld>
             <a:endParaRPr lang="en-US"/>
           </a:p>
@@ -2111,7 +2121,7 @@
           <a:p>
             <a:fld id="{28F9ECFE-D750-46CB-8B76-DD114F974057}" type="datetimeFigureOut">
               <a:rPr lang="en-US" smtClean="0"/>
-              <a:t>8/16/2020</a:t>
+              <a:t>8/17/2020</a:t>
             </a:fld>
             <a:endParaRPr lang="en-US"/>
           </a:p>
@@ -2424,7 +2434,7 @@
           <a:p>
             <a:fld id="{28F9ECFE-D750-46CB-8B76-DD114F974057}" type="datetimeFigureOut">
               <a:rPr lang="en-US" smtClean="0"/>
-              <a:t>8/16/2020</a:t>
+              <a:t>8/17/2020</a:t>
             </a:fld>
             <a:endParaRPr lang="en-US"/>
           </a:p>
@@ -2713,7 +2723,7 @@
           <a:p>
             <a:fld id="{28F9ECFE-D750-46CB-8B76-DD114F974057}" type="datetimeFigureOut">
               <a:rPr lang="en-US" smtClean="0"/>
-              <a:t>8/16/2020</a:t>
+              <a:t>8/17/2020</a:t>
             </a:fld>
             <a:endParaRPr lang="en-US"/>
           </a:p>
@@ -2956,7 +2966,7 @@
           <a:p>
             <a:fld id="{28F9ECFE-D750-46CB-8B76-DD114F974057}" type="datetimeFigureOut">
               <a:rPr lang="en-US" smtClean="0"/>
-              <a:t>8/16/2020</a:t>
+              <a:t>8/17/2020</a:t>
             </a:fld>
             <a:endParaRPr lang="en-US"/>
           </a:p>
@@ -4176,7 +4186,11 @@
           </a:bodyPr>
           <a:lstStyle/>
           <a:p>
-            <a:endParaRPr lang="en-US"/>
+            <a:r>
+              <a:rPr lang="da-DK" dirty="0" err="1"/>
+              <a:t>Interoperability</a:t>
+            </a:r>
+            <a:endParaRPr lang="en-US" dirty="0"/>
           </a:p>
         </p:txBody>
       </p:sp>
@@ -4678,7 +4692,57 @@
           </a:bodyPr>
           <a:lstStyle/>
           <a:p>
-            <a:endParaRPr lang="en-US" sz="2400"/>
+            <a:r>
+              <a:rPr lang="da-DK" sz="2400" dirty="0"/>
+              <a:t>”</a:t>
+            </a:r>
+            <a:r>
+              <a:rPr lang="en-US" sz="2400" dirty="0"/>
+              <a:t> ability of a system (such as a weapons system) to work with or use the parts or equipment of another system </a:t>
+            </a:r>
+            <a:r>
+              <a:rPr lang="da-DK" sz="2400" dirty="0"/>
+              <a:t>” - </a:t>
+            </a:r>
+            <a:r>
+              <a:rPr lang="da-DK" sz="2000" dirty="0">
+                <a:hlinkClick r:id="rId2"/>
+              </a:rPr>
+              <a:t>www.merriam-webster.com</a:t>
+            </a:r>
+            <a:endParaRPr lang="da-DK" sz="2000" dirty="0"/>
+          </a:p>
+          <a:p>
+            <a:r>
+              <a:rPr lang="da-DK" sz="2400" dirty="0"/>
+              <a:t>Systemer der gerne vil tale med hinanden. Eks. Et nyere system der skal bruge funktionalitet fra en </a:t>
+            </a:r>
+            <a:r>
+              <a:rPr lang="da-DK" sz="2400" dirty="0" err="1"/>
+              <a:t>en</a:t>
+            </a:r>
+            <a:r>
+              <a:rPr lang="da-DK" sz="2400" dirty="0"/>
+              <a:t> Legacy driver.</a:t>
+            </a:r>
+          </a:p>
+          <a:p>
+            <a:r>
+              <a:rPr lang="da-DK" sz="2400" dirty="0"/>
+              <a:t>Der er ingen grund til at starte forfra.</a:t>
+            </a:r>
+          </a:p>
+          <a:p>
+            <a:r>
+              <a:rPr lang="da-DK" sz="2400" dirty="0"/>
+              <a:t>Dette ser vi meget ude i industrien, hvor kode har været uberørt i flere år, og den originale udvikler ikke er tilstede mere. </a:t>
+            </a:r>
+          </a:p>
+          <a:p>
+            <a:pPr marL="0" indent="0">
+              <a:buNone/>
+            </a:pPr>
+            <a:endParaRPr lang="en-US" sz="2400" dirty="0"/>
           </a:p>
         </p:txBody>
       </p:sp>
@@ -4698,6 +4762,14 @@
 <file path=ppt/slides/slide3.xml><?xml version="1.0" encoding="utf-8"?>
 <p:sld xmlns:a="http://schemas.openxmlformats.org/drawingml/2006/main" xmlns:r="http://schemas.openxmlformats.org/officeDocument/2006/relationships" xmlns:p="http://schemas.openxmlformats.org/presentationml/2006/main">
   <p:cSld>
+    <p:bg>
+      <p:bgPr>
+        <a:solidFill>
+          <a:schemeClr val="bg1"/>
+        </a:solidFill>
+        <a:effectLst/>
+      </p:bgPr>
+    </p:bg>
     <p:spTree>
       <p:nvGrpSpPr>
         <p:cNvPr id="1" name=""/>
@@ -4714,10 +4786,456 @@
       </p:grpSpPr>
       <p:sp>
         <p:nvSpPr>
-          <p:cNvPr id="2" name="Titel 1">
-            <a:extLst>
-              <a:ext uri="{FF2B5EF4-FFF2-40B4-BE49-F238E27FC236}">
-                <a16:creationId xmlns:a16="http://schemas.microsoft.com/office/drawing/2014/main" id="{DFC96503-F2F2-4670-A90A-A4A6CFE70288}"/>
+          <p:cNvPr id="13" name="Freeform: Shape 12">
+            <a:extLst>
+              <a:ext uri="{FF2B5EF4-FFF2-40B4-BE49-F238E27FC236}">
+                <a16:creationId xmlns:a16="http://schemas.microsoft.com/office/drawing/2014/main" id="{3D5CAF16-1F3A-4148-87A8-78A710D1EF81}"/>
+              </a:ext>
+              <a:ext uri="{C183D7F6-B498-43B3-948B-1728B52AA6E4}">
+                <adec:decorative xmlns:adec="http://schemas.microsoft.com/office/drawing/2017/decorative" val="1"/>
+              </a:ext>
+            </a:extLst>
+          </p:cNvPr>
+          <p:cNvSpPr>
+            <a:spLocks noGrp="1" noRot="1" noChangeAspect="1" noMove="1" noResize="1" noEditPoints="1" noAdjustHandles="1" noChangeArrowheads="1" noChangeShapeType="1" noTextEdit="1"/>
+          </p:cNvSpPr>
+          <p:nvPr>
+            <p:extLst>
+              <p:ext uri="{386F3935-93C4-4BCD-93E2-E3B085C9AB24}">
+                <p16:designElem xmlns:p16="http://schemas.microsoft.com/office/powerpoint/2015/main" val="1"/>
+              </p:ext>
+            </p:extLst>
+          </p:nvPr>
+        </p:nvSpPr>
+        <p:spPr>
+          <a:xfrm>
+            <a:off x="7814136" y="0"/>
+            <a:ext cx="4377864" cy="1511303"/>
+          </a:xfrm>
+          <a:custGeom>
+            <a:avLst/>
+            <a:gdLst>
+              <a:gd name="connsiteX0" fmla="*/ 2088891 w 4377864"/>
+              <a:gd name="connsiteY0" fmla="*/ 0 h 1511303"/>
+              <a:gd name="connsiteX1" fmla="*/ 2487984 w 4377864"/>
+              <a:gd name="connsiteY1" fmla="*/ 0 h 1511303"/>
+              <a:gd name="connsiteX2" fmla="*/ 2582604 w 4377864"/>
+              <a:gd name="connsiteY2" fmla="*/ 0 h 1511303"/>
+              <a:gd name="connsiteX3" fmla="*/ 4377864 w 4377864"/>
+              <a:gd name="connsiteY3" fmla="*/ 0 h 1511303"/>
+              <a:gd name="connsiteX4" fmla="*/ 4377864 w 4377864"/>
+              <a:gd name="connsiteY4" fmla="*/ 1511301 h 1511303"/>
+              <a:gd name="connsiteX5" fmla="*/ 2986590 w 4377864"/>
+              <a:gd name="connsiteY5" fmla="*/ 1511301 h 1511303"/>
+              <a:gd name="connsiteX6" fmla="*/ 2986590 w 4377864"/>
+              <a:gd name="connsiteY6" fmla="*/ 1511303 h 1511303"/>
+              <a:gd name="connsiteX7" fmla="*/ 1191330 w 4377864"/>
+              <a:gd name="connsiteY7" fmla="*/ 1511303 h 1511303"/>
+              <a:gd name="connsiteX8" fmla="*/ 399093 w 4377864"/>
+              <a:gd name="connsiteY8" fmla="*/ 1511303 h 1511303"/>
+              <a:gd name="connsiteX9" fmla="*/ 0 w 4377864"/>
+              <a:gd name="connsiteY9" fmla="*/ 1511303 h 1511303"/>
+              <a:gd name="connsiteX10" fmla="*/ 697617 w 4377864"/>
+              <a:gd name="connsiteY10" fmla="*/ 2 h 1511303"/>
+              <a:gd name="connsiteX11" fmla="*/ 1096710 w 4377864"/>
+              <a:gd name="connsiteY11" fmla="*/ 2 h 1511303"/>
+              <a:gd name="connsiteX12" fmla="*/ 1191330 w 4377864"/>
+              <a:gd name="connsiteY12" fmla="*/ 2 h 1511303"/>
+              <a:gd name="connsiteX13" fmla="*/ 2088890 w 4377864"/>
+              <a:gd name="connsiteY13" fmla="*/ 2 h 1511303"/>
+            </a:gdLst>
+            <a:ahLst/>
+            <a:cxnLst>
+              <a:cxn ang="0">
+                <a:pos x="connsiteX0" y="connsiteY0"/>
+              </a:cxn>
+              <a:cxn ang="0">
+                <a:pos x="connsiteX1" y="connsiteY1"/>
+              </a:cxn>
+              <a:cxn ang="0">
+                <a:pos x="connsiteX2" y="connsiteY2"/>
+              </a:cxn>
+              <a:cxn ang="0">
+                <a:pos x="connsiteX3" y="connsiteY3"/>
+              </a:cxn>
+              <a:cxn ang="0">
+                <a:pos x="connsiteX4" y="connsiteY4"/>
+              </a:cxn>
+              <a:cxn ang="0">
+                <a:pos x="connsiteX5" y="connsiteY5"/>
+              </a:cxn>
+              <a:cxn ang="0">
+                <a:pos x="connsiteX6" y="connsiteY6"/>
+              </a:cxn>
+              <a:cxn ang="0">
+                <a:pos x="connsiteX7" y="connsiteY7"/>
+              </a:cxn>
+              <a:cxn ang="0">
+                <a:pos x="connsiteX8" y="connsiteY8"/>
+              </a:cxn>
+              <a:cxn ang="0">
+                <a:pos x="connsiteX9" y="connsiteY9"/>
+              </a:cxn>
+              <a:cxn ang="0">
+                <a:pos x="connsiteX10" y="connsiteY10"/>
+              </a:cxn>
+              <a:cxn ang="0">
+                <a:pos x="connsiteX11" y="connsiteY11"/>
+              </a:cxn>
+              <a:cxn ang="0">
+                <a:pos x="connsiteX12" y="connsiteY12"/>
+              </a:cxn>
+              <a:cxn ang="0">
+                <a:pos x="connsiteX13" y="connsiteY13"/>
+              </a:cxn>
+            </a:cxnLst>
+            <a:rect l="l" t="t" r="r" b="b"/>
+            <a:pathLst>
+              <a:path w="4377864" h="1511303">
+                <a:moveTo>
+                  <a:pt x="2088891" y="0"/>
+                </a:moveTo>
+                <a:lnTo>
+                  <a:pt x="2487984" y="0"/>
+                </a:lnTo>
+                <a:lnTo>
+                  <a:pt x="2582604" y="0"/>
+                </a:lnTo>
+                <a:lnTo>
+                  <a:pt x="4377864" y="0"/>
+                </a:lnTo>
+                <a:lnTo>
+                  <a:pt x="4377864" y="1511301"/>
+                </a:lnTo>
+                <a:lnTo>
+                  <a:pt x="2986590" y="1511301"/>
+                </a:lnTo>
+                <a:lnTo>
+                  <a:pt x="2986590" y="1511303"/>
+                </a:lnTo>
+                <a:lnTo>
+                  <a:pt x="1191330" y="1511303"/>
+                </a:lnTo>
+                <a:lnTo>
+                  <a:pt x="399093" y="1511303"/>
+                </a:lnTo>
+                <a:lnTo>
+                  <a:pt x="0" y="1511303"/>
+                </a:lnTo>
+                <a:lnTo>
+                  <a:pt x="697617" y="2"/>
+                </a:lnTo>
+                <a:lnTo>
+                  <a:pt x="1096710" y="2"/>
+                </a:lnTo>
+                <a:lnTo>
+                  <a:pt x="1191330" y="2"/>
+                </a:lnTo>
+                <a:lnTo>
+                  <a:pt x="2088890" y="2"/>
+                </a:lnTo>
+                <a:close/>
+              </a:path>
+            </a:pathLst>
+          </a:custGeom>
+          <a:solidFill>
+            <a:schemeClr val="accent4"/>
+          </a:solidFill>
+          <a:ln>
+            <a:noFill/>
+          </a:ln>
+        </p:spPr>
+        <p:style>
+          <a:lnRef idx="2">
+            <a:schemeClr val="accent1">
+              <a:shade val="50000"/>
+            </a:schemeClr>
+          </a:lnRef>
+          <a:fillRef idx="1">
+            <a:schemeClr val="accent1"/>
+          </a:fillRef>
+          <a:effectRef idx="0">
+            <a:schemeClr val="accent1"/>
+          </a:effectRef>
+          <a:fontRef idx="minor">
+            <a:schemeClr val="lt1"/>
+          </a:fontRef>
+        </p:style>
+        <p:txBody>
+          <a:bodyPr wrap="square" rtlCol="0" anchor="ctr">
+            <a:noAutofit/>
+          </a:bodyPr>
+          <a:lstStyle/>
+          <a:p>
+            <a:pPr algn="ctr"/>
+            <a:endParaRPr lang="en-US"/>
+          </a:p>
+        </p:txBody>
+      </p:sp>
+      <p:sp>
+        <p:nvSpPr>
+          <p:cNvPr id="15" name="Freeform 11">
+            <a:extLst>
+              <a:ext uri="{FF2B5EF4-FFF2-40B4-BE49-F238E27FC236}">
+                <a16:creationId xmlns:a16="http://schemas.microsoft.com/office/drawing/2014/main" id="{A0BF428C-DA8B-4D99-9930-18F7F91D873D}"/>
+              </a:ext>
+              <a:ext uri="{C183D7F6-B498-43B3-948B-1728B52AA6E4}">
+                <adec:decorative xmlns:adec="http://schemas.microsoft.com/office/drawing/2017/decorative" val="1"/>
+              </a:ext>
+            </a:extLst>
+          </p:cNvPr>
+          <p:cNvSpPr>
+            <a:spLocks noGrp="1" noRot="1" noChangeAspect="1" noMove="1" noResize="1" noEditPoints="1" noAdjustHandles="1" noChangeArrowheads="1" noChangeShapeType="1" noTextEdit="1"/>
+          </p:cNvSpPr>
+          <p:nvPr>
+            <p:extLst>
+              <p:ext uri="{386F3935-93C4-4BCD-93E2-E3B085C9AB24}">
+                <p16:designElem xmlns:p16="http://schemas.microsoft.com/office/powerpoint/2015/main" val="1"/>
+              </p:ext>
+            </p:extLst>
+          </p:nvPr>
+        </p:nvSpPr>
+        <p:spPr>
+          <a:xfrm>
+            <a:off x="4876801" y="1690688"/>
+            <a:ext cx="7316944" cy="5167312"/>
+          </a:xfrm>
+          <a:custGeom>
+            <a:avLst/>
+            <a:gdLst>
+              <a:gd name="connsiteX0" fmla="*/ 0 w 7316944"/>
+              <a:gd name="connsiteY0" fmla="*/ 0 h 5167312"/>
+              <a:gd name="connsiteX1" fmla="*/ 7316944 w 7316944"/>
+              <a:gd name="connsiteY1" fmla="*/ 0 h 5167312"/>
+              <a:gd name="connsiteX2" fmla="*/ 7316944 w 7316944"/>
+              <a:gd name="connsiteY2" fmla="*/ 5167312 h 5167312"/>
+              <a:gd name="connsiteX3" fmla="*/ 472697 w 7316944"/>
+              <a:gd name="connsiteY3" fmla="*/ 5167312 h 5167312"/>
+              <a:gd name="connsiteX4" fmla="*/ 2866576 w 7316944"/>
+              <a:gd name="connsiteY4" fmla="*/ 952 h 5167312"/>
+              <a:gd name="connsiteX5" fmla="*/ 0 w 7316944"/>
+              <a:gd name="connsiteY5" fmla="*/ 952 h 5167312"/>
+            </a:gdLst>
+            <a:ahLst/>
+            <a:cxnLst>
+              <a:cxn ang="0">
+                <a:pos x="connsiteX0" y="connsiteY0"/>
+              </a:cxn>
+              <a:cxn ang="0">
+                <a:pos x="connsiteX1" y="connsiteY1"/>
+              </a:cxn>
+              <a:cxn ang="0">
+                <a:pos x="connsiteX2" y="connsiteY2"/>
+              </a:cxn>
+              <a:cxn ang="0">
+                <a:pos x="connsiteX3" y="connsiteY3"/>
+              </a:cxn>
+              <a:cxn ang="0">
+                <a:pos x="connsiteX4" y="connsiteY4"/>
+              </a:cxn>
+              <a:cxn ang="0">
+                <a:pos x="connsiteX5" y="connsiteY5"/>
+              </a:cxn>
+            </a:cxnLst>
+            <a:rect l="l" t="t" r="r" b="b"/>
+            <a:pathLst>
+              <a:path w="7316944" h="5167312">
+                <a:moveTo>
+                  <a:pt x="0" y="0"/>
+                </a:moveTo>
+                <a:lnTo>
+                  <a:pt x="7316944" y="0"/>
+                </a:lnTo>
+                <a:lnTo>
+                  <a:pt x="7316944" y="5167312"/>
+                </a:lnTo>
+                <a:lnTo>
+                  <a:pt x="472697" y="5167312"/>
+                </a:lnTo>
+                <a:lnTo>
+                  <a:pt x="2866576" y="952"/>
+                </a:lnTo>
+                <a:lnTo>
+                  <a:pt x="0" y="952"/>
+                </a:lnTo>
+                <a:close/>
+              </a:path>
+            </a:pathLst>
+          </a:custGeom>
+          <a:solidFill>
+            <a:srgbClr val="A6A6A6">
+              <a:alpha val="70000"/>
+            </a:srgbClr>
+          </a:solidFill>
+          <a:ln>
+            <a:noFill/>
+          </a:ln>
+        </p:spPr>
+        <p:style>
+          <a:lnRef idx="2">
+            <a:schemeClr val="accent1">
+              <a:shade val="50000"/>
+            </a:schemeClr>
+          </a:lnRef>
+          <a:fillRef idx="1">
+            <a:schemeClr val="accent1"/>
+          </a:fillRef>
+          <a:effectRef idx="0">
+            <a:schemeClr val="accent1"/>
+          </a:effectRef>
+          <a:fontRef idx="minor">
+            <a:schemeClr val="lt1"/>
+          </a:fontRef>
+        </p:style>
+        <p:txBody>
+          <a:bodyPr wrap="square" rtlCol="0" anchor="ctr">
+            <a:noAutofit/>
+          </a:bodyPr>
+          <a:lstStyle/>
+          <a:p>
+            <a:pPr algn="ctr"/>
+            <a:endParaRPr lang="en-US"/>
+          </a:p>
+        </p:txBody>
+      </p:sp>
+      <p:sp>
+        <p:nvSpPr>
+          <p:cNvPr id="17" name="Freeform 37">
+            <a:extLst>
+              <a:ext uri="{FF2B5EF4-FFF2-40B4-BE49-F238E27FC236}">
+                <a16:creationId xmlns:a16="http://schemas.microsoft.com/office/drawing/2014/main" id="{A03E2379-8871-408A-95CE-7AAE8FA53AE5}"/>
+              </a:ext>
+              <a:ext uri="{C183D7F6-B498-43B3-948B-1728B52AA6E4}">
+                <adec:decorative xmlns:adec="http://schemas.microsoft.com/office/drawing/2017/decorative" val="1"/>
+              </a:ext>
+            </a:extLst>
+          </p:cNvPr>
+          <p:cNvSpPr>
+            <a:spLocks noGrp="1" noRot="1" noChangeAspect="1" noMove="1" noResize="1" noEditPoints="1" noAdjustHandles="1" noChangeArrowheads="1" noChangeShapeType="1" noTextEdit="1"/>
+          </p:cNvSpPr>
+          <p:nvPr>
+            <p:extLst>
+              <p:ext uri="{386F3935-93C4-4BCD-93E2-E3B085C9AB24}">
+                <p16:designElem xmlns:p16="http://schemas.microsoft.com/office/powerpoint/2015/main" val="1"/>
+              </p:ext>
+            </p:extLst>
+          </p:nvPr>
+        </p:nvSpPr>
+        <p:spPr>
+          <a:xfrm flipV="1">
+            <a:off x="-1746" y="1691164"/>
+            <a:ext cx="7571262" cy="5166360"/>
+          </a:xfrm>
+          <a:custGeom>
+            <a:avLst/>
+            <a:gdLst>
+              <a:gd name="connsiteX0" fmla="*/ 0 w 7571262"/>
+              <a:gd name="connsiteY0" fmla="*/ 5166360 h 5166360"/>
+              <a:gd name="connsiteX1" fmla="*/ 7571262 w 7571262"/>
+              <a:gd name="connsiteY1" fmla="*/ 5166360 h 5166360"/>
+              <a:gd name="connsiteX2" fmla="*/ 5177382 w 7571262"/>
+              <a:gd name="connsiteY2" fmla="*/ 0 h 5166360"/>
+              <a:gd name="connsiteX3" fmla="*/ 5171159 w 7571262"/>
+              <a:gd name="connsiteY3" fmla="*/ 0 h 5166360"/>
+              <a:gd name="connsiteX4" fmla="*/ 3981368 w 7571262"/>
+              <a:gd name="connsiteY4" fmla="*/ 0 h 5166360"/>
+              <a:gd name="connsiteX5" fmla="*/ 2331323 w 7571262"/>
+              <a:gd name="connsiteY5" fmla="*/ 0 h 5166360"/>
+              <a:gd name="connsiteX6" fmla="*/ 0 w 7571262"/>
+              <a:gd name="connsiteY6" fmla="*/ 0 h 5166360"/>
+            </a:gdLst>
+            <a:ahLst/>
+            <a:cxnLst>
+              <a:cxn ang="0">
+                <a:pos x="connsiteX0" y="connsiteY0"/>
+              </a:cxn>
+              <a:cxn ang="0">
+                <a:pos x="connsiteX1" y="connsiteY1"/>
+              </a:cxn>
+              <a:cxn ang="0">
+                <a:pos x="connsiteX2" y="connsiteY2"/>
+              </a:cxn>
+              <a:cxn ang="0">
+                <a:pos x="connsiteX3" y="connsiteY3"/>
+              </a:cxn>
+              <a:cxn ang="0">
+                <a:pos x="connsiteX4" y="connsiteY4"/>
+              </a:cxn>
+              <a:cxn ang="0">
+                <a:pos x="connsiteX5" y="connsiteY5"/>
+              </a:cxn>
+              <a:cxn ang="0">
+                <a:pos x="connsiteX6" y="connsiteY6"/>
+              </a:cxn>
+            </a:cxnLst>
+            <a:rect l="l" t="t" r="r" b="b"/>
+            <a:pathLst>
+              <a:path w="7571262" h="5166360">
+                <a:moveTo>
+                  <a:pt x="0" y="5166360"/>
+                </a:moveTo>
+                <a:lnTo>
+                  <a:pt x="7571262" y="5166360"/>
+                </a:lnTo>
+                <a:lnTo>
+                  <a:pt x="5177382" y="0"/>
+                </a:lnTo>
+                <a:lnTo>
+                  <a:pt x="5171159" y="0"/>
+                </a:lnTo>
+                <a:lnTo>
+                  <a:pt x="3981368" y="0"/>
+                </a:lnTo>
+                <a:lnTo>
+                  <a:pt x="2331323" y="0"/>
+                </a:lnTo>
+                <a:lnTo>
+                  <a:pt x="0" y="0"/>
+                </a:lnTo>
+                <a:close/>
+              </a:path>
+            </a:pathLst>
+          </a:custGeom>
+          <a:solidFill>
+            <a:srgbClr val="303030"/>
+          </a:solidFill>
+          <a:ln>
+            <a:noFill/>
+          </a:ln>
+        </p:spPr>
+        <p:style>
+          <a:lnRef idx="2">
+            <a:schemeClr val="accent1">
+              <a:shade val="50000"/>
+            </a:schemeClr>
+          </a:lnRef>
+          <a:fillRef idx="1">
+            <a:schemeClr val="accent1"/>
+          </a:fillRef>
+          <a:effectRef idx="0">
+            <a:schemeClr val="accent1"/>
+          </a:effectRef>
+          <a:fontRef idx="minor">
+            <a:schemeClr val="lt1"/>
+          </a:fontRef>
+        </p:style>
+        <p:txBody>
+          <a:bodyPr wrap="square" rtlCol="0" anchor="ctr">
+            <a:noAutofit/>
+          </a:bodyPr>
+          <a:lstStyle/>
+          <a:p>
+            <a:pPr algn="ctr"/>
+            <a:endParaRPr lang="en-US"/>
+          </a:p>
+        </p:txBody>
+      </p:sp>
+      <p:sp>
+        <p:nvSpPr>
+          <p:cNvPr id="2" name="Title 1">
+            <a:extLst>
+              <a:ext uri="{FF2B5EF4-FFF2-40B4-BE49-F238E27FC236}">
+                <a16:creationId xmlns:a16="http://schemas.microsoft.com/office/drawing/2014/main" id="{96C25A6C-5BFE-4202-9735-7A9B94271DB0}"/>
               </a:ext>
             </a:extLst>
           </p:cNvPr>
@@ -4728,44 +5246,3261 @@
             <p:ph type="title"/>
           </p:nvPr>
         </p:nvSpPr>
-        <p:spPr/>
-        <p:txBody>
-          <a:bodyPr/>
-          <a:lstStyle/>
-          <a:p>
-            <a:endParaRPr lang="en-US"/>
-          </a:p>
-        </p:txBody>
-      </p:sp>
-      <p:sp>
-        <p:nvSpPr>
-          <p:cNvPr id="3" name="Pladsholder til indhold 2">
-            <a:extLst>
-              <a:ext uri="{FF2B5EF4-FFF2-40B4-BE49-F238E27FC236}">
-                <a16:creationId xmlns:a16="http://schemas.microsoft.com/office/drawing/2014/main" id="{09AACD44-5BFE-4312-8F85-1FFDAD561F13}"/>
-              </a:ext>
-            </a:extLst>
-          </p:cNvPr>
-          <p:cNvSpPr>
-            <a:spLocks noGrp="1"/>
-          </p:cNvSpPr>
+        <p:spPr>
+          <a:xfrm>
+            <a:off x="838200" y="365125"/>
+            <a:ext cx="6903720" cy="1325563"/>
+          </a:xfrm>
+        </p:spPr>
+        <p:txBody>
+          <a:bodyPr vert="horz" lIns="91440" tIns="45720" rIns="91440" bIns="45720" rtlCol="0" anchor="ctr">
+            <a:normAutofit/>
+          </a:bodyPr>
+          <a:lstStyle/>
+          <a:p>
+            <a:r>
+              <a:rPr lang="en-US"/>
+              <a:t>Interoperability mellem COM og .NET(1)</a:t>
+            </a:r>
+          </a:p>
+        </p:txBody>
+      </p:sp>
+      <p:sp>
+        <p:nvSpPr>
+          <p:cNvPr id="5" name="TextBox 4">
+            <a:extLst>
+              <a:ext uri="{FF2B5EF4-FFF2-40B4-BE49-F238E27FC236}">
+                <a16:creationId xmlns:a16="http://schemas.microsoft.com/office/drawing/2014/main" id="{A3985EF7-F2AA-4A66-8778-5D35EE7CD5BB}"/>
+              </a:ext>
+            </a:extLst>
+          </p:cNvPr>
+          <p:cNvSpPr txBox="1"/>
+          <p:nvPr/>
+        </p:nvSpPr>
+        <p:spPr>
+          <a:xfrm>
+            <a:off x="838200" y="2015406"/>
+            <a:ext cx="4900749" cy="4028343"/>
+          </a:xfrm>
+          <a:prstGeom prst="rect">
+            <a:avLst/>
+          </a:prstGeom>
+        </p:spPr>
+        <p:txBody>
+          <a:bodyPr vert="horz" lIns="91440" tIns="45720" rIns="91440" bIns="45720" rtlCol="0" anchor="t">
+            <a:normAutofit/>
+          </a:bodyPr>
+          <a:lstStyle/>
+          <a:p>
+            <a:pPr indent="-228600">
+              <a:lnSpc>
+                <a:spcPct val="90000"/>
+              </a:lnSpc>
+              <a:spcAft>
+                <a:spcPts val="600"/>
+              </a:spcAft>
+              <a:buFont typeface="Arial" panose="020B0604020202020204" pitchFamily="34" charset="0"/>
+              <a:buChar char="•"/>
+            </a:pPr>
+            <a:r>
+              <a:rPr lang="en-US" sz="2000">
+                <a:solidFill>
+                  <a:srgbClr val="FFFFFF"/>
+                </a:solidFill>
+              </a:rPr>
+              <a:t>Runtime Callable Wrapper sørger for at forbinde til COM interfacene.</a:t>
+            </a:r>
+          </a:p>
+          <a:p>
+            <a:pPr indent="-228600">
+              <a:lnSpc>
+                <a:spcPct val="90000"/>
+              </a:lnSpc>
+              <a:spcAft>
+                <a:spcPts val="600"/>
+              </a:spcAft>
+              <a:buFont typeface="Arial" panose="020B0604020202020204" pitchFamily="34" charset="0"/>
+              <a:buChar char="•"/>
+            </a:pPr>
+            <a:r>
+              <a:rPr lang="en-US" sz="2000">
+                <a:solidFill>
+                  <a:srgbClr val="FFFFFF"/>
+                </a:solidFill>
+              </a:rPr>
+              <a:t>COM server skal jo destrueres når den har udført sit arbejde . Det står RCW for.</a:t>
+            </a:r>
+          </a:p>
+          <a:p>
+            <a:pPr indent="-228600">
+              <a:lnSpc>
+                <a:spcPct val="90000"/>
+              </a:lnSpc>
+              <a:spcAft>
+                <a:spcPts val="600"/>
+              </a:spcAft>
+              <a:buFont typeface="Arial" panose="020B0604020202020204" pitchFamily="34" charset="0"/>
+              <a:buChar char="•"/>
+            </a:pPr>
+            <a:r>
+              <a:rPr lang="en-US" sz="2000">
+                <a:solidFill>
+                  <a:srgbClr val="FFFFFF"/>
+                </a:solidFill>
+              </a:rPr>
+              <a:t>Når RCW destrueres har den en “Finalize” metode I sin destructor, som sørger for at den kan nå at rydde op og deallokere det COM objekt den taler med. Inden Garbage collectoren destruere RCW.</a:t>
+            </a:r>
+          </a:p>
+        </p:txBody>
+      </p:sp>
+      <p:pic>
+        <p:nvPicPr>
+          <p:cNvPr id="4" name="Billede 5">
+            <a:extLst>
+              <a:ext uri="{FF2B5EF4-FFF2-40B4-BE49-F238E27FC236}">
+                <a16:creationId xmlns:a16="http://schemas.microsoft.com/office/drawing/2014/main" id="{3A2641C3-7245-4293-BB36-D6444848AE65}"/>
+              </a:ext>
+            </a:extLst>
+          </p:cNvPr>
+          <p:cNvPicPr>
+            <a:picLocks noGrp="1" noChangeAspect="1"/>
+          </p:cNvPicPr>
           <p:nvPr>
             <p:ph idx="1"/>
           </p:nvPr>
-        </p:nvSpPr>
-        <p:spPr/>
-        <p:txBody>
-          <a:bodyPr/>
-          <a:lstStyle/>
-          <a:p>
-            <a:endParaRPr lang="en-US"/>
+        </p:nvPicPr>
+        <p:blipFill>
+          <a:blip r:embed="rId2"/>
+          <a:stretch>
+            <a:fillRect/>
+          </a:stretch>
+        </p:blipFill>
+        <p:spPr>
+          <a:xfrm>
+            <a:off x="7952565" y="1817081"/>
+            <a:ext cx="3649969" cy="2131094"/>
+          </a:xfrm>
+          <a:custGeom>
+            <a:avLst/>
+            <a:gdLst/>
+            <a:ahLst/>
+            <a:cxnLst/>
+            <a:rect l="l" t="t" r="r" b="b"/>
+            <a:pathLst>
+              <a:path w="4636009" h="5032375">
+                <a:moveTo>
+                  <a:pt x="0" y="0"/>
+                </a:moveTo>
+                <a:lnTo>
+                  <a:pt x="4636009" y="0"/>
+                </a:lnTo>
+                <a:lnTo>
+                  <a:pt x="4636009" y="5032375"/>
+                </a:lnTo>
+                <a:lnTo>
+                  <a:pt x="0" y="5032375"/>
+                </a:lnTo>
+                <a:close/>
+              </a:path>
+            </a:pathLst>
+          </a:custGeom>
+        </p:spPr>
+      </p:pic>
+      <p:pic>
+        <p:nvPicPr>
+          <p:cNvPr id="7" name="Picture 6">
+            <a:extLst>
+              <a:ext uri="{FF2B5EF4-FFF2-40B4-BE49-F238E27FC236}">
+                <a16:creationId xmlns:a16="http://schemas.microsoft.com/office/drawing/2014/main" id="{9E2E3D90-C275-4601-BE84-DCDBC4CDC28F}"/>
+              </a:ext>
+            </a:extLst>
+          </p:cNvPr>
+          <p:cNvPicPr>
+            <a:picLocks noChangeAspect="1"/>
+          </p:cNvPicPr>
+          <p:nvPr/>
+        </p:nvPicPr>
+        <p:blipFill>
+          <a:blip r:embed="rId3"/>
+          <a:stretch>
+            <a:fillRect/>
+          </a:stretch>
+        </p:blipFill>
+        <p:spPr>
+          <a:xfrm>
+            <a:off x="6908801" y="4128036"/>
+            <a:ext cx="4483106" cy="2364839"/>
+          </a:xfrm>
+          <a:custGeom>
+            <a:avLst/>
+            <a:gdLst/>
+            <a:ahLst/>
+            <a:cxnLst/>
+            <a:rect l="l" t="t" r="r" b="b"/>
+            <a:pathLst>
+              <a:path w="4636009" h="5032375">
+                <a:moveTo>
+                  <a:pt x="0" y="0"/>
+                </a:moveTo>
+                <a:lnTo>
+                  <a:pt x="4636009" y="0"/>
+                </a:lnTo>
+                <a:lnTo>
+                  <a:pt x="4636009" y="5032375"/>
+                </a:lnTo>
+                <a:lnTo>
+                  <a:pt x="0" y="5032375"/>
+                </a:lnTo>
+                <a:close/>
+              </a:path>
+            </a:pathLst>
+          </a:custGeom>
+        </p:spPr>
+      </p:pic>
+      <p:sp>
+        <p:nvSpPr>
+          <p:cNvPr id="8" name="TextBox 7">
+            <a:extLst>
+              <a:ext uri="{FF2B5EF4-FFF2-40B4-BE49-F238E27FC236}">
+                <a16:creationId xmlns:a16="http://schemas.microsoft.com/office/drawing/2014/main" id="{722DE757-0E27-4307-BFA7-EA58024E89F7}"/>
+              </a:ext>
+            </a:extLst>
+          </p:cNvPr>
+          <p:cNvSpPr txBox="1"/>
+          <p:nvPr/>
+        </p:nvSpPr>
+        <p:spPr>
+          <a:xfrm>
+            <a:off x="6908801" y="6492876"/>
+            <a:ext cx="4483106" cy="305030"/>
+          </a:xfrm>
+          <a:prstGeom prst="rect">
+            <a:avLst/>
+          </a:prstGeom>
+          <a:solidFill>
+            <a:srgbClr val="000000">
+              <a:alpha val="50000"/>
+            </a:srgbClr>
+          </a:solidFill>
+          <a:ln>
+            <a:noFill/>
+          </a:ln>
+        </p:spPr>
+        <p:txBody>
+          <a:bodyPr wrap="square" rtlCol="0">
+            <a:noAutofit/>
+          </a:bodyPr>
+          <a:lstStyle/>
+          <a:p>
+            <a:pPr algn="ctr">
+              <a:spcAft>
+                <a:spcPts val="600"/>
+              </a:spcAft>
+            </a:pPr>
+            <a:r>
+              <a:rPr lang="en-US" sz="1300" dirty="0" err="1">
+                <a:solidFill>
+                  <a:srgbClr val="FFFFFF"/>
+                </a:solidFill>
+              </a:rPr>
+              <a:t>Kilde</a:t>
+            </a:r>
+            <a:r>
+              <a:rPr lang="en-US" sz="1300" dirty="0">
+                <a:solidFill>
+                  <a:srgbClr val="FFFFFF"/>
+                </a:solidFill>
+              </a:rPr>
+              <a:t>: </a:t>
+            </a:r>
+            <a:r>
+              <a:rPr lang="en-US" sz="1300" dirty="0" err="1">
+                <a:solidFill>
+                  <a:srgbClr val="FFFFFF"/>
+                </a:solidFill>
+              </a:rPr>
+              <a:t>Lektions</a:t>
+            </a:r>
+            <a:r>
+              <a:rPr lang="en-US" sz="1300" dirty="0">
+                <a:solidFill>
+                  <a:srgbClr val="FFFFFF"/>
+                </a:solidFill>
+              </a:rPr>
+              <a:t> slides</a:t>
+            </a:r>
+          </a:p>
+          <a:p>
+            <a:pPr algn="ctr">
+              <a:spcAft>
+                <a:spcPts val="600"/>
+              </a:spcAft>
+            </a:pPr>
+            <a:endParaRPr lang="da-DK" sz="1300" dirty="0">
+              <a:solidFill>
+                <a:srgbClr val="FFFFFF"/>
+              </a:solidFill>
+            </a:endParaRPr>
           </a:p>
         </p:txBody>
       </p:sp>
     </p:spTree>
     <p:extLst>
       <p:ext uri="{BB962C8B-B14F-4D97-AF65-F5344CB8AC3E}">
-        <p14:creationId xmlns:p14="http://schemas.microsoft.com/office/powerpoint/2010/main" val="3585894698"/>
+        <p14:creationId xmlns:p14="http://schemas.microsoft.com/office/powerpoint/2010/main" val="3628336456"/>
+      </p:ext>
+    </p:extLst>
+  </p:cSld>
+  <p:clrMapOvr>
+    <a:masterClrMapping/>
+  </p:clrMapOvr>
+  <p:timing>
+    <p:tnLst>
+      <p:par>
+        <p:cTn id="1" dur="indefinite" restart="never" nodeType="tmRoot">
+          <p:childTnLst>
+            <p:seq concurrent="1" nextAc="seek">
+              <p:cTn id="2" dur="indefinite" nodeType="mainSeq">
+                <p:childTnLst>
+                  <p:par>
+                    <p:cTn id="3" fill="hold">
+                      <p:stCondLst>
+                        <p:cond delay="indefinite"/>
+                      </p:stCondLst>
+                      <p:childTnLst>
+                        <p:par>
+                          <p:cTn id="4" fill="hold">
+                            <p:stCondLst>
+                              <p:cond delay="0"/>
+                            </p:stCondLst>
+                            <p:childTnLst>
+                              <p:par>
+                                <p:cTn id="5" presetID="10" presetClass="entr" presetSubtype="0" fill="hold" nodeType="clickEffect">
+                                  <p:stCondLst>
+                                    <p:cond delay="0"/>
+                                  </p:stCondLst>
+                                  <p:childTnLst>
+                                    <p:set>
+                                      <p:cBhvr>
+                                        <p:cTn id="6" dur="1" fill="hold">
+                                          <p:stCondLst>
+                                            <p:cond delay="0"/>
+                                          </p:stCondLst>
+                                        </p:cTn>
+                                        <p:tgtEl>
+                                          <p:spTgt spid="4"/>
+                                        </p:tgtEl>
+                                        <p:attrNameLst>
+                                          <p:attrName>style.visibility</p:attrName>
+                                        </p:attrNameLst>
+                                      </p:cBhvr>
+                                      <p:to>
+                                        <p:strVal val="visible"/>
+                                      </p:to>
+                                    </p:set>
+                                    <p:animEffect transition="in" filter="fade">
+                                      <p:cBhvr>
+                                        <p:cTn id="7" dur="500"/>
+                                        <p:tgtEl>
+                                          <p:spTgt spid="4"/>
+                                        </p:tgtEl>
+                                      </p:cBhvr>
+                                    </p:animEffect>
+                                  </p:childTnLst>
+                                </p:cTn>
+                              </p:par>
+                            </p:childTnLst>
+                          </p:cTn>
+                        </p:par>
+                      </p:childTnLst>
+                    </p:cTn>
+                  </p:par>
+                </p:childTnLst>
+              </p:cTn>
+              <p:prevCondLst>
+                <p:cond evt="onPrev" delay="0">
+                  <p:tgtEl>
+                    <p:sldTgt/>
+                  </p:tgtEl>
+                </p:cond>
+              </p:prevCondLst>
+              <p:nextCondLst>
+                <p:cond evt="onNext" delay="0">
+                  <p:tgtEl>
+                    <p:sldTgt/>
+                  </p:tgtEl>
+                </p:cond>
+              </p:nextCondLst>
+            </p:seq>
+          </p:childTnLst>
+        </p:cTn>
+      </p:par>
+    </p:tnLst>
+  </p:timing>
+</p:sld>
+</file>
+
+<file path=ppt/slides/slide4.xml><?xml version="1.0" encoding="utf-8"?>
+<p:sld xmlns:a="http://schemas.openxmlformats.org/drawingml/2006/main" xmlns:r="http://schemas.openxmlformats.org/officeDocument/2006/relationships" xmlns:p="http://schemas.openxmlformats.org/presentationml/2006/main">
+  <p:cSld>
+    <p:bg>
+      <p:bgPr>
+        <a:solidFill>
+          <a:schemeClr val="bg1"/>
+        </a:solidFill>
+        <a:effectLst/>
+      </p:bgPr>
+    </p:bg>
+    <p:spTree>
+      <p:nvGrpSpPr>
+        <p:cNvPr id="1" name=""/>
+        <p:cNvGrpSpPr/>
+        <p:nvPr/>
+      </p:nvGrpSpPr>
+      <p:grpSpPr>
+        <a:xfrm>
+          <a:off x="0" y="0"/>
+          <a:ext cx="0" cy="0"/>
+          <a:chOff x="0" y="0"/>
+          <a:chExt cx="0" cy="0"/>
+        </a:xfrm>
+      </p:grpSpPr>
+      <p:sp>
+        <p:nvSpPr>
+          <p:cNvPr id="2" name="Title 1">
+            <a:extLst>
+              <a:ext uri="{FF2B5EF4-FFF2-40B4-BE49-F238E27FC236}">
+                <a16:creationId xmlns:a16="http://schemas.microsoft.com/office/drawing/2014/main" id="{6D342234-BAA5-435C-A36A-B80ECF1FBA84}"/>
+              </a:ext>
+            </a:extLst>
+          </p:cNvPr>
+          <p:cNvSpPr>
+            <a:spLocks noGrp="1"/>
+          </p:cNvSpPr>
+          <p:nvPr>
+            <p:ph type="title"/>
+          </p:nvPr>
+        </p:nvSpPr>
+        <p:spPr>
+          <a:xfrm>
+            <a:off x="1653363" y="365760"/>
+            <a:ext cx="9367203" cy="1188720"/>
+          </a:xfrm>
+        </p:spPr>
+        <p:txBody>
+          <a:bodyPr>
+            <a:normAutofit/>
+          </a:bodyPr>
+          <a:lstStyle/>
+          <a:p>
+            <a:r>
+              <a:rPr lang="en-US" dirty="0"/>
+              <a:t>Interoperability </a:t>
+            </a:r>
+            <a:r>
+              <a:rPr lang="en-US" dirty="0" err="1"/>
+              <a:t>mellem</a:t>
+            </a:r>
+            <a:r>
+              <a:rPr lang="en-US" dirty="0"/>
+              <a:t> COM </a:t>
+            </a:r>
+            <a:r>
+              <a:rPr lang="en-US" dirty="0" err="1"/>
+              <a:t>og</a:t>
+            </a:r>
+            <a:r>
+              <a:rPr lang="en-US" dirty="0"/>
+              <a:t> .NET(2)</a:t>
+            </a:r>
+            <a:endParaRPr lang="da-DK" dirty="0"/>
+          </a:p>
+        </p:txBody>
+      </p:sp>
+      <p:sp>
+        <p:nvSpPr>
+          <p:cNvPr id="8" name="Freeform: Shape 7">
+            <a:extLst>
+              <a:ext uri="{FF2B5EF4-FFF2-40B4-BE49-F238E27FC236}">
+                <a16:creationId xmlns:a16="http://schemas.microsoft.com/office/drawing/2014/main" id="{7CB4857B-ED7C-444D-9F04-2F885114A1C2}"/>
+              </a:ext>
+              <a:ext uri="{C183D7F6-B498-43B3-948B-1728B52AA6E4}">
+                <adec:decorative xmlns:adec="http://schemas.microsoft.com/office/drawing/2017/decorative" val="1"/>
+              </a:ext>
+            </a:extLst>
+          </p:cNvPr>
+          <p:cNvSpPr>
+            <a:spLocks noGrp="1" noRot="1" noChangeAspect="1" noMove="1" noResize="1" noEditPoints="1" noAdjustHandles="1" noChangeArrowheads="1" noChangeShapeType="1" noTextEdit="1"/>
+          </p:cNvSpPr>
+          <p:nvPr>
+            <p:extLst>
+              <p:ext uri="{386F3935-93C4-4BCD-93E2-E3B085C9AB24}">
+                <p16:designElem xmlns:p16="http://schemas.microsoft.com/office/powerpoint/2015/main" val="1"/>
+              </p:ext>
+            </p:extLst>
+          </p:nvPr>
+        </p:nvSpPr>
+        <p:spPr>
+          <a:xfrm>
+            <a:off x="1" y="0"/>
+            <a:ext cx="1764099" cy="1558212"/>
+          </a:xfrm>
+          <a:custGeom>
+            <a:avLst/>
+            <a:gdLst>
+              <a:gd name="connsiteX0" fmla="*/ 0 w 1764099"/>
+              <a:gd name="connsiteY0" fmla="*/ 0 h 1558212"/>
+              <a:gd name="connsiteX1" fmla="*/ 1764099 w 1764099"/>
+              <a:gd name="connsiteY1" fmla="*/ 0 h 1558212"/>
+              <a:gd name="connsiteX2" fmla="*/ 1042087 w 1764099"/>
+              <a:gd name="connsiteY2" fmla="*/ 1558212 h 1558212"/>
+              <a:gd name="connsiteX3" fmla="*/ 0 w 1764099"/>
+              <a:gd name="connsiteY3" fmla="*/ 1558212 h 1558212"/>
+            </a:gdLst>
+            <a:ahLst/>
+            <a:cxnLst>
+              <a:cxn ang="0">
+                <a:pos x="connsiteX0" y="connsiteY0"/>
+              </a:cxn>
+              <a:cxn ang="0">
+                <a:pos x="connsiteX1" y="connsiteY1"/>
+              </a:cxn>
+              <a:cxn ang="0">
+                <a:pos x="connsiteX2" y="connsiteY2"/>
+              </a:cxn>
+              <a:cxn ang="0">
+                <a:pos x="connsiteX3" y="connsiteY3"/>
+              </a:cxn>
+            </a:cxnLst>
+            <a:rect l="l" t="t" r="r" b="b"/>
+            <a:pathLst>
+              <a:path w="1764099" h="1558212">
+                <a:moveTo>
+                  <a:pt x="0" y="0"/>
+                </a:moveTo>
+                <a:lnTo>
+                  <a:pt x="1764099" y="0"/>
+                </a:lnTo>
+                <a:lnTo>
+                  <a:pt x="1042087" y="1558212"/>
+                </a:lnTo>
+                <a:lnTo>
+                  <a:pt x="0" y="1558212"/>
+                </a:lnTo>
+                <a:close/>
+              </a:path>
+            </a:pathLst>
+          </a:custGeom>
+          <a:solidFill>
+            <a:schemeClr val="accent4"/>
+          </a:solidFill>
+          <a:ln>
+            <a:noFill/>
+          </a:ln>
+        </p:spPr>
+        <p:style>
+          <a:lnRef idx="2">
+            <a:schemeClr val="accent1">
+              <a:shade val="50000"/>
+            </a:schemeClr>
+          </a:lnRef>
+          <a:fillRef idx="1">
+            <a:schemeClr val="accent1"/>
+          </a:fillRef>
+          <a:effectRef idx="0">
+            <a:schemeClr val="accent1"/>
+          </a:effectRef>
+          <a:fontRef idx="minor">
+            <a:schemeClr val="lt1"/>
+          </a:fontRef>
+        </p:style>
+        <p:txBody>
+          <a:bodyPr wrap="square" rtlCol="0" anchor="ctr">
+            <a:noAutofit/>
+          </a:bodyPr>
+          <a:lstStyle/>
+          <a:p>
+            <a:pPr algn="ctr"/>
+            <a:endParaRPr lang="en-US"/>
+          </a:p>
+        </p:txBody>
+      </p:sp>
+      <p:sp>
+        <p:nvSpPr>
+          <p:cNvPr id="10" name="Freeform: Shape 9">
+            <a:extLst>
+              <a:ext uri="{FF2B5EF4-FFF2-40B4-BE49-F238E27FC236}">
+                <a16:creationId xmlns:a16="http://schemas.microsoft.com/office/drawing/2014/main" id="{D18046FB-44EA-4FD8-A585-EA09A319B2D0}"/>
+              </a:ext>
+              <a:ext uri="{C183D7F6-B498-43B3-948B-1728B52AA6E4}">
+                <adec:decorative xmlns:adec="http://schemas.microsoft.com/office/drawing/2017/decorative" val="1"/>
+              </a:ext>
+            </a:extLst>
+          </p:cNvPr>
+          <p:cNvSpPr>
+            <a:spLocks noGrp="1" noRot="1" noChangeAspect="1" noMove="1" noResize="1" noEditPoints="1" noAdjustHandles="1" noChangeArrowheads="1" noChangeShapeType="1" noTextEdit="1"/>
+          </p:cNvSpPr>
+          <p:nvPr>
+            <p:extLst>
+              <p:ext uri="{386F3935-93C4-4BCD-93E2-E3B085C9AB24}">
+                <p16:designElem xmlns:p16="http://schemas.microsoft.com/office/powerpoint/2015/main" val="1"/>
+              </p:ext>
+            </p:extLst>
+          </p:nvPr>
+        </p:nvSpPr>
+        <p:spPr>
+          <a:xfrm>
+            <a:off x="1" y="1691640"/>
+            <a:ext cx="12191999" cy="5166360"/>
+          </a:xfrm>
+          <a:custGeom>
+            <a:avLst/>
+            <a:gdLst>
+              <a:gd name="connsiteX0" fmla="*/ 0 w 12191999"/>
+              <a:gd name="connsiteY0" fmla="*/ 0 h 5166360"/>
+              <a:gd name="connsiteX1" fmla="*/ 1822388 w 12191999"/>
+              <a:gd name="connsiteY1" fmla="*/ 0 h 5166360"/>
+              <a:gd name="connsiteX2" fmla="*/ 6468290 w 12191999"/>
+              <a:gd name="connsiteY2" fmla="*/ 0 h 5166360"/>
+              <a:gd name="connsiteX3" fmla="*/ 7796394 w 12191999"/>
+              <a:gd name="connsiteY3" fmla="*/ 0 h 5166360"/>
+              <a:gd name="connsiteX4" fmla="*/ 8376834 w 12191999"/>
+              <a:gd name="connsiteY4" fmla="*/ 0 h 5166360"/>
+              <a:gd name="connsiteX5" fmla="*/ 9704938 w 12191999"/>
+              <a:gd name="connsiteY5" fmla="*/ 0 h 5166360"/>
+              <a:gd name="connsiteX6" fmla="*/ 9704938 w 12191999"/>
+              <a:gd name="connsiteY6" fmla="*/ 2 h 5166360"/>
+              <a:gd name="connsiteX7" fmla="*/ 10283456 w 12191999"/>
+              <a:gd name="connsiteY7" fmla="*/ 2 h 5166360"/>
+              <a:gd name="connsiteX8" fmla="*/ 10863897 w 12191999"/>
+              <a:gd name="connsiteY8" fmla="*/ 2 h 5166360"/>
+              <a:gd name="connsiteX9" fmla="*/ 12191999 w 12191999"/>
+              <a:gd name="connsiteY9" fmla="*/ 2 h 5166360"/>
+              <a:gd name="connsiteX10" fmla="*/ 12191999 w 12191999"/>
+              <a:gd name="connsiteY10" fmla="*/ 5166360 h 5166360"/>
+              <a:gd name="connsiteX11" fmla="*/ 0 w 12191999"/>
+              <a:gd name="connsiteY11" fmla="*/ 5166360 h 5166360"/>
+              <a:gd name="connsiteX12" fmla="*/ 0 w 12191999"/>
+              <a:gd name="connsiteY12" fmla="*/ 2604436 h 5166360"/>
+              <a:gd name="connsiteX13" fmla="*/ 862341 w 12191999"/>
+              <a:gd name="connsiteY13" fmla="*/ 743371 h 5166360"/>
+              <a:gd name="connsiteX14" fmla="*/ 0 w 12191999"/>
+              <a:gd name="connsiteY14" fmla="*/ 743371 h 5166360"/>
+              <a:gd name="connsiteX15" fmla="*/ 0 w 12191999"/>
+              <a:gd name="connsiteY15" fmla="*/ 742508 h 5166360"/>
+              <a:gd name="connsiteX16" fmla="*/ 92826 w 12191999"/>
+              <a:gd name="connsiteY16" fmla="*/ 742508 h 5166360"/>
+              <a:gd name="connsiteX17" fmla="*/ 406486 w 12191999"/>
+              <a:gd name="connsiteY17" fmla="*/ 742508 h 5166360"/>
+              <a:gd name="connsiteX18" fmla="*/ 406486 w 12191999"/>
+              <a:gd name="connsiteY18" fmla="*/ 742507 h 5166360"/>
+              <a:gd name="connsiteX19" fmla="*/ 862741 w 12191999"/>
+              <a:gd name="connsiteY19" fmla="*/ 742507 h 5166360"/>
+              <a:gd name="connsiteX20" fmla="*/ 1206388 w 12191999"/>
+              <a:gd name="connsiteY20" fmla="*/ 864 h 5166360"/>
+              <a:gd name="connsiteX21" fmla="*/ 748500 w 12191999"/>
+              <a:gd name="connsiteY21" fmla="*/ 864 h 5166360"/>
+              <a:gd name="connsiteX22" fmla="*/ 0 w 12191999"/>
+              <a:gd name="connsiteY22" fmla="*/ 864 h 5166360"/>
+            </a:gdLst>
+            <a:ahLst/>
+            <a:cxnLst>
+              <a:cxn ang="0">
+                <a:pos x="connsiteX0" y="connsiteY0"/>
+              </a:cxn>
+              <a:cxn ang="0">
+                <a:pos x="connsiteX1" y="connsiteY1"/>
+              </a:cxn>
+              <a:cxn ang="0">
+                <a:pos x="connsiteX2" y="connsiteY2"/>
+              </a:cxn>
+              <a:cxn ang="0">
+                <a:pos x="connsiteX3" y="connsiteY3"/>
+              </a:cxn>
+              <a:cxn ang="0">
+                <a:pos x="connsiteX4" y="connsiteY4"/>
+              </a:cxn>
+              <a:cxn ang="0">
+                <a:pos x="connsiteX5" y="connsiteY5"/>
+              </a:cxn>
+              <a:cxn ang="0">
+                <a:pos x="connsiteX6" y="connsiteY6"/>
+              </a:cxn>
+              <a:cxn ang="0">
+                <a:pos x="connsiteX7" y="connsiteY7"/>
+              </a:cxn>
+              <a:cxn ang="0">
+                <a:pos x="connsiteX8" y="connsiteY8"/>
+              </a:cxn>
+              <a:cxn ang="0">
+                <a:pos x="connsiteX9" y="connsiteY9"/>
+              </a:cxn>
+              <a:cxn ang="0">
+                <a:pos x="connsiteX10" y="connsiteY10"/>
+              </a:cxn>
+              <a:cxn ang="0">
+                <a:pos x="connsiteX11" y="connsiteY11"/>
+              </a:cxn>
+              <a:cxn ang="0">
+                <a:pos x="connsiteX12" y="connsiteY12"/>
+              </a:cxn>
+              <a:cxn ang="0">
+                <a:pos x="connsiteX13" y="connsiteY13"/>
+              </a:cxn>
+              <a:cxn ang="0">
+                <a:pos x="connsiteX14" y="connsiteY14"/>
+              </a:cxn>
+              <a:cxn ang="0">
+                <a:pos x="connsiteX15" y="connsiteY15"/>
+              </a:cxn>
+              <a:cxn ang="0">
+                <a:pos x="connsiteX16" y="connsiteY16"/>
+              </a:cxn>
+              <a:cxn ang="0">
+                <a:pos x="connsiteX17" y="connsiteY17"/>
+              </a:cxn>
+              <a:cxn ang="0">
+                <a:pos x="connsiteX18" y="connsiteY18"/>
+              </a:cxn>
+              <a:cxn ang="0">
+                <a:pos x="connsiteX19" y="connsiteY19"/>
+              </a:cxn>
+              <a:cxn ang="0">
+                <a:pos x="connsiteX20" y="connsiteY20"/>
+              </a:cxn>
+              <a:cxn ang="0">
+                <a:pos x="connsiteX21" y="connsiteY21"/>
+              </a:cxn>
+              <a:cxn ang="0">
+                <a:pos x="connsiteX22" y="connsiteY22"/>
+              </a:cxn>
+            </a:cxnLst>
+            <a:rect l="l" t="t" r="r" b="b"/>
+            <a:pathLst>
+              <a:path w="12191999" h="5166360">
+                <a:moveTo>
+                  <a:pt x="0" y="0"/>
+                </a:moveTo>
+                <a:lnTo>
+                  <a:pt x="1822388" y="0"/>
+                </a:lnTo>
+                <a:lnTo>
+                  <a:pt x="6468290" y="0"/>
+                </a:lnTo>
+                <a:lnTo>
+                  <a:pt x="7796394" y="0"/>
+                </a:lnTo>
+                <a:lnTo>
+                  <a:pt x="8376834" y="0"/>
+                </a:lnTo>
+                <a:lnTo>
+                  <a:pt x="9704938" y="0"/>
+                </a:lnTo>
+                <a:lnTo>
+                  <a:pt x="9704938" y="2"/>
+                </a:lnTo>
+                <a:lnTo>
+                  <a:pt x="10283456" y="2"/>
+                </a:lnTo>
+                <a:lnTo>
+                  <a:pt x="10863897" y="2"/>
+                </a:lnTo>
+                <a:lnTo>
+                  <a:pt x="12191999" y="2"/>
+                </a:lnTo>
+                <a:lnTo>
+                  <a:pt x="12191999" y="5166360"/>
+                </a:lnTo>
+                <a:lnTo>
+                  <a:pt x="0" y="5166360"/>
+                </a:lnTo>
+                <a:lnTo>
+                  <a:pt x="0" y="2604436"/>
+                </a:lnTo>
+                <a:lnTo>
+                  <a:pt x="862341" y="743371"/>
+                </a:lnTo>
+                <a:lnTo>
+                  <a:pt x="0" y="743371"/>
+                </a:lnTo>
+                <a:lnTo>
+                  <a:pt x="0" y="742508"/>
+                </a:lnTo>
+                <a:lnTo>
+                  <a:pt x="92826" y="742508"/>
+                </a:lnTo>
+                <a:lnTo>
+                  <a:pt x="406486" y="742508"/>
+                </a:lnTo>
+                <a:lnTo>
+                  <a:pt x="406486" y="742507"/>
+                </a:lnTo>
+                <a:lnTo>
+                  <a:pt x="862741" y="742507"/>
+                </a:lnTo>
+                <a:lnTo>
+                  <a:pt x="1206388" y="864"/>
+                </a:lnTo>
+                <a:lnTo>
+                  <a:pt x="748500" y="864"/>
+                </a:lnTo>
+                <a:lnTo>
+                  <a:pt x="0" y="864"/>
+                </a:lnTo>
+                <a:close/>
+              </a:path>
+            </a:pathLst>
+          </a:custGeom>
+          <a:solidFill>
+            <a:srgbClr val="A6A6A6">
+              <a:alpha val="49804"/>
+            </a:srgbClr>
+          </a:solidFill>
+          <a:ln>
+            <a:noFill/>
+          </a:ln>
+        </p:spPr>
+        <p:style>
+          <a:lnRef idx="2">
+            <a:schemeClr val="accent1">
+              <a:shade val="50000"/>
+            </a:schemeClr>
+          </a:lnRef>
+          <a:fillRef idx="1">
+            <a:schemeClr val="accent1"/>
+          </a:fillRef>
+          <a:effectRef idx="0">
+            <a:schemeClr val="accent1"/>
+          </a:effectRef>
+          <a:fontRef idx="minor">
+            <a:schemeClr val="lt1"/>
+          </a:fontRef>
+        </p:style>
+        <p:txBody>
+          <a:bodyPr wrap="square" rtlCol="0" anchor="ctr">
+            <a:noAutofit/>
+          </a:bodyPr>
+          <a:lstStyle/>
+          <a:p>
+            <a:pPr algn="ctr"/>
+            <a:endParaRPr lang="en-US"/>
+          </a:p>
+        </p:txBody>
+      </p:sp>
+      <p:sp>
+        <p:nvSpPr>
+          <p:cNvPr id="12" name="Freeform: Shape 11">
+            <a:extLst>
+              <a:ext uri="{FF2B5EF4-FFF2-40B4-BE49-F238E27FC236}">
+                <a16:creationId xmlns:a16="http://schemas.microsoft.com/office/drawing/2014/main" id="{479F5F2B-8B58-4140-AE6A-51F6C67B18D9}"/>
+              </a:ext>
+              <a:ext uri="{C183D7F6-B498-43B3-948B-1728B52AA6E4}">
+                <adec:decorative xmlns:adec="http://schemas.microsoft.com/office/drawing/2017/decorative" val="1"/>
+              </a:ext>
+            </a:extLst>
+          </p:cNvPr>
+          <p:cNvSpPr>
+            <a:spLocks noGrp="1" noRot="1" noChangeAspect="1" noMove="1" noResize="1" noEditPoints="1" noAdjustHandles="1" noChangeArrowheads="1" noChangeShapeType="1" noTextEdit="1"/>
+          </p:cNvSpPr>
+          <p:nvPr>
+            <p:extLst>
+              <p:ext uri="{386F3935-93C4-4BCD-93E2-E3B085C9AB24}">
+                <p16:designElem xmlns:p16="http://schemas.microsoft.com/office/powerpoint/2015/main" val="1"/>
+              </p:ext>
+            </p:extLst>
+          </p:nvPr>
+        </p:nvSpPr>
+        <p:spPr>
+          <a:xfrm>
+            <a:off x="0" y="1691641"/>
+            <a:ext cx="971654" cy="2096979"/>
+          </a:xfrm>
+          <a:custGeom>
+            <a:avLst/>
+            <a:gdLst>
+              <a:gd name="connsiteX0" fmla="*/ 0 w 971654"/>
+              <a:gd name="connsiteY0" fmla="*/ 0 h 2096979"/>
+              <a:gd name="connsiteX1" fmla="*/ 971654 w 971654"/>
+              <a:gd name="connsiteY1" fmla="*/ 0 h 2096979"/>
+              <a:gd name="connsiteX2" fmla="*/ 0 w 971654"/>
+              <a:gd name="connsiteY2" fmla="*/ 2096979 h 2096979"/>
+            </a:gdLst>
+            <a:ahLst/>
+            <a:cxnLst>
+              <a:cxn ang="0">
+                <a:pos x="connsiteX0" y="connsiteY0"/>
+              </a:cxn>
+              <a:cxn ang="0">
+                <a:pos x="connsiteX1" y="connsiteY1"/>
+              </a:cxn>
+              <a:cxn ang="0">
+                <a:pos x="connsiteX2" y="connsiteY2"/>
+              </a:cxn>
+            </a:cxnLst>
+            <a:rect l="l" t="t" r="r" b="b"/>
+            <a:pathLst>
+              <a:path w="971654" h="2096979">
+                <a:moveTo>
+                  <a:pt x="0" y="0"/>
+                </a:moveTo>
+                <a:lnTo>
+                  <a:pt x="971654" y="0"/>
+                </a:lnTo>
+                <a:lnTo>
+                  <a:pt x="0" y="2096979"/>
+                </a:lnTo>
+                <a:close/>
+              </a:path>
+            </a:pathLst>
+          </a:custGeom>
+          <a:solidFill>
+            <a:srgbClr val="404040"/>
+          </a:solidFill>
+          <a:ln>
+            <a:noFill/>
+          </a:ln>
+        </p:spPr>
+        <p:style>
+          <a:lnRef idx="2">
+            <a:schemeClr val="accent1">
+              <a:shade val="50000"/>
+            </a:schemeClr>
+          </a:lnRef>
+          <a:fillRef idx="1">
+            <a:schemeClr val="accent1"/>
+          </a:fillRef>
+          <a:effectRef idx="0">
+            <a:schemeClr val="accent1"/>
+          </a:effectRef>
+          <a:fontRef idx="minor">
+            <a:schemeClr val="lt1"/>
+          </a:fontRef>
+        </p:style>
+        <p:txBody>
+          <a:bodyPr wrap="square" rtlCol="0" anchor="ctr">
+            <a:noAutofit/>
+          </a:bodyPr>
+          <a:lstStyle/>
+          <a:p>
+            <a:pPr algn="ctr"/>
+            <a:endParaRPr lang="en-US"/>
+          </a:p>
+        </p:txBody>
+      </p:sp>
+      <p:sp>
+        <p:nvSpPr>
+          <p:cNvPr id="3" name="Content Placeholder 2">
+            <a:extLst>
+              <a:ext uri="{FF2B5EF4-FFF2-40B4-BE49-F238E27FC236}">
+                <a16:creationId xmlns:a16="http://schemas.microsoft.com/office/drawing/2014/main" id="{AFB1EE99-92E7-4F0A-A412-FD135D103A7B}"/>
+              </a:ext>
+            </a:extLst>
+          </p:cNvPr>
+          <p:cNvSpPr>
+            <a:spLocks noGrp="1"/>
+          </p:cNvSpPr>
+          <p:nvPr>
+            <p:ph idx="1"/>
+          </p:nvPr>
+        </p:nvSpPr>
+        <p:spPr>
+          <a:xfrm>
+            <a:off x="1653363" y="2176272"/>
+            <a:ext cx="9367204" cy="4041648"/>
+          </a:xfrm>
+        </p:spPr>
+        <p:txBody>
+          <a:bodyPr anchor="t">
+            <a:normAutofit/>
+          </a:bodyPr>
+          <a:lstStyle/>
+          <a:p>
+            <a:r>
+              <a:rPr lang="da-DK" sz="2200"/>
+              <a:t>Man kan også kalde fra COM til .NET</a:t>
+            </a:r>
+          </a:p>
+          <a:p>
+            <a:r>
+              <a:rPr lang="da-DK" sz="2200"/>
+              <a:t>Her ville CCW blive brugt. COM Callable Wrapper.</a:t>
+            </a:r>
+          </a:p>
+          <a:p>
+            <a:r>
+              <a:rPr lang="da-DK" sz="2200"/>
+              <a:t>CCW vil implementere mange interfaces som er nødvendige for at COM skal kunne bruge .NET koden.</a:t>
+            </a:r>
+          </a:p>
+          <a:p>
+            <a:pPr lvl="1"/>
+            <a:r>
+              <a:rPr lang="da-DK" sz="2200"/>
+              <a:t>IUnkown,IDispatch, ITypeInfo, IProvideClassInfo, IConnectionPoint, osv...</a:t>
+            </a:r>
+          </a:p>
+          <a:p>
+            <a:r>
+              <a:rPr lang="da-DK" sz="2200"/>
+              <a:t>Du kan ikke kalde alt fra .NET i COM</a:t>
+            </a:r>
+          </a:p>
+          <a:p>
+            <a:r>
+              <a:rPr lang="da-DK" sz="2200"/>
+              <a:t>Her kan der laves et typelibrary med TLBEXP.exe og installere det i GAC’en</a:t>
+            </a:r>
+          </a:p>
+          <a:p>
+            <a:r>
+              <a:rPr lang="da-DK" sz="2200"/>
+              <a:t>Static functioner er ikke eksisterende i COM</a:t>
+            </a:r>
+          </a:p>
+        </p:txBody>
+      </p:sp>
+    </p:spTree>
+    <p:extLst>
+      <p:ext uri="{BB962C8B-B14F-4D97-AF65-F5344CB8AC3E}">
+        <p14:creationId xmlns:p14="http://schemas.microsoft.com/office/powerpoint/2010/main" val="4028774214"/>
+      </p:ext>
+    </p:extLst>
+  </p:cSld>
+  <p:clrMapOvr>
+    <a:masterClrMapping/>
+  </p:clrMapOvr>
+</p:sld>
+</file>
+
+<file path=ppt/slides/slide5.xml><?xml version="1.0" encoding="utf-8"?>
+<p:sld xmlns:a="http://schemas.openxmlformats.org/drawingml/2006/main" xmlns:r="http://schemas.openxmlformats.org/officeDocument/2006/relationships" xmlns:p="http://schemas.openxmlformats.org/presentationml/2006/main">
+  <p:cSld>
+    <p:bg>
+      <p:bgPr>
+        <a:solidFill>
+          <a:schemeClr val="bg1"/>
+        </a:solidFill>
+        <a:effectLst/>
+      </p:bgPr>
+    </p:bg>
+    <p:spTree>
+      <p:nvGrpSpPr>
+        <p:cNvPr id="1" name=""/>
+        <p:cNvGrpSpPr/>
+        <p:nvPr/>
+      </p:nvGrpSpPr>
+      <p:grpSpPr>
+        <a:xfrm>
+          <a:off x="0" y="0"/>
+          <a:ext cx="0" cy="0"/>
+          <a:chOff x="0" y="0"/>
+          <a:chExt cx="0" cy="0"/>
+        </a:xfrm>
+      </p:grpSpPr>
+      <p:sp>
+        <p:nvSpPr>
+          <p:cNvPr id="2" name="Title 1">
+            <a:extLst>
+              <a:ext uri="{FF2B5EF4-FFF2-40B4-BE49-F238E27FC236}">
+                <a16:creationId xmlns:a16="http://schemas.microsoft.com/office/drawing/2014/main" id="{1A86547C-84B7-472F-B161-D14A21F704C4}"/>
+              </a:ext>
+            </a:extLst>
+          </p:cNvPr>
+          <p:cNvSpPr>
+            <a:spLocks noGrp="1"/>
+          </p:cNvSpPr>
+          <p:nvPr>
+            <p:ph type="title"/>
+          </p:nvPr>
+        </p:nvSpPr>
+        <p:spPr>
+          <a:xfrm>
+            <a:off x="841249" y="365760"/>
+            <a:ext cx="9912072" cy="1188404"/>
+          </a:xfrm>
+        </p:spPr>
+        <p:txBody>
+          <a:bodyPr>
+            <a:normAutofit/>
+          </a:bodyPr>
+          <a:lstStyle/>
+          <a:p>
+            <a:r>
+              <a:rPr lang="da-DK" dirty="0"/>
+              <a:t>PInvoke</a:t>
+            </a:r>
+          </a:p>
+        </p:txBody>
+      </p:sp>
+      <p:sp>
+        <p:nvSpPr>
+          <p:cNvPr id="8" name="Freeform: Shape 7">
+            <a:extLst>
+              <a:ext uri="{FF2B5EF4-FFF2-40B4-BE49-F238E27FC236}">
+                <a16:creationId xmlns:a16="http://schemas.microsoft.com/office/drawing/2014/main" id="{F0BC1D9E-4401-4EC0-88FD-ED103CB570EA}"/>
+              </a:ext>
+              <a:ext uri="{C183D7F6-B498-43B3-948B-1728B52AA6E4}">
+                <adec:decorative xmlns:adec="http://schemas.microsoft.com/office/drawing/2017/decorative" val="1"/>
+              </a:ext>
+            </a:extLst>
+          </p:cNvPr>
+          <p:cNvSpPr>
+            <a:spLocks noGrp="1" noRot="1" noChangeAspect="1" noMove="1" noResize="1" noEditPoints="1" noAdjustHandles="1" noChangeArrowheads="1" noChangeShapeType="1" noTextEdit="1"/>
+          </p:cNvSpPr>
+          <p:nvPr>
+            <p:extLst>
+              <p:ext uri="{386F3935-93C4-4BCD-93E2-E3B085C9AB24}">
+                <p16:designElem xmlns:p16="http://schemas.microsoft.com/office/powerpoint/2015/main" val="1"/>
+              </p:ext>
+            </p:extLst>
+          </p:nvPr>
+        </p:nvSpPr>
+        <p:spPr>
+          <a:xfrm>
+            <a:off x="11000670" y="2"/>
+            <a:ext cx="1191330" cy="1511301"/>
+          </a:xfrm>
+          <a:custGeom>
+            <a:avLst/>
+            <a:gdLst>
+              <a:gd name="connsiteX0" fmla="*/ 697617 w 1191330"/>
+              <a:gd name="connsiteY0" fmla="*/ 0 h 1511301"/>
+              <a:gd name="connsiteX1" fmla="*/ 1191330 w 1191330"/>
+              <a:gd name="connsiteY1" fmla="*/ 0 h 1511301"/>
+              <a:gd name="connsiteX2" fmla="*/ 1191330 w 1191330"/>
+              <a:gd name="connsiteY2" fmla="*/ 1511301 h 1511301"/>
+              <a:gd name="connsiteX3" fmla="*/ 0 w 1191330"/>
+              <a:gd name="connsiteY3" fmla="*/ 1511301 h 1511301"/>
+            </a:gdLst>
+            <a:ahLst/>
+            <a:cxnLst>
+              <a:cxn ang="0">
+                <a:pos x="connsiteX0" y="connsiteY0"/>
+              </a:cxn>
+              <a:cxn ang="0">
+                <a:pos x="connsiteX1" y="connsiteY1"/>
+              </a:cxn>
+              <a:cxn ang="0">
+                <a:pos x="connsiteX2" y="connsiteY2"/>
+              </a:cxn>
+              <a:cxn ang="0">
+                <a:pos x="connsiteX3" y="connsiteY3"/>
+              </a:cxn>
+            </a:cxnLst>
+            <a:rect l="l" t="t" r="r" b="b"/>
+            <a:pathLst>
+              <a:path w="1191330" h="1511301">
+                <a:moveTo>
+                  <a:pt x="697617" y="0"/>
+                </a:moveTo>
+                <a:lnTo>
+                  <a:pt x="1191330" y="0"/>
+                </a:lnTo>
+                <a:lnTo>
+                  <a:pt x="1191330" y="1511301"/>
+                </a:lnTo>
+                <a:lnTo>
+                  <a:pt x="0" y="1511301"/>
+                </a:lnTo>
+                <a:close/>
+              </a:path>
+            </a:pathLst>
+          </a:custGeom>
+          <a:solidFill>
+            <a:schemeClr val="accent4"/>
+          </a:solidFill>
+          <a:ln>
+            <a:noFill/>
+          </a:ln>
+        </p:spPr>
+        <p:style>
+          <a:lnRef idx="2">
+            <a:schemeClr val="accent1">
+              <a:shade val="50000"/>
+            </a:schemeClr>
+          </a:lnRef>
+          <a:fillRef idx="1">
+            <a:schemeClr val="accent1"/>
+          </a:fillRef>
+          <a:effectRef idx="0">
+            <a:schemeClr val="accent1"/>
+          </a:effectRef>
+          <a:fontRef idx="minor">
+            <a:schemeClr val="lt1"/>
+          </a:fontRef>
+        </p:style>
+        <p:txBody>
+          <a:bodyPr wrap="square" rtlCol="0" anchor="ctr">
+            <a:noAutofit/>
+          </a:bodyPr>
+          <a:lstStyle/>
+          <a:p>
+            <a:pPr algn="ctr"/>
+            <a:endParaRPr lang="en-US"/>
+          </a:p>
+        </p:txBody>
+      </p:sp>
+      <p:sp>
+        <p:nvSpPr>
+          <p:cNvPr id="10" name="Freeform: Shape 9">
+            <a:extLst>
+              <a:ext uri="{FF2B5EF4-FFF2-40B4-BE49-F238E27FC236}">
+                <a16:creationId xmlns:a16="http://schemas.microsoft.com/office/drawing/2014/main" id="{6200B311-3585-4069-AAC6-CD443FA5B8AD}"/>
+              </a:ext>
+              <a:ext uri="{C183D7F6-B498-43B3-948B-1728B52AA6E4}">
+                <adec:decorative xmlns:adec="http://schemas.microsoft.com/office/drawing/2017/decorative" val="1"/>
+              </a:ext>
+            </a:extLst>
+          </p:cNvPr>
+          <p:cNvSpPr>
+            <a:spLocks noGrp="1" noRot="1" noChangeAspect="1" noMove="1" noResize="1" noEditPoints="1" noAdjustHandles="1" noChangeArrowheads="1" noChangeShapeType="1" noTextEdit="1"/>
+          </p:cNvSpPr>
+          <p:nvPr>
+            <p:extLst>
+              <p:ext uri="{386F3935-93C4-4BCD-93E2-E3B085C9AB24}">
+                <p16:designElem xmlns:p16="http://schemas.microsoft.com/office/powerpoint/2015/main" val="1"/>
+              </p:ext>
+            </p:extLst>
+          </p:nvPr>
+        </p:nvSpPr>
+        <p:spPr>
+          <a:xfrm>
+            <a:off x="8523986" y="1690688"/>
+            <a:ext cx="3668014" cy="5167312"/>
+          </a:xfrm>
+          <a:custGeom>
+            <a:avLst/>
+            <a:gdLst>
+              <a:gd name="connsiteX0" fmla="*/ 2391664 w 3668014"/>
+              <a:gd name="connsiteY0" fmla="*/ 0 h 5167312"/>
+              <a:gd name="connsiteX1" fmla="*/ 3668014 w 3668014"/>
+              <a:gd name="connsiteY1" fmla="*/ 0 h 5167312"/>
+              <a:gd name="connsiteX2" fmla="*/ 3668014 w 3668014"/>
+              <a:gd name="connsiteY2" fmla="*/ 5167312 h 5167312"/>
+              <a:gd name="connsiteX3" fmla="*/ 0 w 3668014"/>
+              <a:gd name="connsiteY3" fmla="*/ 5167312 h 5167312"/>
+              <a:gd name="connsiteX4" fmla="*/ 2393879 w 3668014"/>
+              <a:gd name="connsiteY4" fmla="*/ 952 h 5167312"/>
+              <a:gd name="connsiteX5" fmla="*/ 2391664 w 3668014"/>
+              <a:gd name="connsiteY5" fmla="*/ 952 h 5167312"/>
+            </a:gdLst>
+            <a:ahLst/>
+            <a:cxnLst>
+              <a:cxn ang="0">
+                <a:pos x="connsiteX0" y="connsiteY0"/>
+              </a:cxn>
+              <a:cxn ang="0">
+                <a:pos x="connsiteX1" y="connsiteY1"/>
+              </a:cxn>
+              <a:cxn ang="0">
+                <a:pos x="connsiteX2" y="connsiteY2"/>
+              </a:cxn>
+              <a:cxn ang="0">
+                <a:pos x="connsiteX3" y="connsiteY3"/>
+              </a:cxn>
+              <a:cxn ang="0">
+                <a:pos x="connsiteX4" y="connsiteY4"/>
+              </a:cxn>
+              <a:cxn ang="0">
+                <a:pos x="connsiteX5" y="connsiteY5"/>
+              </a:cxn>
+            </a:cxnLst>
+            <a:rect l="l" t="t" r="r" b="b"/>
+            <a:pathLst>
+              <a:path w="3668014" h="5167312">
+                <a:moveTo>
+                  <a:pt x="2391664" y="0"/>
+                </a:moveTo>
+                <a:lnTo>
+                  <a:pt x="3668014" y="0"/>
+                </a:lnTo>
+                <a:lnTo>
+                  <a:pt x="3668014" y="5167312"/>
+                </a:lnTo>
+                <a:lnTo>
+                  <a:pt x="0" y="5167312"/>
+                </a:lnTo>
+                <a:lnTo>
+                  <a:pt x="2393879" y="952"/>
+                </a:lnTo>
+                <a:lnTo>
+                  <a:pt x="2391664" y="952"/>
+                </a:lnTo>
+                <a:close/>
+              </a:path>
+            </a:pathLst>
+          </a:custGeom>
+          <a:solidFill>
+            <a:srgbClr val="A6A6A6">
+              <a:alpha val="49804"/>
+            </a:srgbClr>
+          </a:solidFill>
+          <a:ln>
+            <a:noFill/>
+          </a:ln>
+        </p:spPr>
+        <p:style>
+          <a:lnRef idx="2">
+            <a:schemeClr val="accent1">
+              <a:shade val="50000"/>
+            </a:schemeClr>
+          </a:lnRef>
+          <a:fillRef idx="1">
+            <a:schemeClr val="accent1"/>
+          </a:fillRef>
+          <a:effectRef idx="0">
+            <a:schemeClr val="accent1"/>
+          </a:effectRef>
+          <a:fontRef idx="minor">
+            <a:schemeClr val="lt1"/>
+          </a:fontRef>
+        </p:style>
+        <p:txBody>
+          <a:bodyPr wrap="square" rtlCol="0" anchor="ctr">
+            <a:noAutofit/>
+          </a:bodyPr>
+          <a:lstStyle/>
+          <a:p>
+            <a:pPr algn="ctr"/>
+            <a:endParaRPr lang="en-US"/>
+          </a:p>
+        </p:txBody>
+      </p:sp>
+      <p:sp>
+        <p:nvSpPr>
+          <p:cNvPr id="12" name="Freeform: Shape 11">
+            <a:extLst>
+              <a:ext uri="{FF2B5EF4-FFF2-40B4-BE49-F238E27FC236}">
+                <a16:creationId xmlns:a16="http://schemas.microsoft.com/office/drawing/2014/main" id="{B0AAF7C9-094E-400C-A428-F6C2262F6527}"/>
+              </a:ext>
+              <a:ext uri="{C183D7F6-B498-43B3-948B-1728B52AA6E4}">
+                <adec:decorative xmlns:adec="http://schemas.microsoft.com/office/drawing/2017/decorative" val="1"/>
+              </a:ext>
+            </a:extLst>
+          </p:cNvPr>
+          <p:cNvSpPr>
+            <a:spLocks noGrp="1" noRot="1" noChangeAspect="1" noMove="1" noResize="1" noEditPoints="1" noAdjustHandles="1" noChangeArrowheads="1" noChangeShapeType="1" noTextEdit="1"/>
+          </p:cNvSpPr>
+          <p:nvPr>
+            <p:extLst>
+              <p:ext uri="{386F3935-93C4-4BCD-93E2-E3B085C9AB24}">
+                <p16:designElem xmlns:p16="http://schemas.microsoft.com/office/powerpoint/2015/main" val="1"/>
+              </p:ext>
+            </p:extLst>
+          </p:nvPr>
+        </p:nvSpPr>
+        <p:spPr>
+          <a:xfrm>
+            <a:off x="0" y="1690688"/>
+            <a:ext cx="10753320" cy="5167312"/>
+          </a:xfrm>
+          <a:custGeom>
+            <a:avLst/>
+            <a:gdLst>
+              <a:gd name="connsiteX0" fmla="*/ 0 w 10753320"/>
+              <a:gd name="connsiteY0" fmla="*/ 0 h 5167312"/>
+              <a:gd name="connsiteX1" fmla="*/ 9680943 w 10753320"/>
+              <a:gd name="connsiteY1" fmla="*/ 0 h 5167312"/>
+              <a:gd name="connsiteX2" fmla="*/ 9680223 w 10753320"/>
+              <a:gd name="connsiteY2" fmla="*/ 952 h 5167312"/>
+              <a:gd name="connsiteX3" fmla="*/ 10753320 w 10753320"/>
+              <a:gd name="connsiteY3" fmla="*/ 952 h 5167312"/>
+              <a:gd name="connsiteX4" fmla="*/ 8359441 w 10753320"/>
+              <a:gd name="connsiteY4" fmla="*/ 5167312 h 5167312"/>
+              <a:gd name="connsiteX5" fmla="*/ 4821866 w 10753320"/>
+              <a:gd name="connsiteY5" fmla="*/ 5167312 h 5167312"/>
+              <a:gd name="connsiteX6" fmla="*/ 4821866 w 10753320"/>
+              <a:gd name="connsiteY6" fmla="*/ 5166360 h 5167312"/>
+              <a:gd name="connsiteX7" fmla="*/ 0 w 10753320"/>
+              <a:gd name="connsiteY7" fmla="*/ 5166360 h 5167312"/>
+            </a:gdLst>
+            <a:ahLst/>
+            <a:cxnLst>
+              <a:cxn ang="0">
+                <a:pos x="connsiteX0" y="connsiteY0"/>
+              </a:cxn>
+              <a:cxn ang="0">
+                <a:pos x="connsiteX1" y="connsiteY1"/>
+              </a:cxn>
+              <a:cxn ang="0">
+                <a:pos x="connsiteX2" y="connsiteY2"/>
+              </a:cxn>
+              <a:cxn ang="0">
+                <a:pos x="connsiteX3" y="connsiteY3"/>
+              </a:cxn>
+              <a:cxn ang="0">
+                <a:pos x="connsiteX4" y="connsiteY4"/>
+              </a:cxn>
+              <a:cxn ang="0">
+                <a:pos x="connsiteX5" y="connsiteY5"/>
+              </a:cxn>
+              <a:cxn ang="0">
+                <a:pos x="connsiteX6" y="connsiteY6"/>
+              </a:cxn>
+              <a:cxn ang="0">
+                <a:pos x="connsiteX7" y="connsiteY7"/>
+              </a:cxn>
+            </a:cxnLst>
+            <a:rect l="l" t="t" r="r" b="b"/>
+            <a:pathLst>
+              <a:path w="10753320" h="5167312">
+                <a:moveTo>
+                  <a:pt x="0" y="0"/>
+                </a:moveTo>
+                <a:lnTo>
+                  <a:pt x="9680943" y="0"/>
+                </a:lnTo>
+                <a:lnTo>
+                  <a:pt x="9680223" y="952"/>
+                </a:lnTo>
+                <a:lnTo>
+                  <a:pt x="10753320" y="952"/>
+                </a:lnTo>
+                <a:lnTo>
+                  <a:pt x="8359441" y="5167312"/>
+                </a:lnTo>
+                <a:lnTo>
+                  <a:pt x="4821866" y="5167312"/>
+                </a:lnTo>
+                <a:lnTo>
+                  <a:pt x="4821866" y="5166360"/>
+                </a:lnTo>
+                <a:lnTo>
+                  <a:pt x="0" y="5166360"/>
+                </a:lnTo>
+                <a:close/>
+              </a:path>
+            </a:pathLst>
+          </a:custGeom>
+          <a:solidFill>
+            <a:srgbClr val="303030"/>
+          </a:solidFill>
+          <a:ln>
+            <a:noFill/>
+          </a:ln>
+        </p:spPr>
+        <p:style>
+          <a:lnRef idx="2">
+            <a:schemeClr val="accent1">
+              <a:shade val="50000"/>
+            </a:schemeClr>
+          </a:lnRef>
+          <a:fillRef idx="1">
+            <a:schemeClr val="accent1"/>
+          </a:fillRef>
+          <a:effectRef idx="0">
+            <a:schemeClr val="accent1"/>
+          </a:effectRef>
+          <a:fontRef idx="minor">
+            <a:schemeClr val="lt1"/>
+          </a:fontRef>
+        </p:style>
+        <p:txBody>
+          <a:bodyPr wrap="square" rtlCol="0" anchor="ctr">
+            <a:noAutofit/>
+          </a:bodyPr>
+          <a:lstStyle/>
+          <a:p>
+            <a:pPr algn="ctr"/>
+            <a:endParaRPr lang="en-US"/>
+          </a:p>
+        </p:txBody>
+      </p:sp>
+      <p:sp>
+        <p:nvSpPr>
+          <p:cNvPr id="3" name="Content Placeholder 2">
+            <a:extLst>
+              <a:ext uri="{FF2B5EF4-FFF2-40B4-BE49-F238E27FC236}">
+                <a16:creationId xmlns:a16="http://schemas.microsoft.com/office/drawing/2014/main" id="{3E080CF6-4247-4C7B-903B-FD6C8B76C76D}"/>
+              </a:ext>
+            </a:extLst>
+          </p:cNvPr>
+          <p:cNvSpPr>
+            <a:spLocks noGrp="1"/>
+          </p:cNvSpPr>
+          <p:nvPr>
+            <p:ph idx="1"/>
+          </p:nvPr>
+        </p:nvSpPr>
+        <p:spPr>
+          <a:xfrm>
+            <a:off x="841248" y="2174358"/>
+            <a:ext cx="7731642" cy="4045467"/>
+          </a:xfrm>
+        </p:spPr>
+        <p:txBody>
+          <a:bodyPr anchor="t">
+            <a:normAutofit/>
+          </a:bodyPr>
+          <a:lstStyle/>
+          <a:p>
+            <a:r>
+              <a:rPr lang="da-DK" sz="2400">
+                <a:solidFill>
+                  <a:schemeClr val="bg1"/>
+                </a:solidFill>
+              </a:rPr>
+              <a:t>Pinvoke står for Platform Invoke.</a:t>
+            </a:r>
+          </a:p>
+          <a:p>
+            <a:r>
+              <a:rPr lang="da-DK" sz="2400">
+                <a:solidFill>
+                  <a:schemeClr val="bg1"/>
+                </a:solidFill>
+              </a:rPr>
+              <a:t>Pinvoke Ses som om at der skabes en statisk entry til den unmanagede DLL som der prøves at kaldes til. </a:t>
+            </a:r>
+          </a:p>
+          <a:p>
+            <a:r>
+              <a:rPr lang="da-DK" sz="2400">
+                <a:solidFill>
+                  <a:schemeClr val="bg1"/>
+                </a:solidFill>
+              </a:rPr>
+              <a:t>Omhandler at kalde kode som ligger i en unmanaged codebase fra en kode i en managedcode base.</a:t>
+            </a:r>
+          </a:p>
+          <a:p>
+            <a:r>
+              <a:rPr lang="da-DK" sz="2400">
+                <a:solidFill>
+                  <a:schemeClr val="bg1"/>
+                </a:solidFill>
+              </a:rPr>
+              <a:t>Det krævers at der tages højde for datatyper når der skal kaldes noget gammelt kode. Eks. Skal char * blive til en string. Dette kaldes for Marshalling</a:t>
+            </a:r>
+          </a:p>
+          <a:p>
+            <a:r>
+              <a:rPr lang="da-DK" sz="2400">
+                <a:solidFill>
+                  <a:schemeClr val="bg1"/>
+                </a:solidFill>
+              </a:rPr>
+              <a:t>Her bruges MarshalAs attribute</a:t>
+            </a:r>
+          </a:p>
+          <a:p>
+            <a:endParaRPr lang="da-DK" sz="2400">
+              <a:solidFill>
+                <a:schemeClr val="bg1"/>
+              </a:solidFill>
+            </a:endParaRPr>
+          </a:p>
+        </p:txBody>
+      </p:sp>
+    </p:spTree>
+    <p:extLst>
+      <p:ext uri="{BB962C8B-B14F-4D97-AF65-F5344CB8AC3E}">
+        <p14:creationId xmlns:p14="http://schemas.microsoft.com/office/powerpoint/2010/main" val="1322077695"/>
+      </p:ext>
+    </p:extLst>
+  </p:cSld>
+  <p:clrMapOvr>
+    <a:masterClrMapping/>
+  </p:clrMapOvr>
+</p:sld>
+</file>
+
+<file path=ppt/slides/slide6.xml><?xml version="1.0" encoding="utf-8"?>
+<p:sld xmlns:a="http://schemas.openxmlformats.org/drawingml/2006/main" xmlns:r="http://schemas.openxmlformats.org/officeDocument/2006/relationships" xmlns:p="http://schemas.openxmlformats.org/presentationml/2006/main">
+  <p:cSld>
+    <p:bg>
+      <p:bgPr>
+        <a:solidFill>
+          <a:schemeClr val="bg1"/>
+        </a:solidFill>
+        <a:effectLst/>
+      </p:bgPr>
+    </p:bg>
+    <p:spTree>
+      <p:nvGrpSpPr>
+        <p:cNvPr id="1" name=""/>
+        <p:cNvGrpSpPr/>
+        <p:nvPr/>
+      </p:nvGrpSpPr>
+      <p:grpSpPr>
+        <a:xfrm>
+          <a:off x="0" y="0"/>
+          <a:ext cx="0" cy="0"/>
+          <a:chOff x="0" y="0"/>
+          <a:chExt cx="0" cy="0"/>
+        </a:xfrm>
+      </p:grpSpPr>
+      <p:sp>
+        <p:nvSpPr>
+          <p:cNvPr id="2" name="Title 1">
+            <a:extLst>
+              <a:ext uri="{FF2B5EF4-FFF2-40B4-BE49-F238E27FC236}">
+                <a16:creationId xmlns:a16="http://schemas.microsoft.com/office/drawing/2014/main" id="{CB811119-DBDF-46BA-951C-847046946408}"/>
+              </a:ext>
+            </a:extLst>
+          </p:cNvPr>
+          <p:cNvSpPr>
+            <a:spLocks noGrp="1"/>
+          </p:cNvSpPr>
+          <p:nvPr>
+            <p:ph type="title"/>
+          </p:nvPr>
+        </p:nvSpPr>
+        <p:spPr>
+          <a:xfrm>
+            <a:off x="1653363" y="365760"/>
+            <a:ext cx="9367203" cy="1188720"/>
+          </a:xfrm>
+        </p:spPr>
+        <p:txBody>
+          <a:bodyPr>
+            <a:normAutofit/>
+          </a:bodyPr>
+          <a:lstStyle/>
+          <a:p>
+            <a:r>
+              <a:rPr lang="da-DK" dirty="0"/>
+              <a:t>Marshalling</a:t>
+            </a:r>
+          </a:p>
+        </p:txBody>
+      </p:sp>
+      <p:sp>
+        <p:nvSpPr>
+          <p:cNvPr id="8" name="Freeform: Shape 7">
+            <a:extLst>
+              <a:ext uri="{FF2B5EF4-FFF2-40B4-BE49-F238E27FC236}">
+                <a16:creationId xmlns:a16="http://schemas.microsoft.com/office/drawing/2014/main" id="{7CB4857B-ED7C-444D-9F04-2F885114A1C2}"/>
+              </a:ext>
+              <a:ext uri="{C183D7F6-B498-43B3-948B-1728B52AA6E4}">
+                <adec:decorative xmlns:adec="http://schemas.microsoft.com/office/drawing/2017/decorative" val="1"/>
+              </a:ext>
+            </a:extLst>
+          </p:cNvPr>
+          <p:cNvSpPr>
+            <a:spLocks noGrp="1" noRot="1" noChangeAspect="1" noMove="1" noResize="1" noEditPoints="1" noAdjustHandles="1" noChangeArrowheads="1" noChangeShapeType="1" noTextEdit="1"/>
+          </p:cNvSpPr>
+          <p:nvPr>
+            <p:extLst>
+              <p:ext uri="{386F3935-93C4-4BCD-93E2-E3B085C9AB24}">
+                <p16:designElem xmlns:p16="http://schemas.microsoft.com/office/powerpoint/2015/main" val="1"/>
+              </p:ext>
+            </p:extLst>
+          </p:nvPr>
+        </p:nvSpPr>
+        <p:spPr>
+          <a:xfrm>
+            <a:off x="1" y="0"/>
+            <a:ext cx="1764099" cy="1558212"/>
+          </a:xfrm>
+          <a:custGeom>
+            <a:avLst/>
+            <a:gdLst>
+              <a:gd name="connsiteX0" fmla="*/ 0 w 1764099"/>
+              <a:gd name="connsiteY0" fmla="*/ 0 h 1558212"/>
+              <a:gd name="connsiteX1" fmla="*/ 1764099 w 1764099"/>
+              <a:gd name="connsiteY1" fmla="*/ 0 h 1558212"/>
+              <a:gd name="connsiteX2" fmla="*/ 1042087 w 1764099"/>
+              <a:gd name="connsiteY2" fmla="*/ 1558212 h 1558212"/>
+              <a:gd name="connsiteX3" fmla="*/ 0 w 1764099"/>
+              <a:gd name="connsiteY3" fmla="*/ 1558212 h 1558212"/>
+            </a:gdLst>
+            <a:ahLst/>
+            <a:cxnLst>
+              <a:cxn ang="0">
+                <a:pos x="connsiteX0" y="connsiteY0"/>
+              </a:cxn>
+              <a:cxn ang="0">
+                <a:pos x="connsiteX1" y="connsiteY1"/>
+              </a:cxn>
+              <a:cxn ang="0">
+                <a:pos x="connsiteX2" y="connsiteY2"/>
+              </a:cxn>
+              <a:cxn ang="0">
+                <a:pos x="connsiteX3" y="connsiteY3"/>
+              </a:cxn>
+            </a:cxnLst>
+            <a:rect l="l" t="t" r="r" b="b"/>
+            <a:pathLst>
+              <a:path w="1764099" h="1558212">
+                <a:moveTo>
+                  <a:pt x="0" y="0"/>
+                </a:moveTo>
+                <a:lnTo>
+                  <a:pt x="1764099" y="0"/>
+                </a:lnTo>
+                <a:lnTo>
+                  <a:pt x="1042087" y="1558212"/>
+                </a:lnTo>
+                <a:lnTo>
+                  <a:pt x="0" y="1558212"/>
+                </a:lnTo>
+                <a:close/>
+              </a:path>
+            </a:pathLst>
+          </a:custGeom>
+          <a:solidFill>
+            <a:schemeClr val="accent4"/>
+          </a:solidFill>
+          <a:ln>
+            <a:noFill/>
+          </a:ln>
+        </p:spPr>
+        <p:style>
+          <a:lnRef idx="2">
+            <a:schemeClr val="accent1">
+              <a:shade val="50000"/>
+            </a:schemeClr>
+          </a:lnRef>
+          <a:fillRef idx="1">
+            <a:schemeClr val="accent1"/>
+          </a:fillRef>
+          <a:effectRef idx="0">
+            <a:schemeClr val="accent1"/>
+          </a:effectRef>
+          <a:fontRef idx="minor">
+            <a:schemeClr val="lt1"/>
+          </a:fontRef>
+        </p:style>
+        <p:txBody>
+          <a:bodyPr wrap="square" rtlCol="0" anchor="ctr">
+            <a:noAutofit/>
+          </a:bodyPr>
+          <a:lstStyle/>
+          <a:p>
+            <a:pPr algn="ctr"/>
+            <a:endParaRPr lang="en-US"/>
+          </a:p>
+        </p:txBody>
+      </p:sp>
+      <p:sp>
+        <p:nvSpPr>
+          <p:cNvPr id="10" name="Freeform: Shape 9">
+            <a:extLst>
+              <a:ext uri="{FF2B5EF4-FFF2-40B4-BE49-F238E27FC236}">
+                <a16:creationId xmlns:a16="http://schemas.microsoft.com/office/drawing/2014/main" id="{D18046FB-44EA-4FD8-A585-EA09A319B2D0}"/>
+              </a:ext>
+              <a:ext uri="{C183D7F6-B498-43B3-948B-1728B52AA6E4}">
+                <adec:decorative xmlns:adec="http://schemas.microsoft.com/office/drawing/2017/decorative" val="1"/>
+              </a:ext>
+            </a:extLst>
+          </p:cNvPr>
+          <p:cNvSpPr>
+            <a:spLocks noGrp="1" noRot="1" noChangeAspect="1" noMove="1" noResize="1" noEditPoints="1" noAdjustHandles="1" noChangeArrowheads="1" noChangeShapeType="1" noTextEdit="1"/>
+          </p:cNvSpPr>
+          <p:nvPr>
+            <p:extLst>
+              <p:ext uri="{386F3935-93C4-4BCD-93E2-E3B085C9AB24}">
+                <p16:designElem xmlns:p16="http://schemas.microsoft.com/office/powerpoint/2015/main" val="1"/>
+              </p:ext>
+            </p:extLst>
+          </p:nvPr>
+        </p:nvSpPr>
+        <p:spPr>
+          <a:xfrm>
+            <a:off x="1" y="1691640"/>
+            <a:ext cx="12191999" cy="5166360"/>
+          </a:xfrm>
+          <a:custGeom>
+            <a:avLst/>
+            <a:gdLst>
+              <a:gd name="connsiteX0" fmla="*/ 0 w 12191999"/>
+              <a:gd name="connsiteY0" fmla="*/ 0 h 5166360"/>
+              <a:gd name="connsiteX1" fmla="*/ 1822388 w 12191999"/>
+              <a:gd name="connsiteY1" fmla="*/ 0 h 5166360"/>
+              <a:gd name="connsiteX2" fmla="*/ 6468290 w 12191999"/>
+              <a:gd name="connsiteY2" fmla="*/ 0 h 5166360"/>
+              <a:gd name="connsiteX3" fmla="*/ 7796394 w 12191999"/>
+              <a:gd name="connsiteY3" fmla="*/ 0 h 5166360"/>
+              <a:gd name="connsiteX4" fmla="*/ 8376834 w 12191999"/>
+              <a:gd name="connsiteY4" fmla="*/ 0 h 5166360"/>
+              <a:gd name="connsiteX5" fmla="*/ 9704938 w 12191999"/>
+              <a:gd name="connsiteY5" fmla="*/ 0 h 5166360"/>
+              <a:gd name="connsiteX6" fmla="*/ 9704938 w 12191999"/>
+              <a:gd name="connsiteY6" fmla="*/ 2 h 5166360"/>
+              <a:gd name="connsiteX7" fmla="*/ 10283456 w 12191999"/>
+              <a:gd name="connsiteY7" fmla="*/ 2 h 5166360"/>
+              <a:gd name="connsiteX8" fmla="*/ 10863897 w 12191999"/>
+              <a:gd name="connsiteY8" fmla="*/ 2 h 5166360"/>
+              <a:gd name="connsiteX9" fmla="*/ 12191999 w 12191999"/>
+              <a:gd name="connsiteY9" fmla="*/ 2 h 5166360"/>
+              <a:gd name="connsiteX10" fmla="*/ 12191999 w 12191999"/>
+              <a:gd name="connsiteY10" fmla="*/ 5166360 h 5166360"/>
+              <a:gd name="connsiteX11" fmla="*/ 0 w 12191999"/>
+              <a:gd name="connsiteY11" fmla="*/ 5166360 h 5166360"/>
+              <a:gd name="connsiteX12" fmla="*/ 0 w 12191999"/>
+              <a:gd name="connsiteY12" fmla="*/ 2604436 h 5166360"/>
+              <a:gd name="connsiteX13" fmla="*/ 862341 w 12191999"/>
+              <a:gd name="connsiteY13" fmla="*/ 743371 h 5166360"/>
+              <a:gd name="connsiteX14" fmla="*/ 0 w 12191999"/>
+              <a:gd name="connsiteY14" fmla="*/ 743371 h 5166360"/>
+              <a:gd name="connsiteX15" fmla="*/ 0 w 12191999"/>
+              <a:gd name="connsiteY15" fmla="*/ 742508 h 5166360"/>
+              <a:gd name="connsiteX16" fmla="*/ 92826 w 12191999"/>
+              <a:gd name="connsiteY16" fmla="*/ 742508 h 5166360"/>
+              <a:gd name="connsiteX17" fmla="*/ 406486 w 12191999"/>
+              <a:gd name="connsiteY17" fmla="*/ 742508 h 5166360"/>
+              <a:gd name="connsiteX18" fmla="*/ 406486 w 12191999"/>
+              <a:gd name="connsiteY18" fmla="*/ 742507 h 5166360"/>
+              <a:gd name="connsiteX19" fmla="*/ 862741 w 12191999"/>
+              <a:gd name="connsiteY19" fmla="*/ 742507 h 5166360"/>
+              <a:gd name="connsiteX20" fmla="*/ 1206388 w 12191999"/>
+              <a:gd name="connsiteY20" fmla="*/ 864 h 5166360"/>
+              <a:gd name="connsiteX21" fmla="*/ 748500 w 12191999"/>
+              <a:gd name="connsiteY21" fmla="*/ 864 h 5166360"/>
+              <a:gd name="connsiteX22" fmla="*/ 0 w 12191999"/>
+              <a:gd name="connsiteY22" fmla="*/ 864 h 5166360"/>
+            </a:gdLst>
+            <a:ahLst/>
+            <a:cxnLst>
+              <a:cxn ang="0">
+                <a:pos x="connsiteX0" y="connsiteY0"/>
+              </a:cxn>
+              <a:cxn ang="0">
+                <a:pos x="connsiteX1" y="connsiteY1"/>
+              </a:cxn>
+              <a:cxn ang="0">
+                <a:pos x="connsiteX2" y="connsiteY2"/>
+              </a:cxn>
+              <a:cxn ang="0">
+                <a:pos x="connsiteX3" y="connsiteY3"/>
+              </a:cxn>
+              <a:cxn ang="0">
+                <a:pos x="connsiteX4" y="connsiteY4"/>
+              </a:cxn>
+              <a:cxn ang="0">
+                <a:pos x="connsiteX5" y="connsiteY5"/>
+              </a:cxn>
+              <a:cxn ang="0">
+                <a:pos x="connsiteX6" y="connsiteY6"/>
+              </a:cxn>
+              <a:cxn ang="0">
+                <a:pos x="connsiteX7" y="connsiteY7"/>
+              </a:cxn>
+              <a:cxn ang="0">
+                <a:pos x="connsiteX8" y="connsiteY8"/>
+              </a:cxn>
+              <a:cxn ang="0">
+                <a:pos x="connsiteX9" y="connsiteY9"/>
+              </a:cxn>
+              <a:cxn ang="0">
+                <a:pos x="connsiteX10" y="connsiteY10"/>
+              </a:cxn>
+              <a:cxn ang="0">
+                <a:pos x="connsiteX11" y="connsiteY11"/>
+              </a:cxn>
+              <a:cxn ang="0">
+                <a:pos x="connsiteX12" y="connsiteY12"/>
+              </a:cxn>
+              <a:cxn ang="0">
+                <a:pos x="connsiteX13" y="connsiteY13"/>
+              </a:cxn>
+              <a:cxn ang="0">
+                <a:pos x="connsiteX14" y="connsiteY14"/>
+              </a:cxn>
+              <a:cxn ang="0">
+                <a:pos x="connsiteX15" y="connsiteY15"/>
+              </a:cxn>
+              <a:cxn ang="0">
+                <a:pos x="connsiteX16" y="connsiteY16"/>
+              </a:cxn>
+              <a:cxn ang="0">
+                <a:pos x="connsiteX17" y="connsiteY17"/>
+              </a:cxn>
+              <a:cxn ang="0">
+                <a:pos x="connsiteX18" y="connsiteY18"/>
+              </a:cxn>
+              <a:cxn ang="0">
+                <a:pos x="connsiteX19" y="connsiteY19"/>
+              </a:cxn>
+              <a:cxn ang="0">
+                <a:pos x="connsiteX20" y="connsiteY20"/>
+              </a:cxn>
+              <a:cxn ang="0">
+                <a:pos x="connsiteX21" y="connsiteY21"/>
+              </a:cxn>
+              <a:cxn ang="0">
+                <a:pos x="connsiteX22" y="connsiteY22"/>
+              </a:cxn>
+            </a:cxnLst>
+            <a:rect l="l" t="t" r="r" b="b"/>
+            <a:pathLst>
+              <a:path w="12191999" h="5166360">
+                <a:moveTo>
+                  <a:pt x="0" y="0"/>
+                </a:moveTo>
+                <a:lnTo>
+                  <a:pt x="1822388" y="0"/>
+                </a:lnTo>
+                <a:lnTo>
+                  <a:pt x="6468290" y="0"/>
+                </a:lnTo>
+                <a:lnTo>
+                  <a:pt x="7796394" y="0"/>
+                </a:lnTo>
+                <a:lnTo>
+                  <a:pt x="8376834" y="0"/>
+                </a:lnTo>
+                <a:lnTo>
+                  <a:pt x="9704938" y="0"/>
+                </a:lnTo>
+                <a:lnTo>
+                  <a:pt x="9704938" y="2"/>
+                </a:lnTo>
+                <a:lnTo>
+                  <a:pt x="10283456" y="2"/>
+                </a:lnTo>
+                <a:lnTo>
+                  <a:pt x="10863897" y="2"/>
+                </a:lnTo>
+                <a:lnTo>
+                  <a:pt x="12191999" y="2"/>
+                </a:lnTo>
+                <a:lnTo>
+                  <a:pt x="12191999" y="5166360"/>
+                </a:lnTo>
+                <a:lnTo>
+                  <a:pt x="0" y="5166360"/>
+                </a:lnTo>
+                <a:lnTo>
+                  <a:pt x="0" y="2604436"/>
+                </a:lnTo>
+                <a:lnTo>
+                  <a:pt x="862341" y="743371"/>
+                </a:lnTo>
+                <a:lnTo>
+                  <a:pt x="0" y="743371"/>
+                </a:lnTo>
+                <a:lnTo>
+                  <a:pt x="0" y="742508"/>
+                </a:lnTo>
+                <a:lnTo>
+                  <a:pt x="92826" y="742508"/>
+                </a:lnTo>
+                <a:lnTo>
+                  <a:pt x="406486" y="742508"/>
+                </a:lnTo>
+                <a:lnTo>
+                  <a:pt x="406486" y="742507"/>
+                </a:lnTo>
+                <a:lnTo>
+                  <a:pt x="862741" y="742507"/>
+                </a:lnTo>
+                <a:lnTo>
+                  <a:pt x="1206388" y="864"/>
+                </a:lnTo>
+                <a:lnTo>
+                  <a:pt x="748500" y="864"/>
+                </a:lnTo>
+                <a:lnTo>
+                  <a:pt x="0" y="864"/>
+                </a:lnTo>
+                <a:close/>
+              </a:path>
+            </a:pathLst>
+          </a:custGeom>
+          <a:solidFill>
+            <a:srgbClr val="A6A6A6">
+              <a:alpha val="49804"/>
+            </a:srgbClr>
+          </a:solidFill>
+          <a:ln>
+            <a:noFill/>
+          </a:ln>
+        </p:spPr>
+        <p:style>
+          <a:lnRef idx="2">
+            <a:schemeClr val="accent1">
+              <a:shade val="50000"/>
+            </a:schemeClr>
+          </a:lnRef>
+          <a:fillRef idx="1">
+            <a:schemeClr val="accent1"/>
+          </a:fillRef>
+          <a:effectRef idx="0">
+            <a:schemeClr val="accent1"/>
+          </a:effectRef>
+          <a:fontRef idx="minor">
+            <a:schemeClr val="lt1"/>
+          </a:fontRef>
+        </p:style>
+        <p:txBody>
+          <a:bodyPr wrap="square" rtlCol="0" anchor="ctr">
+            <a:noAutofit/>
+          </a:bodyPr>
+          <a:lstStyle/>
+          <a:p>
+            <a:pPr algn="ctr"/>
+            <a:endParaRPr lang="en-US"/>
+          </a:p>
+        </p:txBody>
+      </p:sp>
+      <p:sp>
+        <p:nvSpPr>
+          <p:cNvPr id="12" name="Freeform: Shape 11">
+            <a:extLst>
+              <a:ext uri="{FF2B5EF4-FFF2-40B4-BE49-F238E27FC236}">
+                <a16:creationId xmlns:a16="http://schemas.microsoft.com/office/drawing/2014/main" id="{479F5F2B-8B58-4140-AE6A-51F6C67B18D9}"/>
+              </a:ext>
+              <a:ext uri="{C183D7F6-B498-43B3-948B-1728B52AA6E4}">
+                <adec:decorative xmlns:adec="http://schemas.microsoft.com/office/drawing/2017/decorative" val="1"/>
+              </a:ext>
+            </a:extLst>
+          </p:cNvPr>
+          <p:cNvSpPr>
+            <a:spLocks noGrp="1" noRot="1" noChangeAspect="1" noMove="1" noResize="1" noEditPoints="1" noAdjustHandles="1" noChangeArrowheads="1" noChangeShapeType="1" noTextEdit="1"/>
+          </p:cNvSpPr>
+          <p:nvPr>
+            <p:extLst>
+              <p:ext uri="{386F3935-93C4-4BCD-93E2-E3B085C9AB24}">
+                <p16:designElem xmlns:p16="http://schemas.microsoft.com/office/powerpoint/2015/main" val="1"/>
+              </p:ext>
+            </p:extLst>
+          </p:nvPr>
+        </p:nvSpPr>
+        <p:spPr>
+          <a:xfrm>
+            <a:off x="0" y="1691641"/>
+            <a:ext cx="971654" cy="2096979"/>
+          </a:xfrm>
+          <a:custGeom>
+            <a:avLst/>
+            <a:gdLst>
+              <a:gd name="connsiteX0" fmla="*/ 0 w 971654"/>
+              <a:gd name="connsiteY0" fmla="*/ 0 h 2096979"/>
+              <a:gd name="connsiteX1" fmla="*/ 971654 w 971654"/>
+              <a:gd name="connsiteY1" fmla="*/ 0 h 2096979"/>
+              <a:gd name="connsiteX2" fmla="*/ 0 w 971654"/>
+              <a:gd name="connsiteY2" fmla="*/ 2096979 h 2096979"/>
+            </a:gdLst>
+            <a:ahLst/>
+            <a:cxnLst>
+              <a:cxn ang="0">
+                <a:pos x="connsiteX0" y="connsiteY0"/>
+              </a:cxn>
+              <a:cxn ang="0">
+                <a:pos x="connsiteX1" y="connsiteY1"/>
+              </a:cxn>
+              <a:cxn ang="0">
+                <a:pos x="connsiteX2" y="connsiteY2"/>
+              </a:cxn>
+            </a:cxnLst>
+            <a:rect l="l" t="t" r="r" b="b"/>
+            <a:pathLst>
+              <a:path w="971654" h="2096979">
+                <a:moveTo>
+                  <a:pt x="0" y="0"/>
+                </a:moveTo>
+                <a:lnTo>
+                  <a:pt x="971654" y="0"/>
+                </a:lnTo>
+                <a:lnTo>
+                  <a:pt x="0" y="2096979"/>
+                </a:lnTo>
+                <a:close/>
+              </a:path>
+            </a:pathLst>
+          </a:custGeom>
+          <a:solidFill>
+            <a:srgbClr val="404040"/>
+          </a:solidFill>
+          <a:ln>
+            <a:noFill/>
+          </a:ln>
+        </p:spPr>
+        <p:style>
+          <a:lnRef idx="2">
+            <a:schemeClr val="accent1">
+              <a:shade val="50000"/>
+            </a:schemeClr>
+          </a:lnRef>
+          <a:fillRef idx="1">
+            <a:schemeClr val="accent1"/>
+          </a:fillRef>
+          <a:effectRef idx="0">
+            <a:schemeClr val="accent1"/>
+          </a:effectRef>
+          <a:fontRef idx="minor">
+            <a:schemeClr val="lt1"/>
+          </a:fontRef>
+        </p:style>
+        <p:txBody>
+          <a:bodyPr wrap="square" rtlCol="0" anchor="ctr">
+            <a:noAutofit/>
+          </a:bodyPr>
+          <a:lstStyle/>
+          <a:p>
+            <a:pPr algn="ctr"/>
+            <a:endParaRPr lang="en-US"/>
+          </a:p>
+        </p:txBody>
+      </p:sp>
+      <p:sp>
+        <p:nvSpPr>
+          <p:cNvPr id="3" name="Content Placeholder 2">
+            <a:extLst>
+              <a:ext uri="{FF2B5EF4-FFF2-40B4-BE49-F238E27FC236}">
+                <a16:creationId xmlns:a16="http://schemas.microsoft.com/office/drawing/2014/main" id="{80F63467-2F96-475F-8578-AE29CEE80229}"/>
+              </a:ext>
+            </a:extLst>
+          </p:cNvPr>
+          <p:cNvSpPr>
+            <a:spLocks noGrp="1"/>
+          </p:cNvSpPr>
+          <p:nvPr>
+            <p:ph idx="1"/>
+          </p:nvPr>
+        </p:nvSpPr>
+        <p:spPr>
+          <a:xfrm>
+            <a:off x="1653363" y="2176272"/>
+            <a:ext cx="9367204" cy="4041648"/>
+          </a:xfrm>
+        </p:spPr>
+        <p:txBody>
+          <a:bodyPr anchor="t">
+            <a:normAutofit/>
+          </a:bodyPr>
+          <a:lstStyle/>
+          <a:p>
+            <a:r>
+              <a:rPr lang="da-DK" sz="2200"/>
+              <a:t>I nogen tilfælde er det svært at mappe direkte over, så man kan vælge at sende et objekt som en void pointer og derefter mappe det til hvad der ønskes</a:t>
+            </a:r>
+          </a:p>
+          <a:p>
+            <a:r>
+              <a:rPr lang="da-DK" sz="2200"/>
+              <a:t>På grund af en garbagecollector kan det skabe problemer hvis man allokere på den managede heap og sender adressen over, da den kommer til at rydde op og adresserne ikke vil passe mere. </a:t>
+            </a:r>
+          </a:p>
+          <a:p>
+            <a:r>
+              <a:rPr lang="da-DK" sz="2200"/>
+              <a:t>Kan løses ved at pinne objektet, dog er det dårligt for garbagecollectorens effektivitet</a:t>
+            </a:r>
+          </a:p>
+          <a:p>
+            <a:r>
+              <a:rPr lang="da-DK" sz="2200"/>
+              <a:t>Derfor kan man bruge selve Marshal klassen i de tilfælde hvor man vil alkokere memory indenfor den unmanaged kode og sende det over til den managede kode.</a:t>
+            </a:r>
+          </a:p>
+          <a:p>
+            <a:endParaRPr lang="da-DK" sz="2200"/>
+          </a:p>
+          <a:p>
+            <a:endParaRPr lang="da-DK" sz="2200"/>
+          </a:p>
+        </p:txBody>
+      </p:sp>
+    </p:spTree>
+    <p:extLst>
+      <p:ext uri="{BB962C8B-B14F-4D97-AF65-F5344CB8AC3E}">
+        <p14:creationId xmlns:p14="http://schemas.microsoft.com/office/powerpoint/2010/main" val="1766273073"/>
+      </p:ext>
+    </p:extLst>
+  </p:cSld>
+  <p:clrMapOvr>
+    <a:masterClrMapping/>
+  </p:clrMapOvr>
+</p:sld>
+</file>
+
+<file path=ppt/slides/slide7.xml><?xml version="1.0" encoding="utf-8"?>
+<p:sld xmlns:a="http://schemas.openxmlformats.org/drawingml/2006/main" xmlns:r="http://schemas.openxmlformats.org/officeDocument/2006/relationships" xmlns:p="http://schemas.openxmlformats.org/presentationml/2006/main">
+  <p:cSld>
+    <p:bg>
+      <p:bgPr>
+        <a:solidFill>
+          <a:schemeClr val="bg1"/>
+        </a:solidFill>
+        <a:effectLst/>
+      </p:bgPr>
+    </p:bg>
+    <p:spTree>
+      <p:nvGrpSpPr>
+        <p:cNvPr id="1" name=""/>
+        <p:cNvGrpSpPr/>
+        <p:nvPr/>
+      </p:nvGrpSpPr>
+      <p:grpSpPr>
+        <a:xfrm>
+          <a:off x="0" y="0"/>
+          <a:ext cx="0" cy="0"/>
+          <a:chOff x="0" y="0"/>
+          <a:chExt cx="0" cy="0"/>
+        </a:xfrm>
+      </p:grpSpPr>
+      <p:sp>
+        <p:nvSpPr>
+          <p:cNvPr id="2" name="Title 1">
+            <a:extLst>
+              <a:ext uri="{FF2B5EF4-FFF2-40B4-BE49-F238E27FC236}">
+                <a16:creationId xmlns:a16="http://schemas.microsoft.com/office/drawing/2014/main" id="{339656BA-150D-4CA1-B0C0-F3047DD88194}"/>
+              </a:ext>
+            </a:extLst>
+          </p:cNvPr>
+          <p:cNvSpPr>
+            <a:spLocks noGrp="1"/>
+          </p:cNvSpPr>
+          <p:nvPr>
+            <p:ph type="title"/>
+          </p:nvPr>
+        </p:nvSpPr>
+        <p:spPr>
+          <a:xfrm>
+            <a:off x="841249" y="365760"/>
+            <a:ext cx="9912072" cy="1188404"/>
+          </a:xfrm>
+        </p:spPr>
+        <p:txBody>
+          <a:bodyPr>
+            <a:normAutofit/>
+          </a:bodyPr>
+          <a:lstStyle/>
+          <a:p>
+            <a:r>
+              <a:rPr lang="da-DK" dirty="0"/>
+              <a:t>Performance</a:t>
+            </a:r>
+          </a:p>
+        </p:txBody>
+      </p:sp>
+      <p:sp>
+        <p:nvSpPr>
+          <p:cNvPr id="8" name="Freeform: Shape 7">
+            <a:extLst>
+              <a:ext uri="{FF2B5EF4-FFF2-40B4-BE49-F238E27FC236}">
+                <a16:creationId xmlns:a16="http://schemas.microsoft.com/office/drawing/2014/main" id="{F0BC1D9E-4401-4EC0-88FD-ED103CB570EA}"/>
+              </a:ext>
+              <a:ext uri="{C183D7F6-B498-43B3-948B-1728B52AA6E4}">
+                <adec:decorative xmlns:adec="http://schemas.microsoft.com/office/drawing/2017/decorative" val="1"/>
+              </a:ext>
+            </a:extLst>
+          </p:cNvPr>
+          <p:cNvSpPr>
+            <a:spLocks noGrp="1" noRot="1" noChangeAspect="1" noMove="1" noResize="1" noEditPoints="1" noAdjustHandles="1" noChangeArrowheads="1" noChangeShapeType="1" noTextEdit="1"/>
+          </p:cNvSpPr>
+          <p:nvPr>
+            <p:extLst>
+              <p:ext uri="{386F3935-93C4-4BCD-93E2-E3B085C9AB24}">
+                <p16:designElem xmlns:p16="http://schemas.microsoft.com/office/powerpoint/2015/main" val="1"/>
+              </p:ext>
+            </p:extLst>
+          </p:nvPr>
+        </p:nvSpPr>
+        <p:spPr>
+          <a:xfrm>
+            <a:off x="11000670" y="2"/>
+            <a:ext cx="1191330" cy="1511301"/>
+          </a:xfrm>
+          <a:custGeom>
+            <a:avLst/>
+            <a:gdLst>
+              <a:gd name="connsiteX0" fmla="*/ 697617 w 1191330"/>
+              <a:gd name="connsiteY0" fmla="*/ 0 h 1511301"/>
+              <a:gd name="connsiteX1" fmla="*/ 1191330 w 1191330"/>
+              <a:gd name="connsiteY1" fmla="*/ 0 h 1511301"/>
+              <a:gd name="connsiteX2" fmla="*/ 1191330 w 1191330"/>
+              <a:gd name="connsiteY2" fmla="*/ 1511301 h 1511301"/>
+              <a:gd name="connsiteX3" fmla="*/ 0 w 1191330"/>
+              <a:gd name="connsiteY3" fmla="*/ 1511301 h 1511301"/>
+            </a:gdLst>
+            <a:ahLst/>
+            <a:cxnLst>
+              <a:cxn ang="0">
+                <a:pos x="connsiteX0" y="connsiteY0"/>
+              </a:cxn>
+              <a:cxn ang="0">
+                <a:pos x="connsiteX1" y="connsiteY1"/>
+              </a:cxn>
+              <a:cxn ang="0">
+                <a:pos x="connsiteX2" y="connsiteY2"/>
+              </a:cxn>
+              <a:cxn ang="0">
+                <a:pos x="connsiteX3" y="connsiteY3"/>
+              </a:cxn>
+            </a:cxnLst>
+            <a:rect l="l" t="t" r="r" b="b"/>
+            <a:pathLst>
+              <a:path w="1191330" h="1511301">
+                <a:moveTo>
+                  <a:pt x="697617" y="0"/>
+                </a:moveTo>
+                <a:lnTo>
+                  <a:pt x="1191330" y="0"/>
+                </a:lnTo>
+                <a:lnTo>
+                  <a:pt x="1191330" y="1511301"/>
+                </a:lnTo>
+                <a:lnTo>
+                  <a:pt x="0" y="1511301"/>
+                </a:lnTo>
+                <a:close/>
+              </a:path>
+            </a:pathLst>
+          </a:custGeom>
+          <a:solidFill>
+            <a:schemeClr val="accent4"/>
+          </a:solidFill>
+          <a:ln>
+            <a:noFill/>
+          </a:ln>
+        </p:spPr>
+        <p:style>
+          <a:lnRef idx="2">
+            <a:schemeClr val="accent1">
+              <a:shade val="50000"/>
+            </a:schemeClr>
+          </a:lnRef>
+          <a:fillRef idx="1">
+            <a:schemeClr val="accent1"/>
+          </a:fillRef>
+          <a:effectRef idx="0">
+            <a:schemeClr val="accent1"/>
+          </a:effectRef>
+          <a:fontRef idx="minor">
+            <a:schemeClr val="lt1"/>
+          </a:fontRef>
+        </p:style>
+        <p:txBody>
+          <a:bodyPr wrap="square" rtlCol="0" anchor="ctr">
+            <a:noAutofit/>
+          </a:bodyPr>
+          <a:lstStyle/>
+          <a:p>
+            <a:pPr algn="ctr"/>
+            <a:endParaRPr lang="en-US"/>
+          </a:p>
+        </p:txBody>
+      </p:sp>
+      <p:sp>
+        <p:nvSpPr>
+          <p:cNvPr id="10" name="Freeform: Shape 9">
+            <a:extLst>
+              <a:ext uri="{FF2B5EF4-FFF2-40B4-BE49-F238E27FC236}">
+                <a16:creationId xmlns:a16="http://schemas.microsoft.com/office/drawing/2014/main" id="{6200B311-3585-4069-AAC6-CD443FA5B8AD}"/>
+              </a:ext>
+              <a:ext uri="{C183D7F6-B498-43B3-948B-1728B52AA6E4}">
+                <adec:decorative xmlns:adec="http://schemas.microsoft.com/office/drawing/2017/decorative" val="1"/>
+              </a:ext>
+            </a:extLst>
+          </p:cNvPr>
+          <p:cNvSpPr>
+            <a:spLocks noGrp="1" noRot="1" noChangeAspect="1" noMove="1" noResize="1" noEditPoints="1" noAdjustHandles="1" noChangeArrowheads="1" noChangeShapeType="1" noTextEdit="1"/>
+          </p:cNvSpPr>
+          <p:nvPr>
+            <p:extLst>
+              <p:ext uri="{386F3935-93C4-4BCD-93E2-E3B085C9AB24}">
+                <p16:designElem xmlns:p16="http://schemas.microsoft.com/office/powerpoint/2015/main" val="1"/>
+              </p:ext>
+            </p:extLst>
+          </p:nvPr>
+        </p:nvSpPr>
+        <p:spPr>
+          <a:xfrm>
+            <a:off x="8523986" y="1690688"/>
+            <a:ext cx="3668014" cy="5167312"/>
+          </a:xfrm>
+          <a:custGeom>
+            <a:avLst/>
+            <a:gdLst>
+              <a:gd name="connsiteX0" fmla="*/ 2391664 w 3668014"/>
+              <a:gd name="connsiteY0" fmla="*/ 0 h 5167312"/>
+              <a:gd name="connsiteX1" fmla="*/ 3668014 w 3668014"/>
+              <a:gd name="connsiteY1" fmla="*/ 0 h 5167312"/>
+              <a:gd name="connsiteX2" fmla="*/ 3668014 w 3668014"/>
+              <a:gd name="connsiteY2" fmla="*/ 5167312 h 5167312"/>
+              <a:gd name="connsiteX3" fmla="*/ 0 w 3668014"/>
+              <a:gd name="connsiteY3" fmla="*/ 5167312 h 5167312"/>
+              <a:gd name="connsiteX4" fmla="*/ 2393879 w 3668014"/>
+              <a:gd name="connsiteY4" fmla="*/ 952 h 5167312"/>
+              <a:gd name="connsiteX5" fmla="*/ 2391664 w 3668014"/>
+              <a:gd name="connsiteY5" fmla="*/ 952 h 5167312"/>
+            </a:gdLst>
+            <a:ahLst/>
+            <a:cxnLst>
+              <a:cxn ang="0">
+                <a:pos x="connsiteX0" y="connsiteY0"/>
+              </a:cxn>
+              <a:cxn ang="0">
+                <a:pos x="connsiteX1" y="connsiteY1"/>
+              </a:cxn>
+              <a:cxn ang="0">
+                <a:pos x="connsiteX2" y="connsiteY2"/>
+              </a:cxn>
+              <a:cxn ang="0">
+                <a:pos x="connsiteX3" y="connsiteY3"/>
+              </a:cxn>
+              <a:cxn ang="0">
+                <a:pos x="connsiteX4" y="connsiteY4"/>
+              </a:cxn>
+              <a:cxn ang="0">
+                <a:pos x="connsiteX5" y="connsiteY5"/>
+              </a:cxn>
+            </a:cxnLst>
+            <a:rect l="l" t="t" r="r" b="b"/>
+            <a:pathLst>
+              <a:path w="3668014" h="5167312">
+                <a:moveTo>
+                  <a:pt x="2391664" y="0"/>
+                </a:moveTo>
+                <a:lnTo>
+                  <a:pt x="3668014" y="0"/>
+                </a:lnTo>
+                <a:lnTo>
+                  <a:pt x="3668014" y="5167312"/>
+                </a:lnTo>
+                <a:lnTo>
+                  <a:pt x="0" y="5167312"/>
+                </a:lnTo>
+                <a:lnTo>
+                  <a:pt x="2393879" y="952"/>
+                </a:lnTo>
+                <a:lnTo>
+                  <a:pt x="2391664" y="952"/>
+                </a:lnTo>
+                <a:close/>
+              </a:path>
+            </a:pathLst>
+          </a:custGeom>
+          <a:solidFill>
+            <a:srgbClr val="A6A6A6">
+              <a:alpha val="49804"/>
+            </a:srgbClr>
+          </a:solidFill>
+          <a:ln>
+            <a:noFill/>
+          </a:ln>
+        </p:spPr>
+        <p:style>
+          <a:lnRef idx="2">
+            <a:schemeClr val="accent1">
+              <a:shade val="50000"/>
+            </a:schemeClr>
+          </a:lnRef>
+          <a:fillRef idx="1">
+            <a:schemeClr val="accent1"/>
+          </a:fillRef>
+          <a:effectRef idx="0">
+            <a:schemeClr val="accent1"/>
+          </a:effectRef>
+          <a:fontRef idx="minor">
+            <a:schemeClr val="lt1"/>
+          </a:fontRef>
+        </p:style>
+        <p:txBody>
+          <a:bodyPr wrap="square" rtlCol="0" anchor="ctr">
+            <a:noAutofit/>
+          </a:bodyPr>
+          <a:lstStyle/>
+          <a:p>
+            <a:pPr algn="ctr"/>
+            <a:endParaRPr lang="en-US"/>
+          </a:p>
+        </p:txBody>
+      </p:sp>
+      <p:sp>
+        <p:nvSpPr>
+          <p:cNvPr id="12" name="Freeform: Shape 11">
+            <a:extLst>
+              <a:ext uri="{FF2B5EF4-FFF2-40B4-BE49-F238E27FC236}">
+                <a16:creationId xmlns:a16="http://schemas.microsoft.com/office/drawing/2014/main" id="{B0AAF7C9-094E-400C-A428-F6C2262F6527}"/>
+              </a:ext>
+              <a:ext uri="{C183D7F6-B498-43B3-948B-1728B52AA6E4}">
+                <adec:decorative xmlns:adec="http://schemas.microsoft.com/office/drawing/2017/decorative" val="1"/>
+              </a:ext>
+            </a:extLst>
+          </p:cNvPr>
+          <p:cNvSpPr>
+            <a:spLocks noGrp="1" noRot="1" noChangeAspect="1" noMove="1" noResize="1" noEditPoints="1" noAdjustHandles="1" noChangeArrowheads="1" noChangeShapeType="1" noTextEdit="1"/>
+          </p:cNvSpPr>
+          <p:nvPr>
+            <p:extLst>
+              <p:ext uri="{386F3935-93C4-4BCD-93E2-E3B085C9AB24}">
+                <p16:designElem xmlns:p16="http://schemas.microsoft.com/office/powerpoint/2015/main" val="1"/>
+              </p:ext>
+            </p:extLst>
+          </p:nvPr>
+        </p:nvSpPr>
+        <p:spPr>
+          <a:xfrm>
+            <a:off x="0" y="1690688"/>
+            <a:ext cx="10753320" cy="5167312"/>
+          </a:xfrm>
+          <a:custGeom>
+            <a:avLst/>
+            <a:gdLst>
+              <a:gd name="connsiteX0" fmla="*/ 0 w 10753320"/>
+              <a:gd name="connsiteY0" fmla="*/ 0 h 5167312"/>
+              <a:gd name="connsiteX1" fmla="*/ 9680943 w 10753320"/>
+              <a:gd name="connsiteY1" fmla="*/ 0 h 5167312"/>
+              <a:gd name="connsiteX2" fmla="*/ 9680223 w 10753320"/>
+              <a:gd name="connsiteY2" fmla="*/ 952 h 5167312"/>
+              <a:gd name="connsiteX3" fmla="*/ 10753320 w 10753320"/>
+              <a:gd name="connsiteY3" fmla="*/ 952 h 5167312"/>
+              <a:gd name="connsiteX4" fmla="*/ 8359441 w 10753320"/>
+              <a:gd name="connsiteY4" fmla="*/ 5167312 h 5167312"/>
+              <a:gd name="connsiteX5" fmla="*/ 4821866 w 10753320"/>
+              <a:gd name="connsiteY5" fmla="*/ 5167312 h 5167312"/>
+              <a:gd name="connsiteX6" fmla="*/ 4821866 w 10753320"/>
+              <a:gd name="connsiteY6" fmla="*/ 5166360 h 5167312"/>
+              <a:gd name="connsiteX7" fmla="*/ 0 w 10753320"/>
+              <a:gd name="connsiteY7" fmla="*/ 5166360 h 5167312"/>
+            </a:gdLst>
+            <a:ahLst/>
+            <a:cxnLst>
+              <a:cxn ang="0">
+                <a:pos x="connsiteX0" y="connsiteY0"/>
+              </a:cxn>
+              <a:cxn ang="0">
+                <a:pos x="connsiteX1" y="connsiteY1"/>
+              </a:cxn>
+              <a:cxn ang="0">
+                <a:pos x="connsiteX2" y="connsiteY2"/>
+              </a:cxn>
+              <a:cxn ang="0">
+                <a:pos x="connsiteX3" y="connsiteY3"/>
+              </a:cxn>
+              <a:cxn ang="0">
+                <a:pos x="connsiteX4" y="connsiteY4"/>
+              </a:cxn>
+              <a:cxn ang="0">
+                <a:pos x="connsiteX5" y="connsiteY5"/>
+              </a:cxn>
+              <a:cxn ang="0">
+                <a:pos x="connsiteX6" y="connsiteY6"/>
+              </a:cxn>
+              <a:cxn ang="0">
+                <a:pos x="connsiteX7" y="connsiteY7"/>
+              </a:cxn>
+            </a:cxnLst>
+            <a:rect l="l" t="t" r="r" b="b"/>
+            <a:pathLst>
+              <a:path w="10753320" h="5167312">
+                <a:moveTo>
+                  <a:pt x="0" y="0"/>
+                </a:moveTo>
+                <a:lnTo>
+                  <a:pt x="9680943" y="0"/>
+                </a:lnTo>
+                <a:lnTo>
+                  <a:pt x="9680223" y="952"/>
+                </a:lnTo>
+                <a:lnTo>
+                  <a:pt x="10753320" y="952"/>
+                </a:lnTo>
+                <a:lnTo>
+                  <a:pt x="8359441" y="5167312"/>
+                </a:lnTo>
+                <a:lnTo>
+                  <a:pt x="4821866" y="5167312"/>
+                </a:lnTo>
+                <a:lnTo>
+                  <a:pt x="4821866" y="5166360"/>
+                </a:lnTo>
+                <a:lnTo>
+                  <a:pt x="0" y="5166360"/>
+                </a:lnTo>
+                <a:close/>
+              </a:path>
+            </a:pathLst>
+          </a:custGeom>
+          <a:solidFill>
+            <a:srgbClr val="303030"/>
+          </a:solidFill>
+          <a:ln>
+            <a:noFill/>
+          </a:ln>
+        </p:spPr>
+        <p:style>
+          <a:lnRef idx="2">
+            <a:schemeClr val="accent1">
+              <a:shade val="50000"/>
+            </a:schemeClr>
+          </a:lnRef>
+          <a:fillRef idx="1">
+            <a:schemeClr val="accent1"/>
+          </a:fillRef>
+          <a:effectRef idx="0">
+            <a:schemeClr val="accent1"/>
+          </a:effectRef>
+          <a:fontRef idx="minor">
+            <a:schemeClr val="lt1"/>
+          </a:fontRef>
+        </p:style>
+        <p:txBody>
+          <a:bodyPr wrap="square" rtlCol="0" anchor="ctr">
+            <a:noAutofit/>
+          </a:bodyPr>
+          <a:lstStyle/>
+          <a:p>
+            <a:pPr algn="ctr"/>
+            <a:endParaRPr lang="en-US"/>
+          </a:p>
+        </p:txBody>
+      </p:sp>
+      <p:sp>
+        <p:nvSpPr>
+          <p:cNvPr id="3" name="Content Placeholder 2">
+            <a:extLst>
+              <a:ext uri="{FF2B5EF4-FFF2-40B4-BE49-F238E27FC236}">
+                <a16:creationId xmlns:a16="http://schemas.microsoft.com/office/drawing/2014/main" id="{15BB0E54-F1F0-46E2-9E5E-F9F347CABC2C}"/>
+              </a:ext>
+            </a:extLst>
+          </p:cNvPr>
+          <p:cNvSpPr>
+            <a:spLocks noGrp="1"/>
+          </p:cNvSpPr>
+          <p:nvPr>
+            <p:ph idx="1"/>
+          </p:nvPr>
+        </p:nvSpPr>
+        <p:spPr>
+          <a:xfrm>
+            <a:off x="841248" y="2174358"/>
+            <a:ext cx="7731642" cy="4045467"/>
+          </a:xfrm>
+        </p:spPr>
+        <p:txBody>
+          <a:bodyPr anchor="t">
+            <a:normAutofit/>
+          </a:bodyPr>
+          <a:lstStyle/>
+          <a:p>
+            <a:r>
+              <a:rPr lang="da-DK" sz="2400">
+                <a:solidFill>
+                  <a:schemeClr val="bg1"/>
+                </a:solidFill>
+              </a:rPr>
+              <a:t>30 instruktioner per kald når der skal bruges kode fra COM i .NET</a:t>
+            </a:r>
+          </a:p>
+          <a:p>
+            <a:pPr lvl="1"/>
+            <a:r>
+              <a:rPr lang="da-DK">
+                <a:solidFill>
+                  <a:schemeClr val="bg1"/>
+                </a:solidFill>
+              </a:rPr>
+              <a:t>Brug dem ikke i en lykke</a:t>
+            </a:r>
+          </a:p>
+          <a:p>
+            <a:r>
+              <a:rPr lang="da-DK" sz="2400">
+                <a:solidFill>
+                  <a:schemeClr val="bg1"/>
+                </a:solidFill>
+              </a:rPr>
+              <a:t>Datatyper giver lidt overhead, da de skal mappes over</a:t>
+            </a:r>
+          </a:p>
+          <a:p>
+            <a:r>
+              <a:rPr lang="da-DK" sz="2400">
+                <a:solidFill>
+                  <a:schemeClr val="bg1"/>
+                </a:solidFill>
+              </a:rPr>
+              <a:t>Generelt skal man bruge kaldende til en unmanaged kode klogt. </a:t>
+            </a:r>
+          </a:p>
+          <a:p>
+            <a:pPr lvl="1"/>
+            <a:r>
+              <a:rPr lang="da-DK">
+                <a:solidFill>
+                  <a:schemeClr val="bg1"/>
+                </a:solidFill>
+              </a:rPr>
+              <a:t>Helere få men større kald(Mere der skal processeres). End mange små kald.</a:t>
+            </a:r>
+          </a:p>
+        </p:txBody>
+      </p:sp>
+    </p:spTree>
+    <p:extLst>
+      <p:ext uri="{BB962C8B-B14F-4D97-AF65-F5344CB8AC3E}">
+        <p14:creationId xmlns:p14="http://schemas.microsoft.com/office/powerpoint/2010/main" val="3629220427"/>
+      </p:ext>
+    </p:extLst>
+  </p:cSld>
+  <p:clrMapOvr>
+    <a:masterClrMapping/>
+  </p:clrMapOvr>
+</p:sld>
+</file>
+
+<file path=ppt/slides/slide8.xml><?xml version="1.0" encoding="utf-8"?>
+<p:sld xmlns:a="http://schemas.openxmlformats.org/drawingml/2006/main" xmlns:r="http://schemas.openxmlformats.org/officeDocument/2006/relationships" xmlns:p="http://schemas.openxmlformats.org/presentationml/2006/main">
+  <p:cSld>
+    <p:bg>
+      <p:bgPr>
+        <a:solidFill>
+          <a:schemeClr val="bg1"/>
+        </a:solidFill>
+        <a:effectLst/>
+      </p:bgPr>
+    </p:bg>
+    <p:spTree>
+      <p:nvGrpSpPr>
+        <p:cNvPr id="1" name=""/>
+        <p:cNvGrpSpPr/>
+        <p:nvPr/>
+      </p:nvGrpSpPr>
+      <p:grpSpPr>
+        <a:xfrm>
+          <a:off x="0" y="0"/>
+          <a:ext cx="0" cy="0"/>
+          <a:chOff x="0" y="0"/>
+          <a:chExt cx="0" cy="0"/>
+        </a:xfrm>
+      </p:grpSpPr>
+      <p:sp>
+        <p:nvSpPr>
+          <p:cNvPr id="2" name="Title 1">
+            <a:extLst>
+              <a:ext uri="{FF2B5EF4-FFF2-40B4-BE49-F238E27FC236}">
+                <a16:creationId xmlns:a16="http://schemas.microsoft.com/office/drawing/2014/main" id="{95D1DFAB-8A89-4EDF-8BA6-DB22D44D0278}"/>
+              </a:ext>
+            </a:extLst>
+          </p:cNvPr>
+          <p:cNvSpPr>
+            <a:spLocks noGrp="1"/>
+          </p:cNvSpPr>
+          <p:nvPr>
+            <p:ph type="title"/>
+          </p:nvPr>
+        </p:nvSpPr>
+        <p:spPr>
+          <a:xfrm>
+            <a:off x="1653363" y="365760"/>
+            <a:ext cx="9367203" cy="1188720"/>
+          </a:xfrm>
+        </p:spPr>
+        <p:txBody>
+          <a:bodyPr>
+            <a:normAutofit/>
+          </a:bodyPr>
+          <a:lstStyle/>
+          <a:p>
+            <a:r>
+              <a:rPr lang="da-DK" dirty="0"/>
+              <a:t>Demo?</a:t>
+            </a:r>
+          </a:p>
+        </p:txBody>
+      </p:sp>
+      <p:sp>
+        <p:nvSpPr>
+          <p:cNvPr id="8" name="Freeform: Shape 7">
+            <a:extLst>
+              <a:ext uri="{FF2B5EF4-FFF2-40B4-BE49-F238E27FC236}">
+                <a16:creationId xmlns:a16="http://schemas.microsoft.com/office/drawing/2014/main" id="{7CB4857B-ED7C-444D-9F04-2F885114A1C2}"/>
+              </a:ext>
+              <a:ext uri="{C183D7F6-B498-43B3-948B-1728B52AA6E4}">
+                <adec:decorative xmlns:adec="http://schemas.microsoft.com/office/drawing/2017/decorative" val="1"/>
+              </a:ext>
+            </a:extLst>
+          </p:cNvPr>
+          <p:cNvSpPr>
+            <a:spLocks noGrp="1" noRot="1" noChangeAspect="1" noMove="1" noResize="1" noEditPoints="1" noAdjustHandles="1" noChangeArrowheads="1" noChangeShapeType="1" noTextEdit="1"/>
+          </p:cNvSpPr>
+          <p:nvPr>
+            <p:extLst>
+              <p:ext uri="{386F3935-93C4-4BCD-93E2-E3B085C9AB24}">
+                <p16:designElem xmlns:p16="http://schemas.microsoft.com/office/powerpoint/2015/main" val="1"/>
+              </p:ext>
+            </p:extLst>
+          </p:nvPr>
+        </p:nvSpPr>
+        <p:spPr>
+          <a:xfrm>
+            <a:off x="1" y="0"/>
+            <a:ext cx="1764099" cy="1558212"/>
+          </a:xfrm>
+          <a:custGeom>
+            <a:avLst/>
+            <a:gdLst>
+              <a:gd name="connsiteX0" fmla="*/ 0 w 1764099"/>
+              <a:gd name="connsiteY0" fmla="*/ 0 h 1558212"/>
+              <a:gd name="connsiteX1" fmla="*/ 1764099 w 1764099"/>
+              <a:gd name="connsiteY1" fmla="*/ 0 h 1558212"/>
+              <a:gd name="connsiteX2" fmla="*/ 1042087 w 1764099"/>
+              <a:gd name="connsiteY2" fmla="*/ 1558212 h 1558212"/>
+              <a:gd name="connsiteX3" fmla="*/ 0 w 1764099"/>
+              <a:gd name="connsiteY3" fmla="*/ 1558212 h 1558212"/>
+            </a:gdLst>
+            <a:ahLst/>
+            <a:cxnLst>
+              <a:cxn ang="0">
+                <a:pos x="connsiteX0" y="connsiteY0"/>
+              </a:cxn>
+              <a:cxn ang="0">
+                <a:pos x="connsiteX1" y="connsiteY1"/>
+              </a:cxn>
+              <a:cxn ang="0">
+                <a:pos x="connsiteX2" y="connsiteY2"/>
+              </a:cxn>
+              <a:cxn ang="0">
+                <a:pos x="connsiteX3" y="connsiteY3"/>
+              </a:cxn>
+            </a:cxnLst>
+            <a:rect l="l" t="t" r="r" b="b"/>
+            <a:pathLst>
+              <a:path w="1764099" h="1558212">
+                <a:moveTo>
+                  <a:pt x="0" y="0"/>
+                </a:moveTo>
+                <a:lnTo>
+                  <a:pt x="1764099" y="0"/>
+                </a:lnTo>
+                <a:lnTo>
+                  <a:pt x="1042087" y="1558212"/>
+                </a:lnTo>
+                <a:lnTo>
+                  <a:pt x="0" y="1558212"/>
+                </a:lnTo>
+                <a:close/>
+              </a:path>
+            </a:pathLst>
+          </a:custGeom>
+          <a:solidFill>
+            <a:schemeClr val="accent4"/>
+          </a:solidFill>
+          <a:ln>
+            <a:noFill/>
+          </a:ln>
+        </p:spPr>
+        <p:style>
+          <a:lnRef idx="2">
+            <a:schemeClr val="accent1">
+              <a:shade val="50000"/>
+            </a:schemeClr>
+          </a:lnRef>
+          <a:fillRef idx="1">
+            <a:schemeClr val="accent1"/>
+          </a:fillRef>
+          <a:effectRef idx="0">
+            <a:schemeClr val="accent1"/>
+          </a:effectRef>
+          <a:fontRef idx="minor">
+            <a:schemeClr val="lt1"/>
+          </a:fontRef>
+        </p:style>
+        <p:txBody>
+          <a:bodyPr wrap="square" rtlCol="0" anchor="ctr">
+            <a:noAutofit/>
+          </a:bodyPr>
+          <a:lstStyle/>
+          <a:p>
+            <a:pPr algn="ctr"/>
+            <a:endParaRPr lang="en-US"/>
+          </a:p>
+        </p:txBody>
+      </p:sp>
+      <p:sp>
+        <p:nvSpPr>
+          <p:cNvPr id="10" name="Freeform: Shape 9">
+            <a:extLst>
+              <a:ext uri="{FF2B5EF4-FFF2-40B4-BE49-F238E27FC236}">
+                <a16:creationId xmlns:a16="http://schemas.microsoft.com/office/drawing/2014/main" id="{D18046FB-44EA-4FD8-A585-EA09A319B2D0}"/>
+              </a:ext>
+              <a:ext uri="{C183D7F6-B498-43B3-948B-1728B52AA6E4}">
+                <adec:decorative xmlns:adec="http://schemas.microsoft.com/office/drawing/2017/decorative" val="1"/>
+              </a:ext>
+            </a:extLst>
+          </p:cNvPr>
+          <p:cNvSpPr>
+            <a:spLocks noGrp="1" noRot="1" noChangeAspect="1" noMove="1" noResize="1" noEditPoints="1" noAdjustHandles="1" noChangeArrowheads="1" noChangeShapeType="1" noTextEdit="1"/>
+          </p:cNvSpPr>
+          <p:nvPr>
+            <p:extLst>
+              <p:ext uri="{386F3935-93C4-4BCD-93E2-E3B085C9AB24}">
+                <p16:designElem xmlns:p16="http://schemas.microsoft.com/office/powerpoint/2015/main" val="1"/>
+              </p:ext>
+            </p:extLst>
+          </p:nvPr>
+        </p:nvSpPr>
+        <p:spPr>
+          <a:xfrm>
+            <a:off x="1" y="1691640"/>
+            <a:ext cx="12191999" cy="5166360"/>
+          </a:xfrm>
+          <a:custGeom>
+            <a:avLst/>
+            <a:gdLst>
+              <a:gd name="connsiteX0" fmla="*/ 0 w 12191999"/>
+              <a:gd name="connsiteY0" fmla="*/ 0 h 5166360"/>
+              <a:gd name="connsiteX1" fmla="*/ 1822388 w 12191999"/>
+              <a:gd name="connsiteY1" fmla="*/ 0 h 5166360"/>
+              <a:gd name="connsiteX2" fmla="*/ 6468290 w 12191999"/>
+              <a:gd name="connsiteY2" fmla="*/ 0 h 5166360"/>
+              <a:gd name="connsiteX3" fmla="*/ 7796394 w 12191999"/>
+              <a:gd name="connsiteY3" fmla="*/ 0 h 5166360"/>
+              <a:gd name="connsiteX4" fmla="*/ 8376834 w 12191999"/>
+              <a:gd name="connsiteY4" fmla="*/ 0 h 5166360"/>
+              <a:gd name="connsiteX5" fmla="*/ 9704938 w 12191999"/>
+              <a:gd name="connsiteY5" fmla="*/ 0 h 5166360"/>
+              <a:gd name="connsiteX6" fmla="*/ 9704938 w 12191999"/>
+              <a:gd name="connsiteY6" fmla="*/ 2 h 5166360"/>
+              <a:gd name="connsiteX7" fmla="*/ 10283456 w 12191999"/>
+              <a:gd name="connsiteY7" fmla="*/ 2 h 5166360"/>
+              <a:gd name="connsiteX8" fmla="*/ 10863897 w 12191999"/>
+              <a:gd name="connsiteY8" fmla="*/ 2 h 5166360"/>
+              <a:gd name="connsiteX9" fmla="*/ 12191999 w 12191999"/>
+              <a:gd name="connsiteY9" fmla="*/ 2 h 5166360"/>
+              <a:gd name="connsiteX10" fmla="*/ 12191999 w 12191999"/>
+              <a:gd name="connsiteY10" fmla="*/ 5166360 h 5166360"/>
+              <a:gd name="connsiteX11" fmla="*/ 0 w 12191999"/>
+              <a:gd name="connsiteY11" fmla="*/ 5166360 h 5166360"/>
+              <a:gd name="connsiteX12" fmla="*/ 0 w 12191999"/>
+              <a:gd name="connsiteY12" fmla="*/ 2604436 h 5166360"/>
+              <a:gd name="connsiteX13" fmla="*/ 862341 w 12191999"/>
+              <a:gd name="connsiteY13" fmla="*/ 743371 h 5166360"/>
+              <a:gd name="connsiteX14" fmla="*/ 0 w 12191999"/>
+              <a:gd name="connsiteY14" fmla="*/ 743371 h 5166360"/>
+              <a:gd name="connsiteX15" fmla="*/ 0 w 12191999"/>
+              <a:gd name="connsiteY15" fmla="*/ 742508 h 5166360"/>
+              <a:gd name="connsiteX16" fmla="*/ 92826 w 12191999"/>
+              <a:gd name="connsiteY16" fmla="*/ 742508 h 5166360"/>
+              <a:gd name="connsiteX17" fmla="*/ 406486 w 12191999"/>
+              <a:gd name="connsiteY17" fmla="*/ 742508 h 5166360"/>
+              <a:gd name="connsiteX18" fmla="*/ 406486 w 12191999"/>
+              <a:gd name="connsiteY18" fmla="*/ 742507 h 5166360"/>
+              <a:gd name="connsiteX19" fmla="*/ 862741 w 12191999"/>
+              <a:gd name="connsiteY19" fmla="*/ 742507 h 5166360"/>
+              <a:gd name="connsiteX20" fmla="*/ 1206388 w 12191999"/>
+              <a:gd name="connsiteY20" fmla="*/ 864 h 5166360"/>
+              <a:gd name="connsiteX21" fmla="*/ 748500 w 12191999"/>
+              <a:gd name="connsiteY21" fmla="*/ 864 h 5166360"/>
+              <a:gd name="connsiteX22" fmla="*/ 0 w 12191999"/>
+              <a:gd name="connsiteY22" fmla="*/ 864 h 5166360"/>
+            </a:gdLst>
+            <a:ahLst/>
+            <a:cxnLst>
+              <a:cxn ang="0">
+                <a:pos x="connsiteX0" y="connsiteY0"/>
+              </a:cxn>
+              <a:cxn ang="0">
+                <a:pos x="connsiteX1" y="connsiteY1"/>
+              </a:cxn>
+              <a:cxn ang="0">
+                <a:pos x="connsiteX2" y="connsiteY2"/>
+              </a:cxn>
+              <a:cxn ang="0">
+                <a:pos x="connsiteX3" y="connsiteY3"/>
+              </a:cxn>
+              <a:cxn ang="0">
+                <a:pos x="connsiteX4" y="connsiteY4"/>
+              </a:cxn>
+              <a:cxn ang="0">
+                <a:pos x="connsiteX5" y="connsiteY5"/>
+              </a:cxn>
+              <a:cxn ang="0">
+                <a:pos x="connsiteX6" y="connsiteY6"/>
+              </a:cxn>
+              <a:cxn ang="0">
+                <a:pos x="connsiteX7" y="connsiteY7"/>
+              </a:cxn>
+              <a:cxn ang="0">
+                <a:pos x="connsiteX8" y="connsiteY8"/>
+              </a:cxn>
+              <a:cxn ang="0">
+                <a:pos x="connsiteX9" y="connsiteY9"/>
+              </a:cxn>
+              <a:cxn ang="0">
+                <a:pos x="connsiteX10" y="connsiteY10"/>
+              </a:cxn>
+              <a:cxn ang="0">
+                <a:pos x="connsiteX11" y="connsiteY11"/>
+              </a:cxn>
+              <a:cxn ang="0">
+                <a:pos x="connsiteX12" y="connsiteY12"/>
+              </a:cxn>
+              <a:cxn ang="0">
+                <a:pos x="connsiteX13" y="connsiteY13"/>
+              </a:cxn>
+              <a:cxn ang="0">
+                <a:pos x="connsiteX14" y="connsiteY14"/>
+              </a:cxn>
+              <a:cxn ang="0">
+                <a:pos x="connsiteX15" y="connsiteY15"/>
+              </a:cxn>
+              <a:cxn ang="0">
+                <a:pos x="connsiteX16" y="connsiteY16"/>
+              </a:cxn>
+              <a:cxn ang="0">
+                <a:pos x="connsiteX17" y="connsiteY17"/>
+              </a:cxn>
+              <a:cxn ang="0">
+                <a:pos x="connsiteX18" y="connsiteY18"/>
+              </a:cxn>
+              <a:cxn ang="0">
+                <a:pos x="connsiteX19" y="connsiteY19"/>
+              </a:cxn>
+              <a:cxn ang="0">
+                <a:pos x="connsiteX20" y="connsiteY20"/>
+              </a:cxn>
+              <a:cxn ang="0">
+                <a:pos x="connsiteX21" y="connsiteY21"/>
+              </a:cxn>
+              <a:cxn ang="0">
+                <a:pos x="connsiteX22" y="connsiteY22"/>
+              </a:cxn>
+            </a:cxnLst>
+            <a:rect l="l" t="t" r="r" b="b"/>
+            <a:pathLst>
+              <a:path w="12191999" h="5166360">
+                <a:moveTo>
+                  <a:pt x="0" y="0"/>
+                </a:moveTo>
+                <a:lnTo>
+                  <a:pt x="1822388" y="0"/>
+                </a:lnTo>
+                <a:lnTo>
+                  <a:pt x="6468290" y="0"/>
+                </a:lnTo>
+                <a:lnTo>
+                  <a:pt x="7796394" y="0"/>
+                </a:lnTo>
+                <a:lnTo>
+                  <a:pt x="8376834" y="0"/>
+                </a:lnTo>
+                <a:lnTo>
+                  <a:pt x="9704938" y="0"/>
+                </a:lnTo>
+                <a:lnTo>
+                  <a:pt x="9704938" y="2"/>
+                </a:lnTo>
+                <a:lnTo>
+                  <a:pt x="10283456" y="2"/>
+                </a:lnTo>
+                <a:lnTo>
+                  <a:pt x="10863897" y="2"/>
+                </a:lnTo>
+                <a:lnTo>
+                  <a:pt x="12191999" y="2"/>
+                </a:lnTo>
+                <a:lnTo>
+                  <a:pt x="12191999" y="5166360"/>
+                </a:lnTo>
+                <a:lnTo>
+                  <a:pt x="0" y="5166360"/>
+                </a:lnTo>
+                <a:lnTo>
+                  <a:pt x="0" y="2604436"/>
+                </a:lnTo>
+                <a:lnTo>
+                  <a:pt x="862341" y="743371"/>
+                </a:lnTo>
+                <a:lnTo>
+                  <a:pt x="0" y="743371"/>
+                </a:lnTo>
+                <a:lnTo>
+                  <a:pt x="0" y="742508"/>
+                </a:lnTo>
+                <a:lnTo>
+                  <a:pt x="92826" y="742508"/>
+                </a:lnTo>
+                <a:lnTo>
+                  <a:pt x="406486" y="742508"/>
+                </a:lnTo>
+                <a:lnTo>
+                  <a:pt x="406486" y="742507"/>
+                </a:lnTo>
+                <a:lnTo>
+                  <a:pt x="862741" y="742507"/>
+                </a:lnTo>
+                <a:lnTo>
+                  <a:pt x="1206388" y="864"/>
+                </a:lnTo>
+                <a:lnTo>
+                  <a:pt x="748500" y="864"/>
+                </a:lnTo>
+                <a:lnTo>
+                  <a:pt x="0" y="864"/>
+                </a:lnTo>
+                <a:close/>
+              </a:path>
+            </a:pathLst>
+          </a:custGeom>
+          <a:solidFill>
+            <a:srgbClr val="A6A6A6">
+              <a:alpha val="49804"/>
+            </a:srgbClr>
+          </a:solidFill>
+          <a:ln>
+            <a:noFill/>
+          </a:ln>
+        </p:spPr>
+        <p:style>
+          <a:lnRef idx="2">
+            <a:schemeClr val="accent1">
+              <a:shade val="50000"/>
+            </a:schemeClr>
+          </a:lnRef>
+          <a:fillRef idx="1">
+            <a:schemeClr val="accent1"/>
+          </a:fillRef>
+          <a:effectRef idx="0">
+            <a:schemeClr val="accent1"/>
+          </a:effectRef>
+          <a:fontRef idx="minor">
+            <a:schemeClr val="lt1"/>
+          </a:fontRef>
+        </p:style>
+        <p:txBody>
+          <a:bodyPr wrap="square" rtlCol="0" anchor="ctr">
+            <a:noAutofit/>
+          </a:bodyPr>
+          <a:lstStyle/>
+          <a:p>
+            <a:pPr algn="ctr"/>
+            <a:endParaRPr lang="en-US"/>
+          </a:p>
+        </p:txBody>
+      </p:sp>
+      <p:sp>
+        <p:nvSpPr>
+          <p:cNvPr id="12" name="Freeform: Shape 11">
+            <a:extLst>
+              <a:ext uri="{FF2B5EF4-FFF2-40B4-BE49-F238E27FC236}">
+                <a16:creationId xmlns:a16="http://schemas.microsoft.com/office/drawing/2014/main" id="{479F5F2B-8B58-4140-AE6A-51F6C67B18D9}"/>
+              </a:ext>
+              <a:ext uri="{C183D7F6-B498-43B3-948B-1728B52AA6E4}">
+                <adec:decorative xmlns:adec="http://schemas.microsoft.com/office/drawing/2017/decorative" val="1"/>
+              </a:ext>
+            </a:extLst>
+          </p:cNvPr>
+          <p:cNvSpPr>
+            <a:spLocks noGrp="1" noRot="1" noChangeAspect="1" noMove="1" noResize="1" noEditPoints="1" noAdjustHandles="1" noChangeArrowheads="1" noChangeShapeType="1" noTextEdit="1"/>
+          </p:cNvSpPr>
+          <p:nvPr>
+            <p:extLst>
+              <p:ext uri="{386F3935-93C4-4BCD-93E2-E3B085C9AB24}">
+                <p16:designElem xmlns:p16="http://schemas.microsoft.com/office/powerpoint/2015/main" val="1"/>
+              </p:ext>
+            </p:extLst>
+          </p:nvPr>
+        </p:nvSpPr>
+        <p:spPr>
+          <a:xfrm>
+            <a:off x="0" y="1691641"/>
+            <a:ext cx="971654" cy="2096979"/>
+          </a:xfrm>
+          <a:custGeom>
+            <a:avLst/>
+            <a:gdLst>
+              <a:gd name="connsiteX0" fmla="*/ 0 w 971654"/>
+              <a:gd name="connsiteY0" fmla="*/ 0 h 2096979"/>
+              <a:gd name="connsiteX1" fmla="*/ 971654 w 971654"/>
+              <a:gd name="connsiteY1" fmla="*/ 0 h 2096979"/>
+              <a:gd name="connsiteX2" fmla="*/ 0 w 971654"/>
+              <a:gd name="connsiteY2" fmla="*/ 2096979 h 2096979"/>
+            </a:gdLst>
+            <a:ahLst/>
+            <a:cxnLst>
+              <a:cxn ang="0">
+                <a:pos x="connsiteX0" y="connsiteY0"/>
+              </a:cxn>
+              <a:cxn ang="0">
+                <a:pos x="connsiteX1" y="connsiteY1"/>
+              </a:cxn>
+              <a:cxn ang="0">
+                <a:pos x="connsiteX2" y="connsiteY2"/>
+              </a:cxn>
+            </a:cxnLst>
+            <a:rect l="l" t="t" r="r" b="b"/>
+            <a:pathLst>
+              <a:path w="971654" h="2096979">
+                <a:moveTo>
+                  <a:pt x="0" y="0"/>
+                </a:moveTo>
+                <a:lnTo>
+                  <a:pt x="971654" y="0"/>
+                </a:lnTo>
+                <a:lnTo>
+                  <a:pt x="0" y="2096979"/>
+                </a:lnTo>
+                <a:close/>
+              </a:path>
+            </a:pathLst>
+          </a:custGeom>
+          <a:solidFill>
+            <a:srgbClr val="404040"/>
+          </a:solidFill>
+          <a:ln>
+            <a:noFill/>
+          </a:ln>
+        </p:spPr>
+        <p:style>
+          <a:lnRef idx="2">
+            <a:schemeClr val="accent1">
+              <a:shade val="50000"/>
+            </a:schemeClr>
+          </a:lnRef>
+          <a:fillRef idx="1">
+            <a:schemeClr val="accent1"/>
+          </a:fillRef>
+          <a:effectRef idx="0">
+            <a:schemeClr val="accent1"/>
+          </a:effectRef>
+          <a:fontRef idx="minor">
+            <a:schemeClr val="lt1"/>
+          </a:fontRef>
+        </p:style>
+        <p:txBody>
+          <a:bodyPr wrap="square" rtlCol="0" anchor="ctr">
+            <a:noAutofit/>
+          </a:bodyPr>
+          <a:lstStyle/>
+          <a:p>
+            <a:pPr algn="ctr"/>
+            <a:endParaRPr lang="en-US"/>
+          </a:p>
+        </p:txBody>
+      </p:sp>
+      <p:sp>
+        <p:nvSpPr>
+          <p:cNvPr id="3" name="Content Placeholder 2">
+            <a:extLst>
+              <a:ext uri="{FF2B5EF4-FFF2-40B4-BE49-F238E27FC236}">
+                <a16:creationId xmlns:a16="http://schemas.microsoft.com/office/drawing/2014/main" id="{4182C0F2-C251-40B1-BCAC-929F6F9948E3}"/>
+              </a:ext>
+            </a:extLst>
+          </p:cNvPr>
+          <p:cNvSpPr>
+            <a:spLocks noGrp="1"/>
+          </p:cNvSpPr>
+          <p:nvPr>
+            <p:ph idx="1"/>
+          </p:nvPr>
+        </p:nvSpPr>
+        <p:spPr>
+          <a:xfrm>
+            <a:off x="1653363" y="2176272"/>
+            <a:ext cx="9367204" cy="4041648"/>
+          </a:xfrm>
+        </p:spPr>
+        <p:txBody>
+          <a:bodyPr anchor="t">
+            <a:normAutofit/>
+          </a:bodyPr>
+          <a:lstStyle/>
+          <a:p>
+            <a:endParaRPr lang="da-DK" sz="2400"/>
+          </a:p>
+        </p:txBody>
+      </p:sp>
+    </p:spTree>
+    <p:extLst>
+      <p:ext uri="{BB962C8B-B14F-4D97-AF65-F5344CB8AC3E}">
+        <p14:creationId xmlns:p14="http://schemas.microsoft.com/office/powerpoint/2010/main" val="1374146136"/>
       </p:ext>
     </p:extLst>
   </p:cSld>

--- a/Presentations/6_Interoperability.pptx
+++ b/Presentations/6_Interoperability.pptx
@@ -3482,15 +3482,7 @@
             </a:r>
             <a:r>
               <a:rPr lang="da-DK" sz="1800" dirty="0"/>
-              <a:t> mellem COM og .</a:t>
-            </a:r>
-            <a:r>
-              <a:rPr lang="da-DK" sz="1800" dirty="0" err="1"/>
-              <a:t>Net.Vis</a:t>
-            </a:r>
-            <a:r>
-              <a:rPr lang="da-DK" sz="1800" dirty="0"/>
-              <a:t> eksempler på </a:t>
+              <a:t> mellem COM og .Net. Vis eksempler på </a:t>
             </a:r>
             <a:r>
               <a:rPr lang="da-DK" sz="1800" dirty="0" err="1"/>
@@ -4698,7 +4690,7 @@
             </a:r>
             <a:r>
               <a:rPr lang="en-US" sz="2400" dirty="0"/>
-              <a:t> ability of a system (such as a weapons system) to work with or use the parts or equipment of another system </a:t>
+              <a:t> Ability of a system (such as a weapons system) to work with or use the parts or equipment of another system </a:t>
             </a:r>
             <a:r>
               <a:rPr lang="da-DK" sz="2400" dirty="0"/>
@@ -6735,56 +6727,258 @@
           <a:lstStyle/>
           <a:p>
             <a:r>
-              <a:rPr lang="da-DK" sz="2400">
+              <a:rPr lang="da-DK" sz="2400" dirty="0" err="1">
                 <a:solidFill>
                   <a:schemeClr val="bg1"/>
                 </a:solidFill>
               </a:rPr>
-              <a:t>Pinvoke står for Platform Invoke.</a:t>
-            </a:r>
-          </a:p>
-          <a:p>
-            <a:r>
-              <a:rPr lang="da-DK" sz="2400">
+              <a:t>Pinvoke</a:t>
+            </a:r>
+            <a:r>
+              <a:rPr lang="da-DK" sz="2400" dirty="0">
                 <a:solidFill>
                   <a:schemeClr val="bg1"/>
                 </a:solidFill>
               </a:rPr>
-              <a:t>Pinvoke Ses som om at der skabes en statisk entry til den unmanagede DLL som der prøves at kaldes til. </a:t>
-            </a:r>
-          </a:p>
-          <a:p>
-            <a:r>
-              <a:rPr lang="da-DK" sz="2400">
+              <a:t> står for Platform </a:t>
+            </a:r>
+            <a:r>
+              <a:rPr lang="da-DK" sz="2400" dirty="0" err="1">
                 <a:solidFill>
                   <a:schemeClr val="bg1"/>
                 </a:solidFill>
               </a:rPr>
-              <a:t>Omhandler at kalde kode som ligger i en unmanaged codebase fra en kode i en managedcode base.</a:t>
-            </a:r>
-          </a:p>
-          <a:p>
-            <a:r>
-              <a:rPr lang="da-DK" sz="2400">
+              <a:t>Invoke</a:t>
+            </a:r>
+            <a:r>
+              <a:rPr lang="da-DK" sz="2400" dirty="0">
                 <a:solidFill>
                   <a:schemeClr val="bg1"/>
                 </a:solidFill>
               </a:rPr>
-              <a:t>Det krævers at der tages højde for datatyper når der skal kaldes noget gammelt kode. Eks. Skal char * blive til en string. Dette kaldes for Marshalling</a:t>
-            </a:r>
-          </a:p>
-          <a:p>
-            <a:r>
-              <a:rPr lang="da-DK" sz="2400">
+              <a:t>.</a:t>
+            </a:r>
+          </a:p>
+          <a:p>
+            <a:r>
+              <a:rPr lang="da-DK" sz="2400" dirty="0" err="1">
                 <a:solidFill>
                   <a:schemeClr val="bg1"/>
                 </a:solidFill>
               </a:rPr>
-              <a:t>Her bruges MarshalAs attribute</a:t>
-            </a:r>
-          </a:p>
-          <a:p>
-            <a:endParaRPr lang="da-DK" sz="2400">
+              <a:t>Pinvoke</a:t>
+            </a:r>
+            <a:r>
+              <a:rPr lang="da-DK" sz="2400" dirty="0">
+                <a:solidFill>
+                  <a:schemeClr val="bg1"/>
+                </a:solidFill>
+              </a:rPr>
+              <a:t> Ses som om at der skabes en statisk </a:t>
+            </a:r>
+            <a:r>
+              <a:rPr lang="da-DK" sz="2400" dirty="0" err="1">
+                <a:solidFill>
+                  <a:schemeClr val="bg1"/>
+                </a:solidFill>
+              </a:rPr>
+              <a:t>entry</a:t>
+            </a:r>
+            <a:r>
+              <a:rPr lang="da-DK" sz="2400" dirty="0">
+                <a:solidFill>
+                  <a:schemeClr val="bg1"/>
+                </a:solidFill>
+              </a:rPr>
+              <a:t> til den </a:t>
+            </a:r>
+            <a:r>
+              <a:rPr lang="da-DK" sz="2400" dirty="0" err="1">
+                <a:solidFill>
+                  <a:schemeClr val="bg1"/>
+                </a:solidFill>
+              </a:rPr>
+              <a:t>unmanagede</a:t>
+            </a:r>
+            <a:r>
+              <a:rPr lang="da-DK" sz="2400" dirty="0">
+                <a:solidFill>
+                  <a:schemeClr val="bg1"/>
+                </a:solidFill>
+              </a:rPr>
+              <a:t> DLL som der prøves at kaldes til. </a:t>
+            </a:r>
+          </a:p>
+          <a:p>
+            <a:r>
+              <a:rPr lang="da-DK" sz="2400" dirty="0">
+                <a:solidFill>
+                  <a:schemeClr val="bg1"/>
+                </a:solidFill>
+              </a:rPr>
+              <a:t>Omhandler at kalde kode som ligger i en </a:t>
+            </a:r>
+            <a:r>
+              <a:rPr lang="da-DK" sz="2400" dirty="0" err="1">
+                <a:solidFill>
+                  <a:schemeClr val="bg1"/>
+                </a:solidFill>
+              </a:rPr>
+              <a:t>unmanaged</a:t>
+            </a:r>
+            <a:r>
+              <a:rPr lang="da-DK" sz="2400" dirty="0">
+                <a:solidFill>
+                  <a:schemeClr val="bg1"/>
+                </a:solidFill>
+              </a:rPr>
+              <a:t> </a:t>
+            </a:r>
+            <a:r>
+              <a:rPr lang="da-DK" sz="2400" dirty="0" err="1">
+                <a:solidFill>
+                  <a:schemeClr val="bg1"/>
+                </a:solidFill>
+              </a:rPr>
+              <a:t>codebase</a:t>
+            </a:r>
+            <a:r>
+              <a:rPr lang="da-DK" sz="2400" dirty="0">
+                <a:solidFill>
+                  <a:schemeClr val="bg1"/>
+                </a:solidFill>
+              </a:rPr>
+              <a:t> fra en kode i en </a:t>
+            </a:r>
+            <a:r>
+              <a:rPr lang="da-DK" sz="2400" dirty="0" err="1">
+                <a:solidFill>
+                  <a:schemeClr val="bg1"/>
+                </a:solidFill>
+              </a:rPr>
+              <a:t>managedcode</a:t>
+            </a:r>
+            <a:r>
+              <a:rPr lang="da-DK" sz="2400" dirty="0">
+                <a:solidFill>
+                  <a:schemeClr val="bg1"/>
+                </a:solidFill>
+              </a:rPr>
+              <a:t> base.</a:t>
+            </a:r>
+          </a:p>
+          <a:p>
+            <a:r>
+              <a:rPr lang="da-DK" sz="2400" dirty="0">
+                <a:solidFill>
+                  <a:schemeClr val="bg1"/>
+                </a:solidFill>
+              </a:rPr>
+              <a:t>Det </a:t>
+            </a:r>
+            <a:r>
+              <a:rPr lang="da-DK" sz="2400" dirty="0" err="1">
+                <a:solidFill>
+                  <a:schemeClr val="bg1"/>
+                </a:solidFill>
+              </a:rPr>
+              <a:t>krævers</a:t>
+            </a:r>
+            <a:r>
+              <a:rPr lang="da-DK" sz="2400" dirty="0">
+                <a:solidFill>
+                  <a:schemeClr val="bg1"/>
+                </a:solidFill>
+              </a:rPr>
+              <a:t> at der tages højde for datatyper når der skal kaldes noget gammelt kode. Eks. Skal </a:t>
+            </a:r>
+            <a:r>
+              <a:rPr lang="da-DK" sz="2400" dirty="0" err="1">
+                <a:solidFill>
+                  <a:schemeClr val="bg1"/>
+                </a:solidFill>
+              </a:rPr>
+              <a:t>char</a:t>
+            </a:r>
+            <a:r>
+              <a:rPr lang="da-DK" sz="2400" dirty="0">
+                <a:solidFill>
+                  <a:schemeClr val="bg1"/>
+                </a:solidFill>
+              </a:rPr>
+              <a:t> * blive til en </a:t>
+            </a:r>
+            <a:r>
+              <a:rPr lang="da-DK" sz="2400" dirty="0" err="1">
+                <a:solidFill>
+                  <a:schemeClr val="bg1"/>
+                </a:solidFill>
+              </a:rPr>
+              <a:t>string</a:t>
+            </a:r>
+            <a:r>
+              <a:rPr lang="da-DK" sz="2400" dirty="0">
+                <a:solidFill>
+                  <a:schemeClr val="bg1"/>
+                </a:solidFill>
+              </a:rPr>
+              <a:t>. Dette kaldes for </a:t>
+            </a:r>
+            <a:r>
+              <a:rPr lang="da-DK" sz="2400" dirty="0" err="1">
+                <a:solidFill>
+                  <a:schemeClr val="bg1"/>
+                </a:solidFill>
+              </a:rPr>
+              <a:t>Marshalling</a:t>
+            </a:r>
+            <a:endParaRPr lang="da-DK" sz="2400" dirty="0">
+              <a:solidFill>
+                <a:schemeClr val="bg1"/>
+              </a:solidFill>
+            </a:endParaRPr>
+          </a:p>
+          <a:p>
+            <a:r>
+              <a:rPr lang="da-DK" sz="2400" dirty="0">
+                <a:solidFill>
+                  <a:schemeClr val="bg1"/>
+                </a:solidFill>
+              </a:rPr>
+              <a:t>Her bruges </a:t>
+            </a:r>
+            <a:r>
+              <a:rPr lang="da-DK" sz="2400" dirty="0" err="1">
+                <a:solidFill>
+                  <a:schemeClr val="bg1"/>
+                </a:solidFill>
+              </a:rPr>
+              <a:t>MarshalAs</a:t>
+            </a:r>
+            <a:r>
+              <a:rPr lang="da-DK" sz="2400" dirty="0">
+                <a:solidFill>
+                  <a:schemeClr val="bg1"/>
+                </a:solidFill>
+              </a:rPr>
+              <a:t> </a:t>
+            </a:r>
+            <a:r>
+              <a:rPr lang="da-DK" sz="2400" dirty="0" err="1">
+                <a:solidFill>
+                  <a:schemeClr val="bg1"/>
+                </a:solidFill>
+              </a:rPr>
+              <a:t>attribute</a:t>
+            </a:r>
+            <a:endParaRPr lang="da-DK" sz="2400" dirty="0">
+              <a:solidFill>
+                <a:schemeClr val="bg1"/>
+              </a:solidFill>
+            </a:endParaRPr>
+          </a:p>
+          <a:p>
+            <a:endParaRPr lang="da-DK" sz="2400" dirty="0">
               <a:solidFill>
                 <a:schemeClr val="bg1"/>
               </a:solidFill>
@@ -7364,33 +7558,113 @@
           <a:lstStyle/>
           <a:p>
             <a:r>
-              <a:rPr lang="da-DK" sz="2200"/>
-              <a:t>I nogen tilfælde er det svært at mappe direkte over, så man kan vælge at sende et objekt som en void pointer og derefter mappe det til hvad der ønskes</a:t>
-            </a:r>
-          </a:p>
-          <a:p>
-            <a:r>
-              <a:rPr lang="da-DK" sz="2200"/>
-              <a:t>På grund af en garbagecollector kan det skabe problemer hvis man allokere på den managede heap og sender adressen over, da den kommer til at rydde op og adresserne ikke vil passe mere. </a:t>
-            </a:r>
-          </a:p>
-          <a:p>
-            <a:r>
-              <a:rPr lang="da-DK" sz="2200"/>
-              <a:t>Kan løses ved at pinne objektet, dog er det dårligt for garbagecollectorens effektivitet</a:t>
-            </a:r>
-          </a:p>
-          <a:p>
-            <a:r>
-              <a:rPr lang="da-DK" sz="2200"/>
-              <a:t>Derfor kan man bruge selve Marshal klassen i de tilfælde hvor man vil alkokere memory indenfor den unmanaged kode og sende det over til den managede kode.</a:t>
-            </a:r>
-          </a:p>
-          <a:p>
-            <a:endParaRPr lang="da-DK" sz="2200"/>
-          </a:p>
-          <a:p>
-            <a:endParaRPr lang="da-DK" sz="2200"/>
+              <a:rPr lang="da-DK" sz="2200" dirty="0"/>
+              <a:t>I nogen tilfælde er det svært at mappe direkte over, så man kan vælge at sende et objekt som en </a:t>
+            </a:r>
+            <a:r>
+              <a:rPr lang="da-DK" sz="2200" dirty="0" err="1"/>
+              <a:t>void</a:t>
+            </a:r>
+            <a:r>
+              <a:rPr lang="da-DK" sz="2200" dirty="0"/>
+              <a:t> pointer og derefter mappe det til hvad der ønskes</a:t>
+            </a:r>
+          </a:p>
+          <a:p>
+            <a:r>
+              <a:rPr lang="da-DK" sz="2200" dirty="0"/>
+              <a:t>På grund af en </a:t>
+            </a:r>
+            <a:r>
+              <a:rPr lang="da-DK" sz="2200" dirty="0" err="1"/>
+              <a:t>garbagecollector</a:t>
+            </a:r>
+            <a:r>
+              <a:rPr lang="da-DK" sz="2200" dirty="0"/>
+              <a:t> kan det skabe problemer hvis man allokerer på den </a:t>
+            </a:r>
+            <a:r>
+              <a:rPr lang="da-DK" sz="2200" dirty="0" err="1"/>
+              <a:t>managede</a:t>
+            </a:r>
+            <a:r>
+              <a:rPr lang="da-DK" sz="2200" dirty="0"/>
+              <a:t> </a:t>
+            </a:r>
+            <a:r>
+              <a:rPr lang="da-DK" sz="2200" dirty="0" err="1"/>
+              <a:t>heap</a:t>
+            </a:r>
+            <a:r>
+              <a:rPr lang="da-DK" sz="2200" dirty="0"/>
+              <a:t> og sender adressen over, da den kommer til at rydde op og adresserne ikke vil passe mere. </a:t>
+            </a:r>
+          </a:p>
+          <a:p>
+            <a:r>
+              <a:rPr lang="da-DK" sz="2200" dirty="0"/>
+              <a:t>Kan løses ved at </a:t>
+            </a:r>
+            <a:r>
+              <a:rPr lang="da-DK" sz="2200" dirty="0" err="1"/>
+              <a:t>pinne</a:t>
+            </a:r>
+            <a:r>
+              <a:rPr lang="da-DK" sz="2200" dirty="0"/>
+              <a:t> objektet, dog er det dårligt for </a:t>
+            </a:r>
+            <a:r>
+              <a:rPr lang="da-DK" sz="2200" dirty="0" err="1"/>
+              <a:t>garbagecollectorens</a:t>
+            </a:r>
+            <a:r>
+              <a:rPr lang="da-DK" sz="2200" dirty="0"/>
+              <a:t> effektivitet</a:t>
+            </a:r>
+          </a:p>
+          <a:p>
+            <a:r>
+              <a:rPr lang="da-DK" sz="2200" dirty="0"/>
+              <a:t>Derfor kan man bruge selve </a:t>
+            </a:r>
+            <a:r>
+              <a:rPr lang="da-DK" sz="2200" dirty="0" err="1"/>
+              <a:t>Marshal</a:t>
+            </a:r>
+            <a:r>
+              <a:rPr lang="da-DK" sz="2200" dirty="0"/>
+              <a:t> klassen i de tilfælde hvor man vil allokere </a:t>
+            </a:r>
+            <a:r>
+              <a:rPr lang="da-DK" sz="2200" dirty="0" err="1"/>
+              <a:t>memory</a:t>
+            </a:r>
+            <a:r>
+              <a:rPr lang="da-DK" sz="2200" dirty="0"/>
+              <a:t> indenfor den </a:t>
+            </a:r>
+            <a:r>
+              <a:rPr lang="da-DK" sz="2200" dirty="0" err="1"/>
+              <a:t>unmanagede</a:t>
+            </a:r>
+            <a:r>
+              <a:rPr lang="da-DK" sz="2200" dirty="0"/>
+              <a:t> kode og sende det over til den </a:t>
+            </a:r>
+            <a:r>
+              <a:rPr lang="da-DK" sz="2200" dirty="0" err="1"/>
+              <a:t>managede</a:t>
+            </a:r>
+            <a:r>
+              <a:rPr lang="da-DK" sz="2200" dirty="0"/>
+              <a:t> kode.</a:t>
+            </a:r>
+          </a:p>
+          <a:p>
+            <a:endParaRPr lang="da-DK" sz="2200" dirty="0"/>
+          </a:p>
+          <a:p>
+            <a:endParaRPr lang="da-DK" sz="2200" dirty="0"/>
           </a:p>
         </p:txBody>
       </p:sp>
@@ -7870,7 +8144,7 @@
           <a:lstStyle/>
           <a:p>
             <a:r>
-              <a:rPr lang="da-DK" sz="2400">
+              <a:rPr lang="da-DK" sz="2400" dirty="0">
                 <a:solidFill>
                   <a:schemeClr val="bg1"/>
                 </a:solidFill>
@@ -7881,7 +8155,7 @@
           <a:p>
             <a:pPr lvl="1"/>
             <a:r>
-              <a:rPr lang="da-DK">
+              <a:rPr lang="da-DK" dirty="0">
                 <a:solidFill>
                   <a:schemeClr val="bg1"/>
                 </a:solidFill>
@@ -7891,7 +8165,7 @@
           </a:p>
           <a:p>
             <a:r>
-              <a:rPr lang="da-DK" sz="2400">
+              <a:rPr lang="da-DK" sz="2400" dirty="0">
                 <a:solidFill>
                   <a:schemeClr val="bg1"/>
                 </a:solidFill>
@@ -7901,23 +8175,39 @@
           </a:p>
           <a:p>
             <a:r>
-              <a:rPr lang="da-DK" sz="2400">
+              <a:rPr lang="da-DK" sz="2400" dirty="0">
                 <a:solidFill>
                   <a:schemeClr val="bg1"/>
                 </a:solidFill>
               </a:rPr>
-              <a:t>Generelt skal man bruge kaldende til en unmanaged kode klogt. </a:t>
-            </a:r>
-          </a:p>
-          <a:p>
-            <a:pPr lvl="1"/>
-            <a:r>
-              <a:rPr lang="da-DK">
+              <a:t>Generelt skal man bruge kaldende til en </a:t>
+            </a:r>
+            <a:r>
+              <a:rPr lang="da-DK" sz="2400" dirty="0" err="1">
                 <a:solidFill>
                   <a:schemeClr val="bg1"/>
                 </a:solidFill>
               </a:rPr>
-              <a:t>Helere få men større kald(Mere der skal processeres). End mange små kald.</a:t>
+              <a:t>unmanaged</a:t>
+            </a:r>
+            <a:r>
+              <a:rPr lang="da-DK" sz="2400" dirty="0">
+                <a:solidFill>
+                  <a:schemeClr val="bg1"/>
+                </a:solidFill>
+              </a:rPr>
+              <a:t> kode klogt. </a:t>
+            </a:r>
+          </a:p>
+          <a:p>
+            <a:pPr lvl="1"/>
+            <a:r>
+              <a:rPr lang="da-DK" dirty="0">
+                <a:solidFill>
+                  <a:schemeClr val="bg1"/>
+                </a:solidFill>
+              </a:rPr>
+              <a:t>Hellere færre men større kald (Mere der skal processeres). End mange små kald.</a:t>
             </a:r>
           </a:p>
         </p:txBody>

--- a/Presentations/6_Interoperability.pptx
+++ b/Presentations/6_Interoperability.pptx
@@ -297,7 +297,7 @@
           <a:p>
             <a:fld id="{28F9ECFE-D750-46CB-8B76-DD114F974057}" type="datetimeFigureOut">
               <a:rPr lang="en-US" smtClean="0"/>
-              <a:t>8/17/2020</a:t>
+              <a:t>8/19/2020</a:t>
             </a:fld>
             <a:endParaRPr lang="en-US"/>
           </a:p>
@@ -497,7 +497,7 @@
           <a:p>
             <a:fld id="{28F9ECFE-D750-46CB-8B76-DD114F974057}" type="datetimeFigureOut">
               <a:rPr lang="en-US" smtClean="0"/>
-              <a:t>8/17/2020</a:t>
+              <a:t>8/19/2020</a:t>
             </a:fld>
             <a:endParaRPr lang="en-US"/>
           </a:p>
@@ -707,7 +707,7 @@
           <a:p>
             <a:fld id="{28F9ECFE-D750-46CB-8B76-DD114F974057}" type="datetimeFigureOut">
               <a:rPr lang="en-US" smtClean="0"/>
-              <a:t>8/17/2020</a:t>
+              <a:t>8/19/2020</a:t>
             </a:fld>
             <a:endParaRPr lang="en-US"/>
           </a:p>
@@ -907,7 +907,7 @@
           <a:p>
             <a:fld id="{28F9ECFE-D750-46CB-8B76-DD114F974057}" type="datetimeFigureOut">
               <a:rPr lang="en-US" smtClean="0"/>
-              <a:t>8/17/2020</a:t>
+              <a:t>8/19/2020</a:t>
             </a:fld>
             <a:endParaRPr lang="en-US"/>
           </a:p>
@@ -1183,7 +1183,7 @@
           <a:p>
             <a:fld id="{28F9ECFE-D750-46CB-8B76-DD114F974057}" type="datetimeFigureOut">
               <a:rPr lang="en-US" smtClean="0"/>
-              <a:t>8/17/2020</a:t>
+              <a:t>8/19/2020</a:t>
             </a:fld>
             <a:endParaRPr lang="en-US"/>
           </a:p>
@@ -1451,7 +1451,7 @@
           <a:p>
             <a:fld id="{28F9ECFE-D750-46CB-8B76-DD114F974057}" type="datetimeFigureOut">
               <a:rPr lang="en-US" smtClean="0"/>
-              <a:t>8/17/2020</a:t>
+              <a:t>8/19/2020</a:t>
             </a:fld>
             <a:endParaRPr lang="en-US"/>
           </a:p>
@@ -1866,7 +1866,7 @@
           <a:p>
             <a:fld id="{28F9ECFE-D750-46CB-8B76-DD114F974057}" type="datetimeFigureOut">
               <a:rPr lang="en-US" smtClean="0"/>
-              <a:t>8/17/2020</a:t>
+              <a:t>8/19/2020</a:t>
             </a:fld>
             <a:endParaRPr lang="en-US"/>
           </a:p>
@@ -2008,7 +2008,7 @@
           <a:p>
             <a:fld id="{28F9ECFE-D750-46CB-8B76-DD114F974057}" type="datetimeFigureOut">
               <a:rPr lang="en-US" smtClean="0"/>
-              <a:t>8/17/2020</a:t>
+              <a:t>8/19/2020</a:t>
             </a:fld>
             <a:endParaRPr lang="en-US"/>
           </a:p>
@@ -2121,7 +2121,7 @@
           <a:p>
             <a:fld id="{28F9ECFE-D750-46CB-8B76-DD114F974057}" type="datetimeFigureOut">
               <a:rPr lang="en-US" smtClean="0"/>
-              <a:t>8/17/2020</a:t>
+              <a:t>8/19/2020</a:t>
             </a:fld>
             <a:endParaRPr lang="en-US"/>
           </a:p>
@@ -2434,7 +2434,7 @@
           <a:p>
             <a:fld id="{28F9ECFE-D750-46CB-8B76-DD114F974057}" type="datetimeFigureOut">
               <a:rPr lang="en-US" smtClean="0"/>
-              <a:t>8/17/2020</a:t>
+              <a:t>8/19/2020</a:t>
             </a:fld>
             <a:endParaRPr lang="en-US"/>
           </a:p>
@@ -2723,7 +2723,7 @@
           <a:p>
             <a:fld id="{28F9ECFE-D750-46CB-8B76-DD114F974057}" type="datetimeFigureOut">
               <a:rPr lang="en-US" smtClean="0"/>
-              <a:t>8/17/2020</a:t>
+              <a:t>8/19/2020</a:t>
             </a:fld>
             <a:endParaRPr lang="en-US"/>
           </a:p>
@@ -2966,7 +2966,7 @@
           <a:p>
             <a:fld id="{28F9ECFE-D750-46CB-8B76-DD114F974057}" type="datetimeFigureOut">
               <a:rPr lang="en-US" smtClean="0"/>
-              <a:t>8/17/2020</a:t>
+              <a:t>8/19/2020</a:t>
             </a:fld>
             <a:endParaRPr lang="en-US"/>
           </a:p>
@@ -4112,6 +4112,264 @@
           </a:p>
         </p:txBody>
       </p:sp>
+      <p:sp>
+        <p:nvSpPr>
+          <p:cNvPr id="4" name="Tekstfelt 3">
+            <a:extLst>
+              <a:ext uri="{FF2B5EF4-FFF2-40B4-BE49-F238E27FC236}">
+                <a16:creationId xmlns:a16="http://schemas.microsoft.com/office/drawing/2014/main" id="{D2F0C1A6-6AE8-4541-A6CE-417E04A24AB4}"/>
+              </a:ext>
+            </a:extLst>
+          </p:cNvPr>
+          <p:cNvSpPr txBox="1"/>
+          <p:nvPr/>
+        </p:nvSpPr>
+        <p:spPr>
+          <a:xfrm>
+            <a:off x="8370039" y="458458"/>
+            <a:ext cx="1884106" cy="369332"/>
+          </a:xfrm>
+          <a:prstGeom prst="rect">
+            <a:avLst/>
+          </a:prstGeom>
+          <a:noFill/>
+        </p:spPr>
+        <p:txBody>
+          <a:bodyPr wrap="none" rtlCol="0">
+            <a:spAutoFit/>
+          </a:bodyPr>
+          <a:lstStyle>
+            <a:defPPr>
+              <a:defRPr lang="da-DK"/>
+            </a:defPPr>
+            <a:lvl1pPr marL="0" algn="l" defTabSz="914400" rtl="0" eaLnBrk="1" latinLnBrk="0" hangingPunct="1">
+              <a:defRPr sz="1800" kern="1200">
+                <a:solidFill>
+                  <a:schemeClr val="tx1"/>
+                </a:solidFill>
+                <a:latin typeface="+mn-lt"/>
+                <a:ea typeface="+mn-ea"/>
+                <a:cs typeface="+mn-cs"/>
+              </a:defRPr>
+            </a:lvl1pPr>
+            <a:lvl2pPr marL="457200" algn="l" defTabSz="914400" rtl="0" eaLnBrk="1" latinLnBrk="0" hangingPunct="1">
+              <a:defRPr sz="1800" kern="1200">
+                <a:solidFill>
+                  <a:schemeClr val="tx1"/>
+                </a:solidFill>
+                <a:latin typeface="+mn-lt"/>
+                <a:ea typeface="+mn-ea"/>
+                <a:cs typeface="+mn-cs"/>
+              </a:defRPr>
+            </a:lvl2pPr>
+            <a:lvl3pPr marL="914400" algn="l" defTabSz="914400" rtl="0" eaLnBrk="1" latinLnBrk="0" hangingPunct="1">
+              <a:defRPr sz="1800" kern="1200">
+                <a:solidFill>
+                  <a:schemeClr val="tx1"/>
+                </a:solidFill>
+                <a:latin typeface="+mn-lt"/>
+                <a:ea typeface="+mn-ea"/>
+                <a:cs typeface="+mn-cs"/>
+              </a:defRPr>
+            </a:lvl3pPr>
+            <a:lvl4pPr marL="1371600" algn="l" defTabSz="914400" rtl="0" eaLnBrk="1" latinLnBrk="0" hangingPunct="1">
+              <a:defRPr sz="1800" kern="1200">
+                <a:solidFill>
+                  <a:schemeClr val="tx1"/>
+                </a:solidFill>
+                <a:latin typeface="+mn-lt"/>
+                <a:ea typeface="+mn-ea"/>
+                <a:cs typeface="+mn-cs"/>
+              </a:defRPr>
+            </a:lvl4pPr>
+            <a:lvl5pPr marL="1828800" algn="l" defTabSz="914400" rtl="0" eaLnBrk="1" latinLnBrk="0" hangingPunct="1">
+              <a:defRPr sz="1800" kern="1200">
+                <a:solidFill>
+                  <a:schemeClr val="tx1"/>
+                </a:solidFill>
+                <a:latin typeface="+mn-lt"/>
+                <a:ea typeface="+mn-ea"/>
+                <a:cs typeface="+mn-cs"/>
+              </a:defRPr>
+            </a:lvl5pPr>
+            <a:lvl6pPr marL="2286000" algn="l" defTabSz="914400" rtl="0" eaLnBrk="1" latinLnBrk="0" hangingPunct="1">
+              <a:defRPr sz="1800" kern="1200">
+                <a:solidFill>
+                  <a:schemeClr val="tx1"/>
+                </a:solidFill>
+                <a:latin typeface="+mn-lt"/>
+                <a:ea typeface="+mn-ea"/>
+                <a:cs typeface="+mn-cs"/>
+              </a:defRPr>
+            </a:lvl6pPr>
+            <a:lvl7pPr marL="2743200" algn="l" defTabSz="914400" rtl="0" eaLnBrk="1" latinLnBrk="0" hangingPunct="1">
+              <a:defRPr sz="1800" kern="1200">
+                <a:solidFill>
+                  <a:schemeClr val="tx1"/>
+                </a:solidFill>
+                <a:latin typeface="+mn-lt"/>
+                <a:ea typeface="+mn-ea"/>
+                <a:cs typeface="+mn-cs"/>
+              </a:defRPr>
+            </a:lvl7pPr>
+            <a:lvl8pPr marL="3200400" algn="l" defTabSz="914400" rtl="0" eaLnBrk="1" latinLnBrk="0" hangingPunct="1">
+              <a:defRPr sz="1800" kern="1200">
+                <a:solidFill>
+                  <a:schemeClr val="tx1"/>
+                </a:solidFill>
+                <a:latin typeface="+mn-lt"/>
+                <a:ea typeface="+mn-ea"/>
+                <a:cs typeface="+mn-cs"/>
+              </a:defRPr>
+            </a:lvl8pPr>
+            <a:lvl9pPr marL="3657600" algn="l" defTabSz="914400" rtl="0" eaLnBrk="1" latinLnBrk="0" hangingPunct="1">
+              <a:defRPr sz="1800" kern="1200">
+                <a:solidFill>
+                  <a:schemeClr val="tx1"/>
+                </a:solidFill>
+                <a:latin typeface="+mn-lt"/>
+                <a:ea typeface="+mn-ea"/>
+                <a:cs typeface="+mn-cs"/>
+              </a:defRPr>
+            </a:lvl9pPr>
+          </a:lstStyle>
+          <a:p>
+            <a:r>
+              <a:rPr lang="da-DK" dirty="0"/>
+              <a:t>Andreas Blaabjerg</a:t>
+            </a:r>
+          </a:p>
+        </p:txBody>
+      </p:sp>
+      <p:sp>
+        <p:nvSpPr>
+          <p:cNvPr id="5" name="Tekstfelt 4">
+            <a:extLst>
+              <a:ext uri="{FF2B5EF4-FFF2-40B4-BE49-F238E27FC236}">
+                <a16:creationId xmlns:a16="http://schemas.microsoft.com/office/drawing/2014/main" id="{EB544DF1-A8C6-4BCD-9ED2-FC819F5E7C5E}"/>
+              </a:ext>
+            </a:extLst>
+          </p:cNvPr>
+          <p:cNvSpPr txBox="1"/>
+          <p:nvPr/>
+        </p:nvSpPr>
+        <p:spPr>
+          <a:xfrm>
+            <a:off x="9312092" y="856188"/>
+            <a:ext cx="1237839" cy="369332"/>
+          </a:xfrm>
+          <a:prstGeom prst="rect">
+            <a:avLst/>
+          </a:prstGeom>
+          <a:noFill/>
+        </p:spPr>
+        <p:txBody>
+          <a:bodyPr wrap="none" rtlCol="0">
+            <a:spAutoFit/>
+          </a:bodyPr>
+          <a:lstStyle>
+            <a:defPPr>
+              <a:defRPr lang="da-DK"/>
+            </a:defPPr>
+            <a:lvl1pPr marL="0" algn="l" defTabSz="914400" rtl="0" eaLnBrk="1" latinLnBrk="0" hangingPunct="1">
+              <a:defRPr sz="1800" kern="1200">
+                <a:solidFill>
+                  <a:schemeClr val="tx1"/>
+                </a:solidFill>
+                <a:latin typeface="+mn-lt"/>
+                <a:ea typeface="+mn-ea"/>
+                <a:cs typeface="+mn-cs"/>
+              </a:defRPr>
+            </a:lvl1pPr>
+            <a:lvl2pPr marL="457200" algn="l" defTabSz="914400" rtl="0" eaLnBrk="1" latinLnBrk="0" hangingPunct="1">
+              <a:defRPr sz="1800" kern="1200">
+                <a:solidFill>
+                  <a:schemeClr val="tx1"/>
+                </a:solidFill>
+                <a:latin typeface="+mn-lt"/>
+                <a:ea typeface="+mn-ea"/>
+                <a:cs typeface="+mn-cs"/>
+              </a:defRPr>
+            </a:lvl2pPr>
+            <a:lvl3pPr marL="914400" algn="l" defTabSz="914400" rtl="0" eaLnBrk="1" latinLnBrk="0" hangingPunct="1">
+              <a:defRPr sz="1800" kern="1200">
+                <a:solidFill>
+                  <a:schemeClr val="tx1"/>
+                </a:solidFill>
+                <a:latin typeface="+mn-lt"/>
+                <a:ea typeface="+mn-ea"/>
+                <a:cs typeface="+mn-cs"/>
+              </a:defRPr>
+            </a:lvl3pPr>
+            <a:lvl4pPr marL="1371600" algn="l" defTabSz="914400" rtl="0" eaLnBrk="1" latinLnBrk="0" hangingPunct="1">
+              <a:defRPr sz="1800" kern="1200">
+                <a:solidFill>
+                  <a:schemeClr val="tx1"/>
+                </a:solidFill>
+                <a:latin typeface="+mn-lt"/>
+                <a:ea typeface="+mn-ea"/>
+                <a:cs typeface="+mn-cs"/>
+              </a:defRPr>
+            </a:lvl4pPr>
+            <a:lvl5pPr marL="1828800" algn="l" defTabSz="914400" rtl="0" eaLnBrk="1" latinLnBrk="0" hangingPunct="1">
+              <a:defRPr sz="1800" kern="1200">
+                <a:solidFill>
+                  <a:schemeClr val="tx1"/>
+                </a:solidFill>
+                <a:latin typeface="+mn-lt"/>
+                <a:ea typeface="+mn-ea"/>
+                <a:cs typeface="+mn-cs"/>
+              </a:defRPr>
+            </a:lvl5pPr>
+            <a:lvl6pPr marL="2286000" algn="l" defTabSz="914400" rtl="0" eaLnBrk="1" latinLnBrk="0" hangingPunct="1">
+              <a:defRPr sz="1800" kern="1200">
+                <a:solidFill>
+                  <a:schemeClr val="tx1"/>
+                </a:solidFill>
+                <a:latin typeface="+mn-lt"/>
+                <a:ea typeface="+mn-ea"/>
+                <a:cs typeface="+mn-cs"/>
+              </a:defRPr>
+            </a:lvl6pPr>
+            <a:lvl7pPr marL="2743200" algn="l" defTabSz="914400" rtl="0" eaLnBrk="1" latinLnBrk="0" hangingPunct="1">
+              <a:defRPr sz="1800" kern="1200">
+                <a:solidFill>
+                  <a:schemeClr val="tx1"/>
+                </a:solidFill>
+                <a:latin typeface="+mn-lt"/>
+                <a:ea typeface="+mn-ea"/>
+                <a:cs typeface="+mn-cs"/>
+              </a:defRPr>
+            </a:lvl7pPr>
+            <a:lvl8pPr marL="3200400" algn="l" defTabSz="914400" rtl="0" eaLnBrk="1" latinLnBrk="0" hangingPunct="1">
+              <a:defRPr sz="1800" kern="1200">
+                <a:solidFill>
+                  <a:schemeClr val="tx1"/>
+                </a:solidFill>
+                <a:latin typeface="+mn-lt"/>
+                <a:ea typeface="+mn-ea"/>
+                <a:cs typeface="+mn-cs"/>
+              </a:defRPr>
+            </a:lvl8pPr>
+            <a:lvl9pPr marL="3657600" algn="l" defTabSz="914400" rtl="0" eaLnBrk="1" latinLnBrk="0" hangingPunct="1">
+              <a:defRPr sz="1800" kern="1200">
+                <a:solidFill>
+                  <a:schemeClr val="tx1"/>
+                </a:solidFill>
+                <a:latin typeface="+mn-lt"/>
+                <a:ea typeface="+mn-ea"/>
+                <a:cs typeface="+mn-cs"/>
+              </a:defRPr>
+            </a:lvl9pPr>
+          </a:lstStyle>
+          <a:p>
+            <a:r>
+              <a:rPr lang="da-DK" dirty="0"/>
+              <a:t>201510924</a:t>
+            </a:r>
+          </a:p>
+        </p:txBody>
+      </p:sp>
     </p:spTree>
     <p:extLst>
       <p:ext uri="{BB962C8B-B14F-4D97-AF65-F5344CB8AC3E}">
@@ -4707,15 +4965,7 @@
           <a:p>
             <a:r>
               <a:rPr lang="da-DK" sz="2400" dirty="0"/>
-              <a:t>Systemer der gerne vil tale med hinanden. Eks. Et nyere system der skal bruge funktionalitet fra en </a:t>
-            </a:r>
-            <a:r>
-              <a:rPr lang="da-DK" sz="2400" dirty="0" err="1"/>
-              <a:t>en</a:t>
-            </a:r>
-            <a:r>
-              <a:rPr lang="da-DK" sz="2400" dirty="0"/>
-              <a:t> Legacy driver.</a:t>
+              <a:t>Systemer der gerne vil tale med hinanden. Eks. Et nyere system der skal bruge funktionalitet fra en Legacy driver.</a:t>
             </a:r>
           </a:p>
           <a:p>
@@ -5251,8 +5501,24 @@
           <a:lstStyle/>
           <a:p>
             <a:r>
-              <a:rPr lang="en-US"/>
-              <a:t>Interoperability mellem COM og .NET(1)</a:t>
+              <a:rPr lang="en-US" dirty="0"/>
+              <a:t>Interoperability </a:t>
+            </a:r>
+            <a:r>
+              <a:rPr lang="en-US" dirty="0" err="1"/>
+              <a:t>mellem</a:t>
+            </a:r>
+            <a:r>
+              <a:rPr lang="en-US" dirty="0"/>
+              <a:t> COM </a:t>
+            </a:r>
+            <a:r>
+              <a:rPr lang="en-US" dirty="0" err="1"/>
+              <a:t>og</a:t>
+            </a:r>
+            <a:r>
+              <a:rPr lang="en-US" dirty="0"/>
+              <a:t> .NET (1)</a:t>
             </a:r>
           </a:p>
         </p:txBody>
@@ -5295,12 +5561,76 @@
               <a:buChar char="•"/>
             </a:pPr>
             <a:r>
-              <a:rPr lang="en-US" sz="2000">
+              <a:rPr lang="en-US" sz="2000" dirty="0">
                 <a:solidFill>
                   <a:srgbClr val="FFFFFF"/>
                 </a:solidFill>
               </a:rPr>
-              <a:t>Runtime Callable Wrapper sørger for at forbinde til COM interfacene.</a:t>
+              <a:t>Runtime Callable Wrapper </a:t>
+            </a:r>
+            <a:r>
+              <a:rPr lang="en-US" sz="2000" dirty="0" err="1">
+                <a:solidFill>
+                  <a:srgbClr val="FFFFFF"/>
+                </a:solidFill>
+              </a:rPr>
+              <a:t>sørger</a:t>
+            </a:r>
+            <a:r>
+              <a:rPr lang="en-US" sz="2000" dirty="0">
+                <a:solidFill>
+                  <a:srgbClr val="FFFFFF"/>
+                </a:solidFill>
+              </a:rPr>
+              <a:t> for at </a:t>
+            </a:r>
+            <a:r>
+              <a:rPr lang="en-US" sz="2000" dirty="0" err="1">
+                <a:solidFill>
+                  <a:srgbClr val="FFFFFF"/>
+                </a:solidFill>
+              </a:rPr>
+              <a:t>forbinde</a:t>
+            </a:r>
+            <a:r>
+              <a:rPr lang="en-US" sz="2000" dirty="0">
+                <a:solidFill>
+                  <a:srgbClr val="FFFFFF"/>
+                </a:solidFill>
+              </a:rPr>
+              <a:t> </a:t>
+            </a:r>
+            <a:r>
+              <a:rPr lang="en-US" sz="2000" dirty="0" err="1">
+                <a:solidFill>
+                  <a:srgbClr val="FFFFFF"/>
+                </a:solidFill>
+              </a:rPr>
+              <a:t>til</a:t>
+            </a:r>
+            <a:r>
+              <a:rPr lang="en-US" sz="2000" dirty="0">
+                <a:solidFill>
+                  <a:srgbClr val="FFFFFF"/>
+                </a:solidFill>
+              </a:rPr>
+              <a:t> COM </a:t>
+            </a:r>
+            <a:r>
+              <a:rPr lang="en-US" sz="2000" dirty="0" err="1">
+                <a:solidFill>
+                  <a:srgbClr val="FFFFFF"/>
+                </a:solidFill>
+              </a:rPr>
+              <a:t>interfacene</a:t>
+            </a:r>
+            <a:r>
+              <a:rPr lang="en-US" sz="2000" dirty="0">
+                <a:solidFill>
+                  <a:srgbClr val="FFFFFF"/>
+                </a:solidFill>
+              </a:rPr>
+              <a:t>.</a:t>
             </a:r>
           </a:p>
           <a:p>
@@ -5315,12 +5645,108 @@
               <a:buChar char="•"/>
             </a:pPr>
             <a:r>
-              <a:rPr lang="en-US" sz="2000">
+              <a:rPr lang="en-US" sz="2000" dirty="0">
                 <a:solidFill>
                   <a:srgbClr val="FFFFFF"/>
                 </a:solidFill>
               </a:rPr>
-              <a:t>COM server skal jo destrueres når den har udført sit arbejde . Det står RCW for.</a:t>
+              <a:t>COM server </a:t>
+            </a:r>
+            <a:r>
+              <a:rPr lang="en-US" sz="2000" dirty="0" err="1">
+                <a:solidFill>
+                  <a:srgbClr val="FFFFFF"/>
+                </a:solidFill>
+              </a:rPr>
+              <a:t>skal</a:t>
+            </a:r>
+            <a:r>
+              <a:rPr lang="en-US" sz="2000" dirty="0">
+                <a:solidFill>
+                  <a:srgbClr val="FFFFFF"/>
+                </a:solidFill>
+              </a:rPr>
+              <a:t> </a:t>
+            </a:r>
+            <a:r>
+              <a:rPr lang="en-US" sz="2000" dirty="0" err="1">
+                <a:solidFill>
+                  <a:srgbClr val="FFFFFF"/>
+                </a:solidFill>
+              </a:rPr>
+              <a:t>destrueres</a:t>
+            </a:r>
+            <a:r>
+              <a:rPr lang="en-US" sz="2000" dirty="0">
+                <a:solidFill>
+                  <a:srgbClr val="FFFFFF"/>
+                </a:solidFill>
+              </a:rPr>
+              <a:t> </a:t>
+            </a:r>
+            <a:r>
+              <a:rPr lang="en-US" sz="2000" dirty="0" err="1">
+                <a:solidFill>
+                  <a:srgbClr val="FFFFFF"/>
+                </a:solidFill>
+              </a:rPr>
+              <a:t>når</a:t>
+            </a:r>
+            <a:r>
+              <a:rPr lang="en-US" sz="2000" dirty="0">
+                <a:solidFill>
+                  <a:srgbClr val="FFFFFF"/>
+                </a:solidFill>
+              </a:rPr>
+              <a:t> den har </a:t>
+            </a:r>
+            <a:r>
+              <a:rPr lang="en-US" sz="2000" dirty="0" err="1">
+                <a:solidFill>
+                  <a:srgbClr val="FFFFFF"/>
+                </a:solidFill>
+              </a:rPr>
+              <a:t>udført</a:t>
+            </a:r>
+            <a:r>
+              <a:rPr lang="en-US" sz="2000" dirty="0">
+                <a:solidFill>
+                  <a:srgbClr val="FFFFFF"/>
+                </a:solidFill>
+              </a:rPr>
+              <a:t> sit </a:t>
+            </a:r>
+            <a:r>
+              <a:rPr lang="en-US" sz="2000" dirty="0" err="1">
+                <a:solidFill>
+                  <a:srgbClr val="FFFFFF"/>
+                </a:solidFill>
+              </a:rPr>
+              <a:t>arbejde</a:t>
+            </a:r>
+            <a:r>
+              <a:rPr lang="en-US" sz="2000" dirty="0">
+                <a:solidFill>
+                  <a:srgbClr val="FFFFFF"/>
+                </a:solidFill>
+              </a:rPr>
+              <a:t> . Det </a:t>
+            </a:r>
+            <a:r>
+              <a:rPr lang="en-US" sz="2000" dirty="0" err="1">
+                <a:solidFill>
+                  <a:srgbClr val="FFFFFF"/>
+                </a:solidFill>
+              </a:rPr>
+              <a:t>står</a:t>
+            </a:r>
+            <a:r>
+              <a:rPr lang="en-US" sz="2000" dirty="0">
+                <a:solidFill>
+                  <a:srgbClr val="FFFFFF"/>
+                </a:solidFill>
+              </a:rPr>
+              <a:t> RCW for.</a:t>
             </a:r>
           </a:p>
           <a:p>
@@ -5335,12 +5761,244 @@
               <a:buChar char="•"/>
             </a:pPr>
             <a:r>
-              <a:rPr lang="en-US" sz="2000">
+              <a:rPr lang="en-US" sz="2000" dirty="0" err="1">
                 <a:solidFill>
                   <a:srgbClr val="FFFFFF"/>
                 </a:solidFill>
               </a:rPr>
-              <a:t>Når RCW destrueres har den en “Finalize” metode I sin destructor, som sørger for at den kan nå at rydde op og deallokere det COM objekt den taler med. Inden Garbage collectoren destruere RCW.</a:t>
+              <a:t>Når</a:t>
+            </a:r>
+            <a:r>
+              <a:rPr lang="en-US" sz="2000" dirty="0">
+                <a:solidFill>
+                  <a:srgbClr val="FFFFFF"/>
+                </a:solidFill>
+              </a:rPr>
+              <a:t> RCW </a:t>
+            </a:r>
+            <a:r>
+              <a:rPr lang="en-US" sz="2000" dirty="0" err="1">
+                <a:solidFill>
+                  <a:srgbClr val="FFFFFF"/>
+                </a:solidFill>
+              </a:rPr>
+              <a:t>destrueres</a:t>
+            </a:r>
+            <a:r>
+              <a:rPr lang="en-US" sz="2000" dirty="0">
+                <a:solidFill>
+                  <a:srgbClr val="FFFFFF"/>
+                </a:solidFill>
+              </a:rPr>
+              <a:t> har den </a:t>
+            </a:r>
+            <a:r>
+              <a:rPr lang="en-US" sz="2000" dirty="0" err="1">
+                <a:solidFill>
+                  <a:srgbClr val="FFFFFF"/>
+                </a:solidFill>
+              </a:rPr>
+              <a:t>en</a:t>
+            </a:r>
+            <a:r>
+              <a:rPr lang="en-US" sz="2000" dirty="0">
+                <a:solidFill>
+                  <a:srgbClr val="FFFFFF"/>
+                </a:solidFill>
+              </a:rPr>
+              <a:t> “Finalize” </a:t>
+            </a:r>
+            <a:r>
+              <a:rPr lang="en-US" sz="2000" dirty="0" err="1">
+                <a:solidFill>
+                  <a:srgbClr val="FFFFFF"/>
+                </a:solidFill>
+              </a:rPr>
+              <a:t>metode</a:t>
+            </a:r>
+            <a:r>
+              <a:rPr lang="en-US" sz="2000" dirty="0">
+                <a:solidFill>
+                  <a:srgbClr val="FFFFFF"/>
+                </a:solidFill>
+              </a:rPr>
+              <a:t> I sin destructor, </a:t>
+            </a:r>
+            <a:r>
+              <a:rPr lang="en-US" sz="2000" dirty="0" err="1">
+                <a:solidFill>
+                  <a:srgbClr val="FFFFFF"/>
+                </a:solidFill>
+              </a:rPr>
+              <a:t>som</a:t>
+            </a:r>
+            <a:r>
+              <a:rPr lang="en-US" sz="2000" dirty="0">
+                <a:solidFill>
+                  <a:srgbClr val="FFFFFF"/>
+                </a:solidFill>
+              </a:rPr>
+              <a:t> </a:t>
+            </a:r>
+            <a:r>
+              <a:rPr lang="en-US" sz="2000" dirty="0" err="1">
+                <a:solidFill>
+                  <a:srgbClr val="FFFFFF"/>
+                </a:solidFill>
+              </a:rPr>
+              <a:t>sørger</a:t>
+            </a:r>
+            <a:r>
+              <a:rPr lang="en-US" sz="2000" dirty="0">
+                <a:solidFill>
+                  <a:srgbClr val="FFFFFF"/>
+                </a:solidFill>
+              </a:rPr>
+              <a:t> for at den </a:t>
+            </a:r>
+            <a:r>
+              <a:rPr lang="en-US" sz="2000" dirty="0" err="1">
+                <a:solidFill>
+                  <a:srgbClr val="FFFFFF"/>
+                </a:solidFill>
+              </a:rPr>
+              <a:t>kan</a:t>
+            </a:r>
+            <a:r>
+              <a:rPr lang="en-US" sz="2000" dirty="0">
+                <a:solidFill>
+                  <a:srgbClr val="FFFFFF"/>
+                </a:solidFill>
+              </a:rPr>
+              <a:t> </a:t>
+            </a:r>
+            <a:r>
+              <a:rPr lang="en-US" sz="2000" dirty="0" err="1">
+                <a:solidFill>
+                  <a:srgbClr val="FFFFFF"/>
+                </a:solidFill>
+              </a:rPr>
+              <a:t>nå</a:t>
+            </a:r>
+            <a:r>
+              <a:rPr lang="en-US" sz="2000" dirty="0">
+                <a:solidFill>
+                  <a:srgbClr val="FFFFFF"/>
+                </a:solidFill>
+              </a:rPr>
+              <a:t> at </a:t>
+            </a:r>
+            <a:r>
+              <a:rPr lang="en-US" sz="2000" dirty="0" err="1">
+                <a:solidFill>
+                  <a:srgbClr val="FFFFFF"/>
+                </a:solidFill>
+              </a:rPr>
+              <a:t>rydde</a:t>
+            </a:r>
+            <a:r>
+              <a:rPr lang="en-US" sz="2000" dirty="0">
+                <a:solidFill>
+                  <a:srgbClr val="FFFFFF"/>
+                </a:solidFill>
+              </a:rPr>
+              <a:t> op </a:t>
+            </a:r>
+            <a:r>
+              <a:rPr lang="en-US" sz="2000" dirty="0" err="1">
+                <a:solidFill>
+                  <a:srgbClr val="FFFFFF"/>
+                </a:solidFill>
+              </a:rPr>
+              <a:t>og</a:t>
+            </a:r>
+            <a:r>
+              <a:rPr lang="en-US" sz="2000" dirty="0">
+                <a:solidFill>
+                  <a:srgbClr val="FFFFFF"/>
+                </a:solidFill>
+              </a:rPr>
+              <a:t> </a:t>
+            </a:r>
+            <a:r>
+              <a:rPr lang="en-US" sz="2000" dirty="0" err="1">
+                <a:solidFill>
+                  <a:srgbClr val="FFFFFF"/>
+                </a:solidFill>
+              </a:rPr>
+              <a:t>deallokere</a:t>
+            </a:r>
+            <a:r>
+              <a:rPr lang="en-US" sz="2000" dirty="0">
+                <a:solidFill>
+                  <a:srgbClr val="FFFFFF"/>
+                </a:solidFill>
+              </a:rPr>
+              <a:t> det COM </a:t>
+            </a:r>
+            <a:r>
+              <a:rPr lang="en-US" sz="2000" dirty="0" err="1">
+                <a:solidFill>
+                  <a:srgbClr val="FFFFFF"/>
+                </a:solidFill>
+              </a:rPr>
+              <a:t>objekt</a:t>
+            </a:r>
+            <a:r>
+              <a:rPr lang="en-US" sz="2000" dirty="0">
+                <a:solidFill>
+                  <a:srgbClr val="FFFFFF"/>
+                </a:solidFill>
+              </a:rPr>
+              <a:t> den taler med. </a:t>
+            </a:r>
+            <a:r>
+              <a:rPr lang="en-US" sz="2000" dirty="0" err="1">
+                <a:solidFill>
+                  <a:srgbClr val="FFFFFF"/>
+                </a:solidFill>
+              </a:rPr>
+              <a:t>Inden</a:t>
+            </a:r>
+            <a:r>
+              <a:rPr lang="en-US" sz="2000" dirty="0">
+                <a:solidFill>
+                  <a:srgbClr val="FFFFFF"/>
+                </a:solidFill>
+              </a:rPr>
+              <a:t> Garbage </a:t>
+            </a:r>
+            <a:r>
+              <a:rPr lang="en-US" sz="2000" dirty="0" err="1">
+                <a:solidFill>
+                  <a:srgbClr val="FFFFFF"/>
+                </a:solidFill>
+              </a:rPr>
+              <a:t>collectoren</a:t>
+            </a:r>
+            <a:r>
+              <a:rPr lang="en-US" sz="2000" dirty="0">
+                <a:solidFill>
+                  <a:srgbClr val="FFFFFF"/>
+                </a:solidFill>
+              </a:rPr>
+              <a:t> </a:t>
+            </a:r>
+            <a:r>
+              <a:rPr lang="en-US" sz="2000" dirty="0" err="1">
+                <a:solidFill>
+                  <a:srgbClr val="FFFFFF"/>
+                </a:solidFill>
+              </a:rPr>
+              <a:t>destruerer</a:t>
+            </a:r>
+            <a:r>
+              <a:rPr lang="en-US" sz="2000" dirty="0">
+                <a:solidFill>
+                  <a:srgbClr val="FFFFFF"/>
+                </a:solidFill>
+              </a:rPr>
+              <a:t> RCW.</a:t>
             </a:r>
           </a:p>
         </p:txBody>
@@ -5703,7 +6361,7 @@
             </a:r>
             <a:r>
               <a:rPr lang="en-US" dirty="0"/>
-              <a:t> .NET(2)</a:t>
+              <a:t> .NET (2)</a:t>
             </a:r>
             <a:endParaRPr lang="da-DK" dirty="0"/>
           </a:p>

--- a/Presentations/6_Interoperability.pptx
+++ b/Presentations/6_Interoperability.pptx
@@ -7464,7 +7464,7 @@
                   <a:schemeClr val="bg1"/>
                 </a:solidFill>
               </a:rPr>
-              <a:t> DLL som der prøves at kaldes til. </a:t>
+              <a:t> DLL som er forsøgt kaldt. </a:t>
             </a:r>
           </a:p>
           <a:p>
@@ -8231,11 +8231,11 @@
           <a:p>
             <a:r>
               <a:rPr lang="da-DK" sz="2200" dirty="0"/>
-              <a:t>På grund af en </a:t>
+              <a:t>På grund af </a:t>
             </a:r>
             <a:r>
               <a:rPr lang="da-DK" sz="2200" dirty="0" err="1"/>
-              <a:t>garbagecollector</a:t>
+              <a:t>Garbagecollectoren</a:t>
             </a:r>
             <a:r>
               <a:rPr lang="da-DK" sz="2200" dirty="0"/>
